--- a/SFMS PPT.pptx
+++ b/SFMS PPT.pptx
@@ -261,7 +261,7 @@
           <a:p>
             <a:fld id="{40F1AC9E-A51A-4350-BAC0-86A91A81AC36}" type="datetimeFigureOut">
               <a:rPr lang="en-IN" smtClean="0"/>
-              <a:t>20-09-2023</a:t>
+              <a:t>21-09-2023</a:t>
             </a:fld>
             <a:endParaRPr lang="en-IN" dirty="0"/>
           </a:p>
@@ -443,7 +443,7 @@
           <a:p>
             <a:fld id="{40F1AC9E-A51A-4350-BAC0-86A91A81AC36}" type="datetimeFigureOut">
               <a:rPr lang="en-IN" smtClean="0"/>
-              <a:t>20-09-2023</a:t>
+              <a:t>21-09-2023</a:t>
             </a:fld>
             <a:endParaRPr lang="en-IN" dirty="0"/>
           </a:p>
@@ -635,7 +635,7 @@
           <a:p>
             <a:fld id="{40F1AC9E-A51A-4350-BAC0-86A91A81AC36}" type="datetimeFigureOut">
               <a:rPr lang="en-IN" smtClean="0"/>
-              <a:t>20-09-2023</a:t>
+              <a:t>21-09-2023</a:t>
             </a:fld>
             <a:endParaRPr lang="en-IN" dirty="0"/>
           </a:p>
@@ -4867,7 +4867,7 @@
           <a:p>
             <a:fld id="{40F1AC9E-A51A-4350-BAC0-86A91A81AC36}" type="datetimeFigureOut">
               <a:rPr lang="en-IN" smtClean="0"/>
-              <a:t>20-09-2023</a:t>
+              <a:t>21-09-2023</a:t>
             </a:fld>
             <a:endParaRPr lang="en-IN" dirty="0"/>
           </a:p>
@@ -5125,7 +5125,7 @@
           <a:p>
             <a:fld id="{40F1AC9E-A51A-4350-BAC0-86A91A81AC36}" type="datetimeFigureOut">
               <a:rPr lang="en-IN" smtClean="0"/>
-              <a:t>20-09-2023</a:t>
+              <a:t>21-09-2023</a:t>
             </a:fld>
             <a:endParaRPr lang="en-IN" dirty="0"/>
           </a:p>
@@ -5369,7 +5369,7 @@
           <a:p>
             <a:fld id="{40F1AC9E-A51A-4350-BAC0-86A91A81AC36}" type="datetimeFigureOut">
               <a:rPr lang="en-IN" smtClean="0"/>
-              <a:t>20-09-2023</a:t>
+              <a:t>21-09-2023</a:t>
             </a:fld>
             <a:endParaRPr lang="en-IN" dirty="0"/>
           </a:p>
@@ -5748,7 +5748,7 @@
           <a:p>
             <a:fld id="{40F1AC9E-A51A-4350-BAC0-86A91A81AC36}" type="datetimeFigureOut">
               <a:rPr lang="en-IN" smtClean="0"/>
-              <a:t>20-09-2023</a:t>
+              <a:t>21-09-2023</a:t>
             </a:fld>
             <a:endParaRPr lang="en-IN" dirty="0"/>
           </a:p>
@@ -5878,7 +5878,7 @@
           <a:p>
             <a:fld id="{40F1AC9E-A51A-4350-BAC0-86A91A81AC36}" type="datetimeFigureOut">
               <a:rPr lang="en-IN" smtClean="0"/>
-              <a:t>20-09-2023</a:t>
+              <a:t>21-09-2023</a:t>
             </a:fld>
             <a:endParaRPr lang="en-IN" dirty="0"/>
           </a:p>
@@ -5985,7 +5985,7 @@
           <a:p>
             <a:fld id="{40F1AC9E-A51A-4350-BAC0-86A91A81AC36}" type="datetimeFigureOut">
               <a:rPr lang="en-IN" smtClean="0"/>
-              <a:t>20-09-2023</a:t>
+              <a:t>21-09-2023</a:t>
             </a:fld>
             <a:endParaRPr lang="en-IN" dirty="0"/>
           </a:p>
@@ -6274,7 +6274,7 @@
           <a:p>
             <a:fld id="{40F1AC9E-A51A-4350-BAC0-86A91A81AC36}" type="datetimeFigureOut">
               <a:rPr lang="en-IN" smtClean="0"/>
-              <a:t>20-09-2023</a:t>
+              <a:t>21-09-2023</a:t>
             </a:fld>
             <a:endParaRPr lang="en-IN" dirty="0"/>
           </a:p>
@@ -6539,7 +6539,7 @@
           <a:p>
             <a:fld id="{40F1AC9E-A51A-4350-BAC0-86A91A81AC36}" type="datetimeFigureOut">
               <a:rPr lang="en-IN" smtClean="0"/>
-              <a:t>20-09-2023</a:t>
+              <a:t>21-09-2023</a:t>
             </a:fld>
             <a:endParaRPr lang="en-IN" dirty="0"/>
           </a:p>
@@ -6764,7 +6764,7 @@
           <a:p>
             <a:fld id="{40F1AC9E-A51A-4350-BAC0-86A91A81AC36}" type="datetimeFigureOut">
               <a:rPr lang="en-IN" smtClean="0"/>
-              <a:t>20-09-2023</a:t>
+              <a:t>21-09-2023</a:t>
             </a:fld>
             <a:endParaRPr lang="en-IN" dirty="0"/>
           </a:p>
@@ -10332,22 +10332,42 @@
           <a:p>
             <a:r>
               <a:rPr lang="en-US" sz="1200" b="1" dirty="0"/>
-              <a:t>Login module: </a:t>
+              <a:t>User management module: </a:t>
             </a:r>
             <a:r>
               <a:rPr lang="en-US" sz="1200" dirty="0"/>
-              <a:t>This module login administrator to do the fee payment process.</a:t>
+              <a:t>This module login administrator to access the dashboard.</a:t>
             </a:r>
-            <a:endParaRPr lang="en-US" sz="1200" b="1" dirty="0"/>
           </a:p>
           <a:p>
             <a:r>
               <a:rPr lang="en-US" sz="1200" b="1" dirty="0"/>
-              <a:t>Student registration module: </a:t>
+              <a:t>Class module:  </a:t>
             </a:r>
             <a:r>
               <a:rPr lang="en-US" sz="1200" dirty="0"/>
-              <a:t>This module allows for the registration of new students and the creation of their profiles.</a:t>
+              <a:t>This module give an option to the administrator to see all class student report.</a:t>
+            </a:r>
+          </a:p>
+          <a:p>
+            <a:r>
+              <a:rPr lang="en-US" sz="1200" b="1" dirty="0"/>
+              <a:t>Student module: </a:t>
+            </a:r>
+            <a:r>
+              <a:rPr lang="en-US" sz="1200" dirty="0"/>
+              <a:t>This module allows administrator to registration the details of new students and the creation of their profiles.</a:t>
+            </a:r>
+          </a:p>
+          <a:p>
+            <a:pPr lvl="1"/>
+            <a:r>
+              <a:rPr lang="en-US" sz="1000" b="1" dirty="0"/>
+              <a:t>Student dues: </a:t>
+            </a:r>
+            <a:r>
+              <a:rPr lang="en-US" sz="1000" dirty="0"/>
+              <a:t>This sub module give an option to check dues of a particular student.</a:t>
             </a:r>
           </a:p>
           <a:p>
@@ -10362,25 +10382,12 @@
           </a:p>
           <a:p>
             <a:r>
-              <a:rPr lang="en-US" sz="1200" dirty="0"/>
-              <a:t> </a:t>
-            </a:r>
-            <a:r>
               <a:rPr lang="en-US" sz="1200" b="1" dirty="0"/>
-              <a:t>Fee receipt generation process : </a:t>
+              <a:t>Report module: </a:t>
             </a:r>
             <a:r>
               <a:rPr lang="en-US" sz="1200" dirty="0"/>
-              <a:t>This process generates fee receipts for students after they have paid their fees.</a:t>
-            </a:r>
-          </a:p>
-          <a:p>
-            <a:pPr marL="0" indent="0">
-              <a:buNone/>
-            </a:pPr>
-            <a:r>
-              <a:rPr lang="en-US" sz="1200" dirty="0"/>
-              <a:t> </a:t>
+              <a:t>This module generates reports on fee collections, outstanding fees, and other related data.</a:t>
             </a:r>
           </a:p>
         </p:txBody>
@@ -10403,8 +10410,8 @@
         </p:nvSpPr>
         <p:spPr>
           <a:xfrm>
-            <a:off x="8365776" y="2810790"/>
-            <a:ext cx="3211288" cy="3858701"/>
+            <a:off x="8365776" y="2810791"/>
+            <a:ext cx="3211288" cy="3545560"/>
           </a:xfrm>
         </p:spPr>
         <p:txBody>
@@ -10413,32 +10420,23 @@
           </a:bodyPr>
           <a:lstStyle/>
           <a:p>
-            <a:pPr marL="0" indent="0">
-              <a:buNone/>
-            </a:pPr>
-            <a:r>
-              <a:rPr lang="en-US" sz="1200" dirty="0"/>
-              <a:t>.</a:t>
-            </a:r>
-          </a:p>
-          <a:p>
             <a:r>
               <a:rPr lang="en-US" sz="1200" b="1" dirty="0"/>
-              <a:t>Fee reporting module: </a:t>
+              <a:t>Fee receipt generation process : </a:t>
             </a:r>
             <a:r>
               <a:rPr lang="en-US" sz="1200" dirty="0"/>
-              <a:t>This module generates reports on fee collections, outstanding fees, and other related data.</a:t>
+              <a:t>This process generates fee receipts for students after they have paid their fees. </a:t>
             </a:r>
           </a:p>
           <a:p>
             <a:r>
               <a:rPr lang="en-US" sz="1200" b="1" dirty="0"/>
-              <a:t>Fee payment status table: </a:t>
+              <a:t>Student details table : </a:t>
             </a:r>
             <a:r>
               <a:rPr lang="en-US" sz="1200" dirty="0"/>
-              <a:t>This table shows the status of fees paid by the users.</a:t>
+              <a:t>This table gives the structure of student details.</a:t>
             </a:r>
           </a:p>
           <a:p>
@@ -10454,11 +10452,11 @@
           <a:p>
             <a:r>
               <a:rPr lang="en-US" sz="1200" b="1" dirty="0"/>
-              <a:t>Student details table : </a:t>
+              <a:t>Fee payment status table: </a:t>
             </a:r>
             <a:r>
               <a:rPr lang="en-US" sz="1200" dirty="0"/>
-              <a:t>This table gives the structure of student details.</a:t>
+              <a:t>This table shows the status of fees paid by the users.</a:t>
             </a:r>
           </a:p>
         </p:txBody>
@@ -17093,14 +17091,14 @@
             <p:ph idx="4294967295"/>
             <p:extLst>
               <p:ext uri="{D42A27DB-BD31-4B8C-83A1-F6EECF244321}">
-                <p14:modId xmlns:p14="http://schemas.microsoft.com/office/powerpoint/2010/main" val="1560646886"/>
+                <p14:modId xmlns:p14="http://schemas.microsoft.com/office/powerpoint/2010/main" val="2328664319"/>
               </p:ext>
             </p:extLst>
           </p:nvPr>
         </p:nvGraphicFramePr>
         <p:xfrm>
           <a:off x="3210853" y="776189"/>
-          <a:ext cx="8173158" cy="5725732"/>
+          <a:ext cx="8173158" cy="5822124"/>
         </p:xfrm>
         <a:graphic>
           <a:graphicData uri="http://schemas.openxmlformats.org/drawingml/2006/table">
@@ -17836,6 +17834,36 @@
                           <a:cs typeface="Gill Sans Light" panose="020B0302020104020203"/>
                         </a:rPr>
                         <a:t>SATYAM KUMAR</a:t>
+                      </a:r>
+                    </a:p>
+                    <a:p>
+                      <a:pPr marL="0" marR="0" indent="0" algn="ctr" defTabSz="1371600" rtl="0" eaLnBrk="1" fontAlgn="auto" latinLnBrk="0" hangingPunct="1">
+                        <a:lnSpc>
+                          <a:spcPct val="100000"/>
+                        </a:lnSpc>
+                        <a:spcBef>
+                          <a:spcPts val="0"/>
+                        </a:spcBef>
+                        <a:spcAft>
+                          <a:spcPts val="0"/>
+                        </a:spcAft>
+                        <a:buClrTx/>
+                        <a:buSzTx/>
+                        <a:buFont typeface="Arial" panose="020B0604020202020204" pitchFamily="34" charset="0"/>
+                        <a:buNone/>
+                        <a:tabLst/>
+                        <a:defRPr/>
+                      </a:pPr>
+                      <a:r>
+                        <a:rPr lang="en-US" sz="1400" b="0" i="0" baseline="0" dirty="0">
+                          <a:solidFill>
+                            <a:schemeClr val="tx1"/>
+                          </a:solidFill>
+                          <a:latin typeface="+mn-lt"/>
+                          <a:ea typeface="+mn-ea"/>
+                          <a:cs typeface="Gill Sans Light" panose="020B0302020104020203"/>
+                        </a:rPr>
+                        <a:t>VIKARN KUMAR JHA</a:t>
                       </a:r>
                     </a:p>
                   </a:txBody>
@@ -24535,7 +24563,7 @@
         </p:nvSpPr>
         <p:spPr>
           <a:xfrm flipH="1">
-            <a:off x="537881" y="1048572"/>
+            <a:off x="537881" y="1055128"/>
             <a:ext cx="10796188" cy="4666716"/>
           </a:xfrm>
           <a:prstGeom prst="rect">
@@ -24880,14 +24908,14 @@
             <p:ph idx="4294967295"/>
             <p:extLst>
               <p:ext uri="{D42A27DB-BD31-4B8C-83A1-F6EECF244321}">
-                <p14:modId xmlns:p14="http://schemas.microsoft.com/office/powerpoint/2010/main" val="1328337570"/>
+                <p14:modId xmlns:p14="http://schemas.microsoft.com/office/powerpoint/2010/main" val="677440944"/>
               </p:ext>
             </p:extLst>
           </p:nvPr>
         </p:nvGraphicFramePr>
         <p:xfrm>
-          <a:off x="1138518" y="1075763"/>
-          <a:ext cx="10685933" cy="4616382"/>
+          <a:off x="1098252" y="1055128"/>
+          <a:ext cx="10685933" cy="4598454"/>
         </p:xfrm>
         <a:graphic>
           <a:graphicData uri="http://schemas.openxmlformats.org/drawingml/2006/table">
@@ -24896,28 +24924,28 @@
                 <a:tableStyleId>{073A0DAA-6AF3-43AB-8588-CEC1D06C72B9}</a:tableStyleId>
               </a:tblPr>
               <a:tblGrid>
-                <a:gridCol w="2628687">
+                <a:gridCol w="2523489">
                   <a:extLst>
                     <a:ext uri="{9D8B030D-6E8A-4147-A177-3AD203B41FA5}">
                       <a16:colId xmlns:a16="http://schemas.microsoft.com/office/drawing/2014/main" val="2481577866"/>
                     </a:ext>
                   </a:extLst>
                 </a:gridCol>
-                <a:gridCol w="2714280">
+                <a:gridCol w="2590800">
                   <a:extLst>
                     <a:ext uri="{9D8B030D-6E8A-4147-A177-3AD203B41FA5}">
                       <a16:colId xmlns:a16="http://schemas.microsoft.com/office/drawing/2014/main" val="2836427615"/>
                     </a:ext>
                   </a:extLst>
                 </a:gridCol>
-                <a:gridCol w="2671483">
+                <a:gridCol w="3433483">
                   <a:extLst>
                     <a:ext uri="{9D8B030D-6E8A-4147-A177-3AD203B41FA5}">
                       <a16:colId xmlns:a16="http://schemas.microsoft.com/office/drawing/2014/main" val="310093864"/>
                     </a:ext>
                   </a:extLst>
                 </a:gridCol>
-                <a:gridCol w="2671483">
+                <a:gridCol w="2138161">
                   <a:extLst>
                     <a:ext uri="{9D8B030D-6E8A-4147-A177-3AD203B41FA5}">
                       <a16:colId xmlns:a16="http://schemas.microsoft.com/office/drawing/2014/main" val="2023951014"/>
@@ -25190,7 +25218,7 @@
                     <a:p>
                       <a:pPr algn="ctr">
                         <a:lnSpc>
-                          <a:spcPct val="150000"/>
+                          <a:spcPct val="100000"/>
                         </a:lnSpc>
                       </a:pPr>
                       <a:r>
@@ -26049,7 +26077,7 @@
         </p:nvSpPr>
         <p:spPr>
           <a:xfrm>
-            <a:off x="8120862" y="427984"/>
+            <a:off x="7812821" y="447700"/>
             <a:ext cx="3736921" cy="369332"/>
           </a:xfrm>
           <a:prstGeom prst="rect">

--- a/SFMS PPT.pptx
+++ b/SFMS PPT.pptx
@@ -10356,7 +10356,18 @@
             </a:r>
             <a:r>
               <a:rPr lang="en-US" sz="1200" dirty="0"/>
-              <a:t>This module allows administrator to registration the details of new students and the creation of their profiles.</a:t>
+              <a:t>This module allows administrator to register the details of new students and check dues of students.</a:t>
+            </a:r>
+          </a:p>
+          <a:p>
+            <a:pPr lvl="1"/>
+            <a:r>
+              <a:rPr lang="en-US" sz="1000" b="1" dirty="0"/>
+              <a:t>Add student:</a:t>
+            </a:r>
+            <a:r>
+              <a:rPr lang="en-US" sz="1000" dirty="0"/>
+              <a:t> This sub module give an option to add student details.</a:t>
             </a:r>
           </a:p>
           <a:p>
@@ -10377,17 +10388,7 @@
             </a:r>
             <a:r>
               <a:rPr lang="en-US" sz="1200" dirty="0"/>
-              <a:t>This module gives the payment detail from all the other modules</a:t>
-            </a:r>
-          </a:p>
-          <a:p>
-            <a:r>
-              <a:rPr lang="en-US" sz="1200" b="1" dirty="0"/>
-              <a:t>Report module: </a:t>
-            </a:r>
-            <a:r>
-              <a:rPr lang="en-US" sz="1200" dirty="0"/>
-              <a:t>This module generates reports on fee collections, outstanding fees, and other related data.</a:t>
+              <a:t>This module gives the payment details of student by checking all the table.</a:t>
             </a:r>
           </a:p>
         </p:txBody>
@@ -10410,8 +10411,8 @@
         </p:nvSpPr>
         <p:spPr>
           <a:xfrm>
-            <a:off x="8365776" y="2810791"/>
-            <a:ext cx="3211288" cy="3545560"/>
+            <a:off x="8365776" y="1972235"/>
+            <a:ext cx="3211288" cy="4384116"/>
           </a:xfrm>
         </p:spPr>
         <p:txBody>
@@ -10422,6 +10423,16 @@
           <a:p>
             <a:r>
               <a:rPr lang="en-US" sz="1200" b="1" dirty="0"/>
+              <a:t>Report module: </a:t>
+            </a:r>
+            <a:r>
+              <a:rPr lang="en-US" sz="1200" dirty="0"/>
+              <a:t>This module generates reports on fee collections, outstanding fees, and other related data.</a:t>
+            </a:r>
+          </a:p>
+          <a:p>
+            <a:r>
+              <a:rPr lang="en-US" sz="1200" b="1" dirty="0"/>
               <a:t>Fee receipt generation process : </a:t>
             </a:r>
             <a:r>
@@ -10436,7 +10447,7 @@
             </a:r>
             <a:r>
               <a:rPr lang="en-US" sz="1200" dirty="0"/>
-              <a:t>This table gives the structure of student details.</a:t>
+              <a:t>This table shows the details of students.</a:t>
             </a:r>
           </a:p>
           <a:p>
@@ -10446,7 +10457,7 @@
             </a:r>
             <a:r>
               <a:rPr lang="en-US" sz="1200" dirty="0"/>
-              <a:t>This table gives the structure of fee detail to pay the bill by the users.</a:t>
+              <a:t>This table shows the fee structure of school.</a:t>
             </a:r>
           </a:p>
           <a:p>
@@ -14423,7 +14434,7 @@
         </p:nvSpPr>
         <p:spPr>
           <a:xfrm>
-            <a:off x="6680421" y="4689989"/>
+            <a:off x="6581806" y="4689989"/>
             <a:ext cx="2913230" cy="163471"/>
           </a:xfrm>
           <a:prstGeom prst="homePlate">
@@ -14437,6 +14448,13 @@
           <a:ln>
             <a:noFill/>
           </a:ln>
+          <a:scene3d>
+            <a:camera prst="orthographicFront"/>
+            <a:lightRig rig="threePt" dir="t"/>
+          </a:scene3d>
+          <a:sp3d>
+            <a:bevelT/>
+          </a:sp3d>
         </p:spPr>
         <p:txBody>
           <a:bodyPr spcFirstLastPara="1" wrap="square" lIns="91425" tIns="45700" rIns="91425" bIns="45700" anchor="ctr" anchorCtr="0">
@@ -14465,7 +14483,7 @@
         </p:nvSpPr>
         <p:spPr>
           <a:xfrm>
-            <a:off x="3834099" y="5147270"/>
+            <a:off x="3825134" y="5147270"/>
             <a:ext cx="5692645" cy="157306"/>
           </a:xfrm>
           <a:prstGeom prst="homePlate">
@@ -14479,6 +14497,13 @@
           <a:ln>
             <a:noFill/>
           </a:ln>
+          <a:scene3d>
+            <a:camera prst="orthographicFront"/>
+            <a:lightRig rig="threePt" dir="t"/>
+          </a:scene3d>
+          <a:sp3d>
+            <a:bevelT/>
+          </a:sp3d>
         </p:spPr>
         <p:txBody>
           <a:bodyPr spcFirstLastPara="1" wrap="square" lIns="91425" tIns="45700" rIns="91425" bIns="45700" anchor="ctr" anchorCtr="0">
@@ -14521,6 +14546,13 @@
           <a:ln>
             <a:noFill/>
           </a:ln>
+          <a:scene3d>
+            <a:camera prst="orthographicFront"/>
+            <a:lightRig rig="threePt" dir="t"/>
+          </a:scene3d>
+          <a:sp3d>
+            <a:bevelT/>
+          </a:sp3d>
         </p:spPr>
         <p:txBody>
           <a:bodyPr spcFirstLastPara="1" wrap="square" lIns="91425" tIns="45700" rIns="91425" bIns="45700" anchor="ctr" anchorCtr="0">
@@ -14563,6 +14595,13 @@
           <a:ln>
             <a:noFill/>
           </a:ln>
+          <a:scene3d>
+            <a:camera prst="orthographicFront"/>
+            <a:lightRig rig="threePt" dir="t"/>
+          </a:scene3d>
+          <a:sp3d>
+            <a:bevelT/>
+          </a:sp3d>
         </p:spPr>
         <p:txBody>
           <a:bodyPr spcFirstLastPara="1" wrap="square" lIns="91425" tIns="45700" rIns="91425" bIns="45700" anchor="ctr" anchorCtr="0">
@@ -14672,7 +14711,7 @@
         </p:nvSpPr>
         <p:spPr>
           <a:xfrm>
-            <a:off x="4590393" y="2868501"/>
+            <a:off x="4590393" y="2865445"/>
             <a:ext cx="770501" cy="113082"/>
           </a:xfrm>
           <a:prstGeom prst="homePlate">
@@ -14686,6 +14725,13 @@
           <a:ln>
             <a:noFill/>
           </a:ln>
+          <a:scene3d>
+            <a:camera prst="orthographicFront"/>
+            <a:lightRig rig="threePt" dir="t"/>
+          </a:scene3d>
+          <a:sp3d>
+            <a:bevelT/>
+          </a:sp3d>
         </p:spPr>
         <p:txBody>
           <a:bodyPr spcFirstLastPara="1" wrap="square" lIns="91425" tIns="45700" rIns="91425" bIns="45700" anchor="ctr" anchorCtr="0">
@@ -14728,6 +14774,13 @@
           <a:ln>
             <a:noFill/>
           </a:ln>
+          <a:scene3d>
+            <a:camera prst="orthographicFront"/>
+            <a:lightRig rig="threePt" dir="t"/>
+          </a:scene3d>
+          <a:sp3d>
+            <a:bevelT/>
+          </a:sp3d>
         </p:spPr>
         <p:txBody>
           <a:bodyPr spcFirstLastPara="1" wrap="square" lIns="91425" tIns="45700" rIns="91425" bIns="45700" anchor="ctr" anchorCtr="0">
@@ -14770,6 +14823,13 @@
           <a:ln>
             <a:noFill/>
           </a:ln>
+          <a:scene3d>
+            <a:camera prst="orthographicFront"/>
+            <a:lightRig rig="threePt" dir="t"/>
+          </a:scene3d>
+          <a:sp3d>
+            <a:bevelT/>
+          </a:sp3d>
         </p:spPr>
         <p:txBody>
           <a:bodyPr spcFirstLastPara="1" wrap="square" lIns="91425" tIns="45700" rIns="91425" bIns="45700" anchor="ctr" anchorCtr="0">
@@ -14889,6 +14949,13 @@
           <a:ln>
             <a:noFill/>
           </a:ln>
+          <a:scene3d>
+            <a:camera prst="orthographicFront"/>
+            <a:lightRig rig="threePt" dir="t"/>
+          </a:scene3d>
+          <a:sp3d>
+            <a:bevelT/>
+          </a:sp3d>
         </p:spPr>
         <p:txBody>
           <a:bodyPr spcFirstLastPara="1" wrap="square" lIns="91425" tIns="45700" rIns="91425" bIns="45700" anchor="ctr" anchorCtr="0">
@@ -14924,7 +14991,7 @@
         </p:blipFill>
         <p:spPr>
           <a:xfrm>
-            <a:off x="9519056" y="4543124"/>
+            <a:off x="9483196" y="4543124"/>
             <a:ext cx="457200" cy="457200"/>
           </a:xfrm>
           <a:prstGeom prst="rect">
@@ -17091,14 +17158,14 @@
             <p:ph idx="4294967295"/>
             <p:extLst>
               <p:ext uri="{D42A27DB-BD31-4B8C-83A1-F6EECF244321}">
-                <p14:modId xmlns:p14="http://schemas.microsoft.com/office/powerpoint/2010/main" val="2328664319"/>
+                <p14:modId xmlns:p14="http://schemas.microsoft.com/office/powerpoint/2010/main" val="2287997636"/>
               </p:ext>
             </p:extLst>
           </p:nvPr>
         </p:nvGraphicFramePr>
         <p:xfrm>
           <a:off x="3210853" y="776189"/>
-          <a:ext cx="8173158" cy="5822124"/>
+          <a:ext cx="8173158" cy="5791176"/>
         </p:xfrm>
         <a:graphic>
           <a:graphicData uri="http://schemas.openxmlformats.org/drawingml/2006/table">
@@ -17676,17 +17743,6 @@
                         <a:defRPr/>
                       </a:pPr>
                       <a:r>
-                        <a:rPr lang="en-US" sz="1400" b="0" i="0" dirty="0">
-                          <a:solidFill>
-                            <a:schemeClr val="dk1"/>
-                          </a:solidFill>
-                          <a:latin typeface="+mn-lt"/>
-                          <a:ea typeface="+mn-ea"/>
-                          <a:cs typeface="+mn-cs"/>
-                        </a:rPr>
-                        <a:t>TOTAL</a:t>
-                      </a:r>
-                      <a:r>
                         <a:rPr lang="en-US" sz="1400" b="0" i="0" baseline="0" dirty="0">
                           <a:solidFill>
                             <a:schemeClr val="dk1"/>
@@ -17695,7 +17751,7 @@
                           <a:ea typeface="+mn-ea"/>
                           <a:cs typeface="+mn-cs"/>
                         </a:rPr>
-                        <a:t> DAYS + 40% = 73 DAYS</a:t>
+                        <a:t>TIME TAKEN = 73 DAYS</a:t>
                       </a:r>
                       <a:endParaRPr lang="ru-RU" sz="1400" b="0" i="0" dirty="0">
                         <a:solidFill>
@@ -17892,17 +17948,6 @@
                         <a:defRPr/>
                       </a:pPr>
                       <a:r>
-                        <a:rPr lang="en-US" sz="1400" b="0" i="0" dirty="0">
-                          <a:solidFill>
-                            <a:schemeClr val="dk1"/>
-                          </a:solidFill>
-                          <a:latin typeface="+mn-lt"/>
-                          <a:ea typeface="+mn-ea"/>
-                          <a:cs typeface="+mn-cs"/>
-                        </a:rPr>
-                        <a:t>TOTAL</a:t>
-                      </a:r>
-                      <a:r>
                         <a:rPr lang="en-US" sz="1400" b="0" i="0" baseline="0" dirty="0">
                           <a:solidFill>
                             <a:schemeClr val="dk1"/>
@@ -17911,7 +17956,7 @@
                           <a:ea typeface="+mn-ea"/>
                           <a:cs typeface="+mn-cs"/>
                         </a:rPr>
-                        <a:t> DAYS + 15% = 27 DAYS</a:t>
+                        <a:t>TIME TAKEN = 27 DAYS</a:t>
                       </a:r>
                       <a:endParaRPr lang="ru-RU" sz="1400" b="0" i="0" dirty="0">
                         <a:solidFill>
@@ -18162,17 +18207,6 @@
                         <a:defRPr/>
                       </a:pPr>
                       <a:r>
-                        <a:rPr lang="en-US" sz="1400" b="0" i="0" dirty="0">
-                          <a:solidFill>
-                            <a:schemeClr val="dk1"/>
-                          </a:solidFill>
-                          <a:latin typeface="+mn-lt"/>
-                          <a:ea typeface="+mn-ea"/>
-                          <a:cs typeface="+mn-cs"/>
-                        </a:rPr>
-                        <a:t>TOTAL</a:t>
-                      </a:r>
-                      <a:r>
                         <a:rPr lang="en-US" sz="1400" b="0" i="0" baseline="0" dirty="0">
                           <a:solidFill>
                             <a:schemeClr val="dk1"/>
@@ -18181,7 +18215,7 @@
                           <a:ea typeface="+mn-ea"/>
                           <a:cs typeface="+mn-cs"/>
                         </a:rPr>
-                        <a:t> DAYS + 25% =47 DAYS</a:t>
+                        <a:t>TIME TAKEN =47 DAYS</a:t>
                       </a:r>
                       <a:endParaRPr lang="ru-RU" sz="1400" b="0" i="0" dirty="0">
                         <a:solidFill>
@@ -18251,33 +18285,6 @@
                   <a:txBody>
                     <a:bodyPr/>
                     <a:lstStyle/>
-                    <a:p>
-                      <a:pPr marL="0" marR="0" indent="0" algn="ctr" defTabSz="1371600" rtl="0" eaLnBrk="1" fontAlgn="auto" latinLnBrk="0" hangingPunct="1">
-                        <a:lnSpc>
-                          <a:spcPct val="100000"/>
-                        </a:lnSpc>
-                        <a:spcBef>
-                          <a:spcPts val="0"/>
-                        </a:spcBef>
-                        <a:spcAft>
-                          <a:spcPts val="0"/>
-                        </a:spcAft>
-                        <a:buClrTx/>
-                        <a:buSzTx/>
-                        <a:buFontTx/>
-                        <a:buNone/>
-                        <a:tabLst/>
-                        <a:defRPr/>
-                      </a:pPr>
-                      <a:endParaRPr lang="en-US" sz="1400" b="0" i="0" baseline="0" dirty="0">
-                        <a:solidFill>
-                          <a:schemeClr val="tx1"/>
-                        </a:solidFill>
-                        <a:latin typeface="Gill Sans Light" panose="020B0302020104020203" pitchFamily="34" charset="-79"/>
-                        <a:ea typeface="Roboto Light" panose="02000000000000000000" pitchFamily="2" charset="0"/>
-                        <a:cs typeface="Gill Sans Light" panose="020B0302020104020203"/>
-                      </a:endParaRPr>
-                    </a:p>
                     <a:p>
                       <a:pPr marL="0" marR="0" indent="0" algn="ctr" defTabSz="1371600" rtl="0" eaLnBrk="1" fontAlgn="auto" latinLnBrk="0" hangingPunct="1">
                         <a:lnSpc>
@@ -18383,17 +18390,6 @@
                         <a:defRPr/>
                       </a:pPr>
                       <a:r>
-                        <a:rPr lang="en-US" sz="1400" b="0" i="0" dirty="0">
-                          <a:solidFill>
-                            <a:schemeClr val="dk1"/>
-                          </a:solidFill>
-                          <a:latin typeface="+mn-lt"/>
-                          <a:ea typeface="+mn-ea"/>
-                          <a:cs typeface="+mn-cs"/>
-                        </a:rPr>
-                        <a:t>TOTAL</a:t>
-                      </a:r>
-                      <a:r>
                         <a:rPr lang="en-US" sz="1400" b="0" i="0" baseline="0" dirty="0">
                           <a:solidFill>
                             <a:schemeClr val="dk1"/>
@@ -18402,7 +18398,7 @@
                           <a:ea typeface="+mn-ea"/>
                           <a:cs typeface="+mn-cs"/>
                         </a:rPr>
-                        <a:t> DAYS + 15% = 24 DAYS</a:t>
+                        <a:t>TIME TAKEN = 24 DAYS</a:t>
                       </a:r>
                       <a:endParaRPr lang="ru-RU" sz="1400" b="0" i="0" dirty="0">
                         <a:solidFill>
@@ -18656,17 +18652,6 @@
                         <a:defRPr/>
                       </a:pPr>
                       <a:r>
-                        <a:rPr lang="en-US" sz="1400" b="0" i="0" dirty="0">
-                          <a:solidFill>
-                            <a:schemeClr val="dk1"/>
-                          </a:solidFill>
-                          <a:latin typeface="+mn-lt"/>
-                          <a:ea typeface="+mn-ea"/>
-                          <a:cs typeface="+mn-cs"/>
-                        </a:rPr>
-                        <a:t>TOTAL</a:t>
-                      </a:r>
-                      <a:r>
                         <a:rPr lang="en-US" sz="1400" b="0" i="0" baseline="0" dirty="0">
                           <a:solidFill>
                             <a:schemeClr val="dk1"/>
@@ -18675,7 +18660,7 @@
                           <a:ea typeface="+mn-ea"/>
                           <a:cs typeface="+mn-cs"/>
                         </a:rPr>
-                        <a:t> DAYS +5% = 11 DAYS</a:t>
+                        <a:t>TIME TAKEN = 11 DAYS</a:t>
                       </a:r>
                       <a:endParaRPr lang="ru-RU" sz="1400" b="0" i="0" dirty="0">
                         <a:solidFill>
@@ -19675,11 +19660,11 @@
             </a:pPr>
             <a:r>
               <a:rPr lang="en-US" b="1" dirty="0"/>
-              <a:t>Integration with other school management system:- </a:t>
+              <a:t>Integration with other school management system software:- </a:t>
             </a:r>
             <a:r>
               <a:rPr lang="en-US" dirty="0"/>
-              <a:t>The school fees management system can be integrated with other school management systems like attendance management , grade management, and student information management. This will help schools to have a complete overview of the operations and make informed decisions.</a:t>
+              <a:t>The school fees management system can be integrated with other school management systems like attendance management , grade management, and more. This will help schools to have a complete overview of the operations and make informed decisions.</a:t>
             </a:r>
           </a:p>
           <a:p>

--- a/SFMS PPT.pptx
+++ b/SFMS PPT.pptx
@@ -5,25 +5,24 @@
     <p:sldMasterId id="2147483648" r:id="rId1"/>
   </p:sldMasterIdLst>
   <p:sldIdLst>
-    <p:sldId id="276" r:id="rId2"/>
-    <p:sldId id="257" r:id="rId3"/>
-    <p:sldId id="274" r:id="rId4"/>
-    <p:sldId id="258" r:id="rId5"/>
-    <p:sldId id="259" r:id="rId6"/>
-    <p:sldId id="260" r:id="rId7"/>
-    <p:sldId id="261" r:id="rId8"/>
-    <p:sldId id="264" r:id="rId9"/>
-    <p:sldId id="263" r:id="rId10"/>
-    <p:sldId id="272" r:id="rId11"/>
-    <p:sldId id="269" r:id="rId12"/>
-    <p:sldId id="270" r:id="rId13"/>
-    <p:sldId id="262" r:id="rId14"/>
-    <p:sldId id="273" r:id="rId15"/>
-    <p:sldId id="267" r:id="rId16"/>
-    <p:sldId id="265" r:id="rId17"/>
-    <p:sldId id="277" r:id="rId18"/>
-    <p:sldId id="271" r:id="rId19"/>
-    <p:sldId id="275" r:id="rId20"/>
+    <p:sldId id="257" r:id="rId2"/>
+    <p:sldId id="274" r:id="rId3"/>
+    <p:sldId id="258" r:id="rId4"/>
+    <p:sldId id="259" r:id="rId5"/>
+    <p:sldId id="260" r:id="rId6"/>
+    <p:sldId id="261" r:id="rId7"/>
+    <p:sldId id="264" r:id="rId8"/>
+    <p:sldId id="263" r:id="rId9"/>
+    <p:sldId id="272" r:id="rId10"/>
+    <p:sldId id="269" r:id="rId11"/>
+    <p:sldId id="270" r:id="rId12"/>
+    <p:sldId id="262" r:id="rId13"/>
+    <p:sldId id="273" r:id="rId14"/>
+    <p:sldId id="267" r:id="rId15"/>
+    <p:sldId id="265" r:id="rId16"/>
+    <p:sldId id="277" r:id="rId17"/>
+    <p:sldId id="271" r:id="rId18"/>
+    <p:sldId id="275" r:id="rId19"/>
   </p:sldIdLst>
   <p:sldSz cx="12192000" cy="6858000"/>
   <p:notesSz cx="6858000" cy="9144000"/>
@@ -261,7 +260,7 @@
           <a:p>
             <a:fld id="{40F1AC9E-A51A-4350-BAC0-86A91A81AC36}" type="datetimeFigureOut">
               <a:rPr lang="en-IN" smtClean="0"/>
-              <a:t>21-09-2023</a:t>
+              <a:t>23-09-2023</a:t>
             </a:fld>
             <a:endParaRPr lang="en-IN" dirty="0"/>
           </a:p>
@@ -443,7 +442,7 @@
           <a:p>
             <a:fld id="{40F1AC9E-A51A-4350-BAC0-86A91A81AC36}" type="datetimeFigureOut">
               <a:rPr lang="en-IN" smtClean="0"/>
-              <a:t>21-09-2023</a:t>
+              <a:t>23-09-2023</a:t>
             </a:fld>
             <a:endParaRPr lang="en-IN" dirty="0"/>
           </a:p>
@@ -635,7 +634,7 @@
           <a:p>
             <a:fld id="{40F1AC9E-A51A-4350-BAC0-86A91A81AC36}" type="datetimeFigureOut">
               <a:rPr lang="en-IN" smtClean="0"/>
-              <a:t>21-09-2023</a:t>
+              <a:t>23-09-2023</a:t>
             </a:fld>
             <a:endParaRPr lang="en-IN" dirty="0"/>
           </a:p>
@@ -4867,7 +4866,7 @@
           <a:p>
             <a:fld id="{40F1AC9E-A51A-4350-BAC0-86A91A81AC36}" type="datetimeFigureOut">
               <a:rPr lang="en-IN" smtClean="0"/>
-              <a:t>21-09-2023</a:t>
+              <a:t>23-09-2023</a:t>
             </a:fld>
             <a:endParaRPr lang="en-IN" dirty="0"/>
           </a:p>
@@ -5125,7 +5124,7 @@
           <a:p>
             <a:fld id="{40F1AC9E-A51A-4350-BAC0-86A91A81AC36}" type="datetimeFigureOut">
               <a:rPr lang="en-IN" smtClean="0"/>
-              <a:t>21-09-2023</a:t>
+              <a:t>23-09-2023</a:t>
             </a:fld>
             <a:endParaRPr lang="en-IN" dirty="0"/>
           </a:p>
@@ -5369,7 +5368,7 @@
           <a:p>
             <a:fld id="{40F1AC9E-A51A-4350-BAC0-86A91A81AC36}" type="datetimeFigureOut">
               <a:rPr lang="en-IN" smtClean="0"/>
-              <a:t>21-09-2023</a:t>
+              <a:t>23-09-2023</a:t>
             </a:fld>
             <a:endParaRPr lang="en-IN" dirty="0"/>
           </a:p>
@@ -5748,7 +5747,7 @@
           <a:p>
             <a:fld id="{40F1AC9E-A51A-4350-BAC0-86A91A81AC36}" type="datetimeFigureOut">
               <a:rPr lang="en-IN" smtClean="0"/>
-              <a:t>21-09-2023</a:t>
+              <a:t>23-09-2023</a:t>
             </a:fld>
             <a:endParaRPr lang="en-IN" dirty="0"/>
           </a:p>
@@ -5878,7 +5877,7 @@
           <a:p>
             <a:fld id="{40F1AC9E-A51A-4350-BAC0-86A91A81AC36}" type="datetimeFigureOut">
               <a:rPr lang="en-IN" smtClean="0"/>
-              <a:t>21-09-2023</a:t>
+              <a:t>23-09-2023</a:t>
             </a:fld>
             <a:endParaRPr lang="en-IN" dirty="0"/>
           </a:p>
@@ -5985,7 +5984,7 @@
           <a:p>
             <a:fld id="{40F1AC9E-A51A-4350-BAC0-86A91A81AC36}" type="datetimeFigureOut">
               <a:rPr lang="en-IN" smtClean="0"/>
-              <a:t>21-09-2023</a:t>
+              <a:t>23-09-2023</a:t>
             </a:fld>
             <a:endParaRPr lang="en-IN" dirty="0"/>
           </a:p>
@@ -6274,7 +6273,7 @@
           <a:p>
             <a:fld id="{40F1AC9E-A51A-4350-BAC0-86A91A81AC36}" type="datetimeFigureOut">
               <a:rPr lang="en-IN" smtClean="0"/>
-              <a:t>21-09-2023</a:t>
+              <a:t>23-09-2023</a:t>
             </a:fld>
             <a:endParaRPr lang="en-IN" dirty="0"/>
           </a:p>
@@ -6539,7 +6538,7 @@
           <a:p>
             <a:fld id="{40F1AC9E-A51A-4350-BAC0-86A91A81AC36}" type="datetimeFigureOut">
               <a:rPr lang="en-IN" smtClean="0"/>
-              <a:t>21-09-2023</a:t>
+              <a:t>23-09-2023</a:t>
             </a:fld>
             <a:endParaRPr lang="en-IN" dirty="0"/>
           </a:p>
@@ -6764,7 +6763,7 @@
           <a:p>
             <a:fld id="{40F1AC9E-A51A-4350-BAC0-86A91A81AC36}" type="datetimeFigureOut">
               <a:rPr lang="en-IN" smtClean="0"/>
-              <a:t>21-09-2023</a:t>
+              <a:t>23-09-2023</a:t>
             </a:fld>
             <a:endParaRPr lang="en-IN" dirty="0"/>
           </a:p>
@@ -7188,11 +7187,19 @@
       </p:grpSpPr>
       <p:pic>
         <p:nvPicPr>
-          <p:cNvPr id="2" name="Picture 1"/>
+          <p:cNvPr id="5" name="Picture Placeholder 4" descr="Abstract Building" title="Abstract Building">
+            <a:extLst>
+              <a:ext uri="{FF2B5EF4-FFF2-40B4-BE49-F238E27FC236}">
+                <a16:creationId xmlns:a16="http://schemas.microsoft.com/office/drawing/2014/main" id="{1805319F-612A-49F0-B6DA-8A214D5DBD2A}"/>
+              </a:ext>
+            </a:extLst>
+          </p:cNvPr>
           <p:cNvPicPr>
-            <a:picLocks noChangeAspect="1"/>
+            <a:picLocks noGrp="1" noChangeAspect="1"/>
           </p:cNvPicPr>
-          <p:nvPr/>
+          <p:nvPr>
+            <p:ph type="pic" sz="quarter" idx="15"/>
+          </p:nvPr>
         </p:nvPicPr>
         <p:blipFill>
           <a:blip r:embed="rId2">
@@ -7203,33 +7210,880 @@
             </a:extLst>
           </a:blip>
           <a:srcRect/>
-          <a:stretch/>
+          <a:stretch>
+            <a:fillRect/>
+          </a:stretch>
         </p:blipFill>
+        <p:spPr/>
+      </p:pic>
+      <p:sp>
+        <p:nvSpPr>
+          <p:cNvPr id="35" name="Rectangle 34">
+            <a:extLst>
+              <a:ext uri="{FF2B5EF4-FFF2-40B4-BE49-F238E27FC236}">
+                <a16:creationId xmlns:a16="http://schemas.microsoft.com/office/drawing/2014/main" id="{B6C8E487-ADDC-4F1B-A30A-BAABB4998F49}"/>
+              </a:ext>
+              <a:ext uri="{C183D7F6-B498-43B3-948B-1728B52AA6E4}">
+                <adec:decorative xmlns:adec="http://schemas.microsoft.com/office/drawing/2017/decorative" val="1"/>
+              </a:ext>
+            </a:extLst>
+          </p:cNvPr>
+          <p:cNvSpPr/>
+          <p:nvPr/>
+        </p:nvSpPr>
         <p:spPr>
           <a:xfrm>
-            <a:off x="0" y="36577"/>
-            <a:ext cx="12191999" cy="6857998"/>
+            <a:off x="-71016" y="0"/>
+            <a:ext cx="12263015" cy="6858000"/>
           </a:xfrm>
           <a:prstGeom prst="rect">
             <a:avLst/>
           </a:prstGeom>
+          <a:solidFill>
+            <a:schemeClr val="bg1">
+              <a:alpha val="72000"/>
+            </a:schemeClr>
+          </a:solidFill>
+          <a:ln>
+            <a:noFill/>
+          </a:ln>
         </p:spPr>
-      </p:pic>
+        <p:style>
+          <a:lnRef idx="2">
+            <a:schemeClr val="accent1">
+              <a:shade val="50000"/>
+            </a:schemeClr>
+          </a:lnRef>
+          <a:fillRef idx="1">
+            <a:schemeClr val="accent1"/>
+          </a:fillRef>
+          <a:effectRef idx="0">
+            <a:schemeClr val="accent1"/>
+          </a:effectRef>
+          <a:fontRef idx="minor">
+            <a:schemeClr val="lt1"/>
+          </a:fontRef>
+        </p:style>
+        <p:txBody>
+          <a:bodyPr rtlCol="0" anchor="ctr"/>
+          <a:lstStyle/>
+          <a:p>
+            <a:pPr algn="ctr"/>
+            <a:r>
+              <a:rPr lang="en-US" dirty="0"/>
+              <a:t>2</a:t>
+            </a:r>
+          </a:p>
+          <a:p>
+            <a:pPr algn="ctr"/>
+            <a:endParaRPr lang="en-US" dirty="0"/>
+          </a:p>
+          <a:p>
+            <a:pPr algn="ctr"/>
+            <a:endParaRPr lang="en-US" dirty="0"/>
+          </a:p>
+          <a:p>
+            <a:pPr algn="ctr"/>
+            <a:endParaRPr lang="en-US" dirty="0"/>
+          </a:p>
+          <a:p>
+            <a:pPr algn="ctr"/>
+            <a:endParaRPr lang="en-US" dirty="0"/>
+          </a:p>
+          <a:p>
+            <a:pPr algn="ctr"/>
+            <a:endParaRPr lang="en-US" dirty="0"/>
+          </a:p>
+          <a:p>
+            <a:pPr algn="ctr"/>
+            <a:endParaRPr lang="en-US" dirty="0"/>
+          </a:p>
+          <a:p>
+            <a:pPr algn="ctr"/>
+            <a:endParaRPr lang="en-US" dirty="0"/>
+          </a:p>
+          <a:p>
+            <a:pPr algn="ctr"/>
+            <a:endParaRPr lang="en-US" dirty="0"/>
+          </a:p>
+          <a:p>
+            <a:pPr algn="ctr"/>
+            <a:endParaRPr lang="en-US" dirty="0"/>
+          </a:p>
+          <a:p>
+            <a:pPr algn="ctr"/>
+            <a:endParaRPr lang="en-US" dirty="0"/>
+          </a:p>
+          <a:p>
+            <a:pPr algn="ctr"/>
+            <a:endParaRPr lang="en-US" dirty="0"/>
+          </a:p>
+          <a:p>
+            <a:pPr algn="ctr"/>
+            <a:endParaRPr lang="en-US" dirty="0"/>
+          </a:p>
+          <a:p>
+            <a:pPr algn="ctr"/>
+            <a:endParaRPr lang="en-US" dirty="0"/>
+          </a:p>
+          <a:p>
+            <a:pPr algn="ctr"/>
+            <a:endParaRPr lang="en-US" dirty="0"/>
+          </a:p>
+          <a:p>
+            <a:pPr algn="ctr"/>
+            <a:endParaRPr lang="en-US" dirty="0"/>
+          </a:p>
+          <a:p>
+            <a:pPr algn="ctr"/>
+            <a:endParaRPr lang="en-US" dirty="0"/>
+          </a:p>
+          <a:p>
+            <a:pPr algn="ctr"/>
+            <a:endParaRPr lang="en-US" dirty="0"/>
+          </a:p>
+          <a:p>
+            <a:pPr algn="ctr"/>
+            <a:endParaRPr lang="en-US" dirty="0"/>
+          </a:p>
+          <a:p>
+            <a:pPr algn="ctr"/>
+            <a:endParaRPr lang="en-US" dirty="0"/>
+          </a:p>
+          <a:p>
+            <a:pPr algn="ctr"/>
+            <a:endParaRPr lang="en-US" dirty="0"/>
+          </a:p>
+          <a:p>
+            <a:pPr algn="ctr"/>
+            <a:endParaRPr lang="en-US" dirty="0"/>
+          </a:p>
+          <a:p>
+            <a:pPr algn="ctr"/>
+            <a:endParaRPr lang="en-US" dirty="0"/>
+          </a:p>
+          <a:p>
+            <a:pPr algn="ctr"/>
+            <a:endParaRPr lang="en-US" dirty="0"/>
+          </a:p>
+          <a:p>
+            <a:pPr algn="ctr"/>
+            <a:endParaRPr lang="en-US" dirty="0"/>
+          </a:p>
+          <a:p>
+            <a:pPr algn="ctr"/>
+            <a:endParaRPr lang="en-US" dirty="0"/>
+          </a:p>
+          <a:p>
+            <a:pPr algn="ctr"/>
+            <a:endParaRPr lang="en-US" dirty="0"/>
+          </a:p>
+          <a:p>
+            <a:pPr algn="ctr"/>
+            <a:endParaRPr lang="en-US" dirty="0"/>
+          </a:p>
+          <a:p>
+            <a:pPr algn="ctr"/>
+            <a:endParaRPr lang="en-US" dirty="0"/>
+          </a:p>
+          <a:p>
+            <a:pPr algn="ctr"/>
+            <a:endParaRPr lang="en-US" dirty="0"/>
+          </a:p>
+          <a:p>
+            <a:pPr algn="ctr"/>
+            <a:endParaRPr lang="en-US" dirty="0"/>
+          </a:p>
+          <a:p>
+            <a:pPr algn="ctr"/>
+            <a:endParaRPr lang="en-US" dirty="0"/>
+          </a:p>
+          <a:p>
+            <a:pPr algn="ctr"/>
+            <a:endParaRPr lang="en-US" dirty="0"/>
+          </a:p>
+          <a:p>
+            <a:pPr algn="ctr"/>
+            <a:endParaRPr lang="en-US" dirty="0"/>
+          </a:p>
+          <a:p>
+            <a:pPr algn="ctr"/>
+            <a:endParaRPr lang="en-US" dirty="0"/>
+          </a:p>
+          <a:p>
+            <a:pPr algn="ctr"/>
+            <a:endParaRPr lang="en-US" dirty="0"/>
+          </a:p>
+          <a:p>
+            <a:pPr algn="ctr"/>
+            <a:endParaRPr lang="en-US" dirty="0"/>
+          </a:p>
+          <a:p>
+            <a:pPr algn="ctr"/>
+            <a:endParaRPr lang="en-US" dirty="0"/>
+          </a:p>
+          <a:p>
+            <a:pPr algn="ctr"/>
+            <a:endParaRPr lang="en-US" dirty="0"/>
+          </a:p>
+          <a:p>
+            <a:pPr algn="ctr"/>
+            <a:endParaRPr lang="en-US" dirty="0"/>
+          </a:p>
+          <a:p>
+            <a:pPr algn="ctr"/>
+            <a:endParaRPr lang="en-US" dirty="0"/>
+          </a:p>
+          <a:p>
+            <a:pPr algn="ctr"/>
+            <a:endParaRPr lang="en-US" dirty="0"/>
+          </a:p>
+          <a:p>
+            <a:pPr algn="ctr"/>
+            <a:endParaRPr lang="en-US" dirty="0"/>
+          </a:p>
+          <a:p>
+            <a:pPr algn="ctr"/>
+            <a:endParaRPr lang="en-US" dirty="0"/>
+          </a:p>
+          <a:p>
+            <a:pPr algn="ctr"/>
+            <a:endParaRPr lang="en-US" dirty="0"/>
+          </a:p>
+          <a:p>
+            <a:pPr algn="ctr"/>
+            <a:endParaRPr lang="en-US" dirty="0"/>
+          </a:p>
+          <a:p>
+            <a:pPr algn="ctr"/>
+            <a:endParaRPr lang="en-US" dirty="0"/>
+          </a:p>
+          <a:p>
+            <a:pPr algn="ctr"/>
+            <a:endParaRPr lang="en-US" dirty="0"/>
+          </a:p>
+          <a:p>
+            <a:pPr algn="ctr"/>
+            <a:endParaRPr lang="en-US" dirty="0"/>
+          </a:p>
+          <a:p>
+            <a:pPr algn="ctr"/>
+            <a:endParaRPr lang="en-US" dirty="0"/>
+          </a:p>
+          <a:p>
+            <a:pPr algn="ctr"/>
+            <a:endParaRPr lang="en-US" dirty="0"/>
+          </a:p>
+          <a:p>
+            <a:pPr algn="ctr"/>
+            <a:endParaRPr lang="en-US" dirty="0"/>
+          </a:p>
+          <a:p>
+            <a:pPr algn="ctr"/>
+            <a:endParaRPr lang="en-US" dirty="0"/>
+          </a:p>
+          <a:p>
+            <a:pPr algn="ctr"/>
+            <a:endParaRPr lang="en-US" dirty="0"/>
+          </a:p>
+          <a:p>
+            <a:pPr algn="ctr"/>
+            <a:endParaRPr lang="en-US" dirty="0"/>
+          </a:p>
+          <a:p>
+            <a:pPr algn="ctr"/>
+            <a:endParaRPr lang="en-US" dirty="0"/>
+          </a:p>
+          <a:p>
+            <a:pPr algn="ctr"/>
+            <a:endParaRPr lang="en-US" dirty="0"/>
+          </a:p>
+          <a:p>
+            <a:pPr algn="ctr"/>
+            <a:endParaRPr lang="en-US" dirty="0"/>
+          </a:p>
+          <a:p>
+            <a:pPr algn="ctr"/>
+            <a:endParaRPr lang="en-US" dirty="0"/>
+          </a:p>
+          <a:p>
+            <a:pPr algn="ctr"/>
+            <a:endParaRPr lang="en-US" dirty="0"/>
+          </a:p>
+          <a:p>
+            <a:pPr algn="ctr"/>
+            <a:endParaRPr lang="en-US" dirty="0"/>
+          </a:p>
+          <a:p>
+            <a:pPr algn="ctr"/>
+            <a:endParaRPr lang="en-US" dirty="0"/>
+          </a:p>
+          <a:p>
+            <a:pPr algn="ctr"/>
+            <a:endParaRPr lang="en-US" dirty="0"/>
+          </a:p>
+          <a:p>
+            <a:pPr algn="ctr"/>
+            <a:endParaRPr lang="en-US" dirty="0"/>
+          </a:p>
+          <a:p>
+            <a:pPr algn="ctr"/>
+            <a:endParaRPr lang="en-US" dirty="0"/>
+          </a:p>
+          <a:p>
+            <a:pPr algn="ctr"/>
+            <a:endParaRPr lang="en-US" dirty="0"/>
+          </a:p>
+          <a:p>
+            <a:pPr algn="ctr"/>
+            <a:r>
+              <a:rPr lang="en-US" dirty="0"/>
+              <a:t>+</a:t>
+            </a:r>
+          </a:p>
+          <a:p>
+            <a:pPr algn="ctr"/>
+            <a:endParaRPr lang="en-US" dirty="0"/>
+          </a:p>
+        </p:txBody>
+      </p:sp>
+      <p:grpSp>
+        <p:nvGrpSpPr>
+          <p:cNvPr id="40" name="Group 39">
+            <a:extLst>
+              <a:ext uri="{FF2B5EF4-FFF2-40B4-BE49-F238E27FC236}">
+                <a16:creationId xmlns:a16="http://schemas.microsoft.com/office/drawing/2014/main" id="{11BEC607-8474-408E-A7AC-48A065F31B63}"/>
+              </a:ext>
+              <a:ext uri="{C183D7F6-B498-43B3-948B-1728B52AA6E4}">
+                <adec:decorative xmlns:adec="http://schemas.microsoft.com/office/drawing/2017/decorative" val="1"/>
+              </a:ext>
+            </a:extLst>
+          </p:cNvPr>
+          <p:cNvGrpSpPr/>
+          <p:nvPr/>
+        </p:nvGrpSpPr>
+        <p:grpSpPr>
+          <a:xfrm flipH="1">
+            <a:off x="2123095" y="1317728"/>
+            <a:ext cx="7229510" cy="3883523"/>
+            <a:chOff x="346947" y="-22763"/>
+            <a:chExt cx="7229510" cy="7269964"/>
+          </a:xfrm>
+        </p:grpSpPr>
+        <p:sp>
+          <p:nvSpPr>
+            <p:cNvPr id="42" name="Rectangle 41">
+              <a:extLst>
+                <a:ext uri="{FF2B5EF4-FFF2-40B4-BE49-F238E27FC236}">
+                  <a16:creationId xmlns:a16="http://schemas.microsoft.com/office/drawing/2014/main" id="{B601E3FC-2016-4085-9A4B-A172702EAAE1}"/>
+                </a:ext>
+              </a:extLst>
+            </p:cNvPr>
+            <p:cNvSpPr/>
+            <p:nvPr userDrawn="1"/>
+          </p:nvSpPr>
+          <p:spPr>
+            <a:xfrm>
+              <a:off x="979714" y="1181211"/>
+              <a:ext cx="6117771" cy="6065990"/>
+            </a:xfrm>
+            <a:prstGeom prst="rect">
+              <a:avLst/>
+            </a:prstGeom>
+            <a:gradFill>
+              <a:gsLst>
+                <a:gs pos="0">
+                  <a:srgbClr val="038B30">
+                    <a:alpha val="70000"/>
+                  </a:srgbClr>
+                </a:gs>
+                <a:gs pos="100000">
+                  <a:srgbClr val="C0F400">
+                    <a:alpha val="70000"/>
+                  </a:srgbClr>
+                </a:gs>
+                <a:gs pos="50000">
+                  <a:srgbClr val="05EE55">
+                    <a:alpha val="70000"/>
+                  </a:srgbClr>
+                </a:gs>
+              </a:gsLst>
+              <a:lin ang="16200000" scaled="1"/>
+            </a:gradFill>
+            <a:ln>
+              <a:noFill/>
+            </a:ln>
+          </p:spPr>
+          <p:style>
+            <a:lnRef idx="2">
+              <a:schemeClr val="accent1">
+                <a:shade val="50000"/>
+              </a:schemeClr>
+            </a:lnRef>
+            <a:fillRef idx="1">
+              <a:schemeClr val="accent1"/>
+            </a:fillRef>
+            <a:effectRef idx="0">
+              <a:schemeClr val="accent1"/>
+            </a:effectRef>
+            <a:fontRef idx="minor">
+              <a:schemeClr val="lt1"/>
+            </a:fontRef>
+          </p:style>
+          <p:txBody>
+            <a:bodyPr rtlCol="0" anchor="ctr"/>
+            <a:lstStyle/>
+            <a:p>
+              <a:pPr algn="ctr"/>
+              <a:r>
+                <a:rPr lang="en-US" dirty="0"/>
+                <a:t>2</a:t>
+              </a:r>
+            </a:p>
+            <a:p>
+              <a:pPr algn="ctr"/>
+              <a:endParaRPr lang="en-US" dirty="0"/>
+            </a:p>
+            <a:p>
+              <a:pPr algn="ctr"/>
+              <a:endParaRPr lang="en-US" dirty="0"/>
+            </a:p>
+            <a:p>
+              <a:pPr algn="ctr"/>
+              <a:endParaRPr lang="en-US" dirty="0"/>
+            </a:p>
+            <a:p>
+              <a:pPr algn="ctr"/>
+              <a:endParaRPr lang="en-US" dirty="0"/>
+            </a:p>
+            <a:p>
+              <a:pPr algn="ctr"/>
+              <a:endParaRPr lang="en-US" dirty="0"/>
+            </a:p>
+            <a:p>
+              <a:pPr algn="ctr"/>
+              <a:endParaRPr lang="en-US" dirty="0"/>
+            </a:p>
+            <a:p>
+              <a:pPr algn="ctr"/>
+              <a:endParaRPr lang="en-US" dirty="0"/>
+            </a:p>
+            <a:p>
+              <a:pPr algn="ctr"/>
+              <a:endParaRPr lang="en-US" dirty="0"/>
+            </a:p>
+            <a:p>
+              <a:pPr algn="ctr"/>
+              <a:endParaRPr lang="en-US" dirty="0"/>
+            </a:p>
+            <a:p>
+              <a:pPr algn="ctr"/>
+              <a:endParaRPr lang="en-US" dirty="0"/>
+            </a:p>
+            <a:p>
+              <a:pPr algn="ctr"/>
+              <a:endParaRPr lang="en-US" dirty="0"/>
+            </a:p>
+            <a:p>
+              <a:pPr algn="ctr"/>
+              <a:endParaRPr lang="en-US" dirty="0"/>
+            </a:p>
+            <a:p>
+              <a:pPr algn="ctr"/>
+              <a:endParaRPr lang="en-US" dirty="0"/>
+            </a:p>
+            <a:p>
+              <a:pPr algn="ctr"/>
+              <a:endParaRPr lang="en-US" dirty="0"/>
+            </a:p>
+            <a:p>
+              <a:pPr algn="ctr"/>
+              <a:endParaRPr lang="en-US" dirty="0"/>
+            </a:p>
+            <a:p>
+              <a:pPr algn="ctr"/>
+              <a:endParaRPr lang="en-US" dirty="0"/>
+            </a:p>
+            <a:p>
+              <a:pPr algn="ctr"/>
+              <a:endParaRPr lang="en-US" dirty="0"/>
+            </a:p>
+            <a:p>
+              <a:pPr algn="ctr"/>
+              <a:endParaRPr lang="en-US" dirty="0"/>
+            </a:p>
+            <a:p>
+              <a:pPr algn="ctr"/>
+              <a:endParaRPr lang="en-US" dirty="0"/>
+            </a:p>
+            <a:p>
+              <a:pPr algn="ctr"/>
+              <a:endParaRPr lang="en-US" dirty="0"/>
+            </a:p>
+            <a:p>
+              <a:pPr algn="ctr"/>
+              <a:endParaRPr lang="en-US" dirty="0"/>
+            </a:p>
+            <a:p>
+              <a:pPr algn="ctr"/>
+              <a:endParaRPr lang="en-US" dirty="0"/>
+            </a:p>
+            <a:p>
+              <a:pPr algn="ctr"/>
+              <a:endParaRPr lang="en-US" dirty="0"/>
+            </a:p>
+            <a:p>
+              <a:pPr algn="ctr"/>
+              <a:endParaRPr lang="en-US" dirty="0"/>
+            </a:p>
+            <a:p>
+              <a:pPr algn="ctr"/>
+              <a:endParaRPr lang="en-US" dirty="0"/>
+            </a:p>
+            <a:p>
+              <a:pPr algn="ctr"/>
+              <a:endParaRPr lang="en-US" dirty="0"/>
+            </a:p>
+            <a:p>
+              <a:pPr algn="ctr"/>
+              <a:endParaRPr lang="en-US" dirty="0"/>
+            </a:p>
+            <a:p>
+              <a:pPr algn="ctr"/>
+              <a:endParaRPr lang="en-US" dirty="0"/>
+            </a:p>
+            <a:p>
+              <a:pPr algn="ctr"/>
+              <a:endParaRPr lang="en-US" dirty="0"/>
+            </a:p>
+            <a:p>
+              <a:pPr algn="ctr"/>
+              <a:endParaRPr lang="en-US" dirty="0"/>
+            </a:p>
+            <a:p>
+              <a:pPr algn="ctr"/>
+              <a:endParaRPr lang="en-US" dirty="0"/>
+            </a:p>
+            <a:p>
+              <a:pPr algn="ctr"/>
+              <a:endParaRPr lang="en-US" dirty="0"/>
+            </a:p>
+            <a:p>
+              <a:pPr algn="ctr"/>
+              <a:endParaRPr lang="en-US" dirty="0"/>
+            </a:p>
+            <a:p>
+              <a:pPr algn="ctr"/>
+              <a:endParaRPr lang="en-US" dirty="0"/>
+            </a:p>
+            <a:p>
+              <a:pPr algn="ctr"/>
+              <a:endParaRPr lang="en-US" dirty="0"/>
+            </a:p>
+            <a:p>
+              <a:pPr algn="ctr"/>
+              <a:endParaRPr lang="en-US" dirty="0"/>
+            </a:p>
+            <a:p>
+              <a:pPr algn="ctr"/>
+              <a:endParaRPr lang="en-US" dirty="0"/>
+            </a:p>
+            <a:p>
+              <a:pPr algn="ctr"/>
+              <a:endParaRPr lang="en-US" dirty="0"/>
+            </a:p>
+            <a:p>
+              <a:pPr algn="ctr"/>
+              <a:endParaRPr lang="en-US" dirty="0"/>
+            </a:p>
+            <a:p>
+              <a:pPr algn="ctr"/>
+              <a:endParaRPr lang="en-US" dirty="0"/>
+            </a:p>
+            <a:p>
+              <a:pPr algn="ctr"/>
+              <a:endParaRPr lang="en-US" dirty="0"/>
+            </a:p>
+            <a:p>
+              <a:pPr algn="ctr"/>
+              <a:endParaRPr lang="en-US" dirty="0"/>
+            </a:p>
+            <a:p>
+              <a:pPr algn="ctr"/>
+              <a:endParaRPr lang="en-US" dirty="0"/>
+            </a:p>
+            <a:p>
+              <a:pPr algn="ctr"/>
+              <a:endParaRPr lang="en-US" dirty="0"/>
+            </a:p>
+            <a:p>
+              <a:pPr algn="ctr"/>
+              <a:endParaRPr lang="en-US" dirty="0"/>
+            </a:p>
+            <a:p>
+              <a:pPr algn="ctr"/>
+              <a:endParaRPr lang="en-US" dirty="0"/>
+            </a:p>
+            <a:p>
+              <a:pPr algn="ctr"/>
+              <a:endParaRPr lang="en-US" dirty="0"/>
+            </a:p>
+            <a:p>
+              <a:pPr algn="ctr"/>
+              <a:endParaRPr lang="en-US" dirty="0"/>
+            </a:p>
+            <a:p>
+              <a:pPr algn="ctr"/>
+              <a:endParaRPr lang="en-US" dirty="0"/>
+            </a:p>
+            <a:p>
+              <a:pPr algn="ctr"/>
+              <a:endParaRPr lang="en-US" dirty="0"/>
+            </a:p>
+            <a:p>
+              <a:pPr algn="ctr"/>
+              <a:endParaRPr lang="en-US" dirty="0"/>
+            </a:p>
+            <a:p>
+              <a:pPr algn="ctr"/>
+              <a:endParaRPr lang="en-US" dirty="0"/>
+            </a:p>
+            <a:p>
+              <a:pPr algn="ctr"/>
+              <a:endParaRPr lang="en-US" dirty="0"/>
+            </a:p>
+            <a:p>
+              <a:pPr algn="ctr"/>
+              <a:endParaRPr lang="en-US" dirty="0"/>
+            </a:p>
+            <a:p>
+              <a:pPr algn="ctr"/>
+              <a:endParaRPr lang="en-US" dirty="0"/>
+            </a:p>
+            <a:p>
+              <a:pPr algn="ctr"/>
+              <a:endParaRPr lang="en-US" dirty="0"/>
+            </a:p>
+            <a:p>
+              <a:pPr algn="ctr"/>
+              <a:endParaRPr lang="en-US" dirty="0"/>
+            </a:p>
+            <a:p>
+              <a:pPr algn="ctr"/>
+              <a:endParaRPr lang="en-US" dirty="0"/>
+            </a:p>
+            <a:p>
+              <a:pPr algn="ctr"/>
+              <a:endParaRPr lang="en-US" dirty="0"/>
+            </a:p>
+            <a:p>
+              <a:pPr algn="ctr"/>
+              <a:endParaRPr lang="en-US" dirty="0"/>
+            </a:p>
+            <a:p>
+              <a:pPr algn="ctr"/>
+              <a:endParaRPr lang="en-US" dirty="0"/>
+            </a:p>
+            <a:p>
+              <a:pPr algn="ctr"/>
+              <a:endParaRPr lang="en-US" dirty="0"/>
+            </a:p>
+            <a:p>
+              <a:pPr algn="ctr"/>
+              <a:endParaRPr lang="en-US" dirty="0"/>
+            </a:p>
+            <a:p>
+              <a:pPr algn="ctr"/>
+              <a:endParaRPr lang="en-US" dirty="0"/>
+            </a:p>
+            <a:p>
+              <a:pPr algn="ctr"/>
+              <a:endParaRPr lang="en-US" dirty="0"/>
+            </a:p>
+            <a:p>
+              <a:pPr algn="ctr"/>
+              <a:r>
+                <a:rPr lang="en-US" dirty="0"/>
+                <a:t>+</a:t>
+              </a:r>
+            </a:p>
+            <a:p>
+              <a:pPr algn="ctr"/>
+              <a:endParaRPr lang="en-US" dirty="0"/>
+            </a:p>
+          </p:txBody>
+        </p:sp>
+        <p:sp>
+          <p:nvSpPr>
+            <p:cNvPr id="41" name="Rectangle 40">
+              <a:extLst>
+                <a:ext uri="{FF2B5EF4-FFF2-40B4-BE49-F238E27FC236}">
+                  <a16:creationId xmlns:a16="http://schemas.microsoft.com/office/drawing/2014/main" id="{2CBF662F-A198-4AD3-8EBC-0EC9A52B2994}"/>
+                </a:ext>
+              </a:extLst>
+            </p:cNvPr>
+            <p:cNvSpPr/>
+            <p:nvPr userDrawn="1"/>
+          </p:nvSpPr>
+          <p:spPr>
+            <a:xfrm>
+              <a:off x="500743" y="-22763"/>
+              <a:ext cx="7075714" cy="5878284"/>
+            </a:xfrm>
+            <a:prstGeom prst="rect">
+              <a:avLst/>
+            </a:prstGeom>
+            <a:noFill/>
+            <a:ln w="127000">
+              <a:solidFill>
+                <a:srgbClr val="2F3342"/>
+              </a:solidFill>
+            </a:ln>
+          </p:spPr>
+          <p:style>
+            <a:lnRef idx="2">
+              <a:schemeClr val="accent1">
+                <a:shade val="50000"/>
+              </a:schemeClr>
+            </a:lnRef>
+            <a:fillRef idx="1">
+              <a:schemeClr val="accent1"/>
+            </a:fillRef>
+            <a:effectRef idx="0">
+              <a:schemeClr val="accent1"/>
+            </a:effectRef>
+            <a:fontRef idx="minor">
+              <a:schemeClr val="lt1"/>
+            </a:fontRef>
+          </p:style>
+          <p:txBody>
+            <a:bodyPr rtlCol="0" anchor="ctr"/>
+            <a:lstStyle/>
+            <a:p>
+              <a:pPr algn="ctr"/>
+              <a:endParaRPr lang="en-US" dirty="0"/>
+            </a:p>
+          </p:txBody>
+        </p:sp>
+        <p:sp>
+          <p:nvSpPr>
+            <p:cNvPr id="43" name="Rectangle 42">
+              <a:extLst>
+                <a:ext uri="{FF2B5EF4-FFF2-40B4-BE49-F238E27FC236}">
+                  <a16:creationId xmlns:a16="http://schemas.microsoft.com/office/drawing/2014/main" id="{142E86C5-8E5F-4620-A4FB-D1F926179D18}"/>
+                </a:ext>
+              </a:extLst>
+            </p:cNvPr>
+            <p:cNvSpPr/>
+            <p:nvPr userDrawn="1"/>
+          </p:nvSpPr>
+          <p:spPr>
+            <a:xfrm>
+              <a:off x="346947" y="849571"/>
+              <a:ext cx="6475341" cy="5701790"/>
+            </a:xfrm>
+            <a:prstGeom prst="rect">
+              <a:avLst/>
+            </a:prstGeom>
+            <a:solidFill>
+              <a:schemeClr val="accent5">
+                <a:lumMod val="20000"/>
+                <a:lumOff val="80000"/>
+              </a:schemeClr>
+            </a:solidFill>
+            <a:ln>
+              <a:noFill/>
+            </a:ln>
+          </p:spPr>
+          <p:style>
+            <a:lnRef idx="2">
+              <a:schemeClr val="accent1">
+                <a:shade val="50000"/>
+              </a:schemeClr>
+            </a:lnRef>
+            <a:fillRef idx="1">
+              <a:schemeClr val="accent1"/>
+            </a:fillRef>
+            <a:effectRef idx="0">
+              <a:schemeClr val="accent1"/>
+            </a:effectRef>
+            <a:fontRef idx="minor">
+              <a:schemeClr val="lt1"/>
+            </a:fontRef>
+          </p:style>
+          <p:txBody>
+            <a:bodyPr rtlCol="0" anchor="ctr"/>
+            <a:lstStyle/>
+            <a:p>
+              <a:pPr algn="ctr"/>
+              <a:endParaRPr lang="en-US" dirty="0"/>
+            </a:p>
+          </p:txBody>
+        </p:sp>
+      </p:grpSp>
+      <p:sp>
+        <p:nvSpPr>
+          <p:cNvPr id="6" name="Title 5">
+            <a:extLst>
+              <a:ext uri="{FF2B5EF4-FFF2-40B4-BE49-F238E27FC236}">
+                <a16:creationId xmlns:a16="http://schemas.microsoft.com/office/drawing/2014/main" id="{7E0E8055-17FA-43CE-9F03-E712F496B7CF}"/>
+              </a:ext>
+            </a:extLst>
+          </p:cNvPr>
+          <p:cNvSpPr>
+            <a:spLocks noGrp="1"/>
+          </p:cNvSpPr>
+          <p:nvPr>
+            <p:ph type="ctrTitle"/>
+          </p:nvPr>
+        </p:nvSpPr>
+        <p:spPr>
+          <a:xfrm>
+            <a:off x="2755863" y="2505427"/>
+            <a:ext cx="6609256" cy="1508126"/>
+          </a:xfrm>
+        </p:spPr>
+        <p:txBody>
+          <a:bodyPr>
+            <a:normAutofit fontScale="90000"/>
+          </a:bodyPr>
+          <a:lstStyle/>
+          <a:p>
+            <a:r>
+              <a:rPr lang="en-US" dirty="0">
+                <a:latin typeface="Algerian" panose="04020705040A02060702" pitchFamily="82" charset="0"/>
+              </a:rPr>
+              <a:t>WELCOME  TO </a:t>
+            </a:r>
+            <a:br>
+              <a:rPr lang="en-US" dirty="0">
+                <a:latin typeface="Algerian" panose="04020705040A02060702" pitchFamily="82" charset="0"/>
+              </a:rPr>
+            </a:br>
+            <a:r>
+              <a:rPr lang="en-US" dirty="0">
+                <a:latin typeface="Algerian" panose="04020705040A02060702" pitchFamily="82" charset="0"/>
+              </a:rPr>
+              <a:t>SCHOOL FEE MANAGEMENT SYSTEM</a:t>
+            </a:r>
+          </a:p>
+        </p:txBody>
+      </p:sp>
     </p:spTree>
     <p:extLst>
       <p:ext uri="{BB962C8B-B14F-4D97-AF65-F5344CB8AC3E}">
-        <p14:creationId xmlns:p14="http://schemas.microsoft.com/office/powerpoint/2010/main" val="1293072271"/>
+        <p14:creationId xmlns:p14="http://schemas.microsoft.com/office/powerpoint/2010/main" val="951442699"/>
       </p:ext>
     </p:extLst>
   </p:cSld>
   <p:clrMapOvr>
     <a:masterClrMapping/>
   </p:clrMapOvr>
-  <mc:AlternateContent xmlns:mc="http://schemas.openxmlformats.org/markup-compatibility/2006" xmlns:p14="http://schemas.microsoft.com/office/powerpoint/2010/main">
-    <mc:Choice Requires="p14">
+  <mc:AlternateContent xmlns:mc="http://schemas.openxmlformats.org/markup-compatibility/2006">
+    <mc:Choice xmlns:p14="http://schemas.microsoft.com/office/powerpoint/2010/main" Requires="p14">
       <p:transition p14:dur="0"/>
     </mc:Choice>
-    <mc:Fallback xmlns="">
+    <mc:Fallback>
       <p:transition/>
     </mc:Fallback>
   </mc:AlternateContent>
@@ -7237,306 +8091,6 @@
 </file>
 
 <file path=ppt/slides/slide10.xml><?xml version="1.0" encoding="utf-8"?>
-<p:sld xmlns:a="http://schemas.openxmlformats.org/drawingml/2006/main" xmlns:r="http://schemas.openxmlformats.org/officeDocument/2006/relationships" xmlns:p="http://schemas.openxmlformats.org/presentationml/2006/main">
-  <p:cSld>
-    <p:spTree>
-      <p:nvGrpSpPr>
-        <p:cNvPr id="1" name=""/>
-        <p:cNvGrpSpPr/>
-        <p:nvPr/>
-      </p:nvGrpSpPr>
-      <p:grpSpPr>
-        <a:xfrm>
-          <a:off x="0" y="0"/>
-          <a:ext cx="0" cy="0"/>
-          <a:chOff x="0" y="0"/>
-          <a:chExt cx="0" cy="0"/>
-        </a:xfrm>
-      </p:grpSpPr>
-      <p:sp>
-        <p:nvSpPr>
-          <p:cNvPr id="38" name="Title 37">
-            <a:extLst>
-              <a:ext uri="{FF2B5EF4-FFF2-40B4-BE49-F238E27FC236}">
-                <a16:creationId xmlns:a16="http://schemas.microsoft.com/office/drawing/2014/main" id="{4C646910-F4B3-42FF-94CF-BEAFDD606400}"/>
-              </a:ext>
-            </a:extLst>
-          </p:cNvPr>
-          <p:cNvSpPr>
-            <a:spLocks noGrp="1"/>
-          </p:cNvSpPr>
-          <p:nvPr>
-            <p:ph type="title"/>
-          </p:nvPr>
-        </p:nvSpPr>
-        <p:spPr/>
-        <p:txBody>
-          <a:bodyPr/>
-          <a:lstStyle/>
-          <a:p>
-            <a:r>
-              <a:rPr lang="en-US" dirty="0">
-                <a:latin typeface="Algerian" panose="04020705040A02060702" pitchFamily="82" charset="0"/>
-              </a:rPr>
-              <a:t>FUNCTIONS OF MANUAL SYSTEM</a:t>
-            </a:r>
-          </a:p>
-        </p:txBody>
-      </p:sp>
-      <p:sp>
-        <p:nvSpPr>
-          <p:cNvPr id="5" name="Content Placeholder 4">
-            <a:extLst>
-              <a:ext uri="{FF2B5EF4-FFF2-40B4-BE49-F238E27FC236}">
-                <a16:creationId xmlns:a16="http://schemas.microsoft.com/office/drawing/2014/main" id="{FDF153A6-0E4B-417F-85BB-FD8402B100BD}"/>
-              </a:ext>
-            </a:extLst>
-          </p:cNvPr>
-          <p:cNvSpPr>
-            <a:spLocks noGrp="1"/>
-          </p:cNvSpPr>
-          <p:nvPr>
-            <p:ph sz="half" idx="2"/>
-          </p:nvPr>
-        </p:nvSpPr>
-        <p:spPr>
-          <a:xfrm>
-            <a:off x="345283" y="1156607"/>
-            <a:ext cx="3464717" cy="5199743"/>
-          </a:xfrm>
-        </p:spPr>
-        <p:txBody>
-          <a:bodyPr>
-            <a:noAutofit/>
-          </a:bodyPr>
-          <a:lstStyle/>
-          <a:p>
-            <a:r>
-              <a:rPr lang="en-US" sz="1400" b="1" dirty="0"/>
-              <a:t>Fee collection: </a:t>
-            </a:r>
-            <a:r>
-              <a:rPr lang="en-US" sz="1400" dirty="0"/>
-              <a:t>The manual system involves collecting fees from students and maintaining records of the same.</a:t>
-            </a:r>
-          </a:p>
-          <a:p>
-            <a:r>
-              <a:rPr lang="en-US" sz="1400" b="1" dirty="0"/>
-              <a:t>Fee calculation: </a:t>
-            </a:r>
-            <a:r>
-              <a:rPr lang="en-US" sz="1400" dirty="0"/>
-              <a:t>The manual system involves calculating the fees for each student based on their class, subjects, and other factors.</a:t>
-            </a:r>
-          </a:p>
-          <a:p>
-            <a:r>
-              <a:rPr lang="en-US" sz="1400" dirty="0"/>
-              <a:t> </a:t>
-            </a:r>
-            <a:r>
-              <a:rPr lang="en-US" sz="1400" b="1" dirty="0"/>
-              <a:t>Fee receipt generation: </a:t>
-            </a:r>
-            <a:r>
-              <a:rPr lang="en-US" sz="1400" dirty="0"/>
-              <a:t>The manual system involves generating fee receipts for students after they have paid their fees.</a:t>
-            </a:r>
-          </a:p>
-          <a:p>
-            <a:r>
-              <a:rPr lang="en-US" sz="1400" dirty="0"/>
-              <a:t> </a:t>
-            </a:r>
-            <a:r>
-              <a:rPr lang="en-US" sz="1400" b="1" dirty="0"/>
-              <a:t>Fee reconciliation: </a:t>
-            </a:r>
-            <a:r>
-              <a:rPr lang="en-US" sz="1400" dirty="0"/>
-              <a:t>The manual system involves reconciling the fees collected with the records maintained to ensure accuracy.</a:t>
-            </a:r>
-          </a:p>
-        </p:txBody>
-      </p:sp>
-      <p:sp>
-        <p:nvSpPr>
-          <p:cNvPr id="7" name="Content Placeholder 6">
-            <a:extLst>
-              <a:ext uri="{FF2B5EF4-FFF2-40B4-BE49-F238E27FC236}">
-                <a16:creationId xmlns:a16="http://schemas.microsoft.com/office/drawing/2014/main" id="{53DDF559-AB16-43D3-96DE-5FD6A71C1A24}"/>
-              </a:ext>
-            </a:extLst>
-          </p:cNvPr>
-          <p:cNvSpPr>
-            <a:spLocks noGrp="1"/>
-          </p:cNvSpPr>
-          <p:nvPr>
-            <p:ph sz="half" idx="14"/>
-          </p:nvPr>
-        </p:nvSpPr>
-        <p:spPr>
-          <a:xfrm>
-            <a:off x="8382000" y="1371282"/>
-            <a:ext cx="3464717" cy="5167630"/>
-          </a:xfrm>
-        </p:spPr>
-        <p:txBody>
-          <a:bodyPr>
-            <a:noAutofit/>
-          </a:bodyPr>
-          <a:lstStyle/>
-          <a:p>
-            <a:r>
-              <a:rPr lang="en-US" sz="1400" b="1" dirty="0"/>
-              <a:t>Fee reminders: </a:t>
-            </a:r>
-            <a:r>
-              <a:rPr lang="en-US" sz="1400" dirty="0"/>
-              <a:t>The manual system involves sending reminders to students and parents regarding pending fees</a:t>
-            </a:r>
-          </a:p>
-          <a:p>
-            <a:r>
-              <a:rPr lang="en-US" sz="1400" b="1" dirty="0"/>
-              <a:t>Fee reporting: </a:t>
-            </a:r>
-            <a:r>
-              <a:rPr lang="en-US" sz="1400" dirty="0"/>
-              <a:t>The manual system involves generating reports on fee collections, outstanding fees, and other related data.</a:t>
-            </a:r>
-          </a:p>
-          <a:p>
-            <a:r>
-              <a:rPr lang="en-US" sz="1400" dirty="0"/>
-              <a:t> </a:t>
-            </a:r>
-            <a:r>
-              <a:rPr lang="en-US" sz="1400" b="1" dirty="0"/>
-              <a:t>Fee records maintenance: </a:t>
-            </a:r>
-            <a:r>
-              <a:rPr lang="en-US" sz="1400" dirty="0"/>
-              <a:t>The manual system involves maintaining records of all fee-related transactions for future reference.</a:t>
-            </a:r>
-          </a:p>
-        </p:txBody>
-      </p:sp>
-      <p:sp>
-        <p:nvSpPr>
-          <p:cNvPr id="29" name="Footer Placeholder 28">
-            <a:extLst>
-              <a:ext uri="{FF2B5EF4-FFF2-40B4-BE49-F238E27FC236}">
-                <a16:creationId xmlns:a16="http://schemas.microsoft.com/office/drawing/2014/main" id="{8B1278D5-2C97-4CEF-8849-C9811924FBA1}"/>
-              </a:ext>
-            </a:extLst>
-          </p:cNvPr>
-          <p:cNvSpPr>
-            <a:spLocks noGrp="1"/>
-          </p:cNvSpPr>
-          <p:nvPr>
-            <p:ph type="ftr" sz="quarter" idx="16"/>
-          </p:nvPr>
-        </p:nvSpPr>
-        <p:spPr/>
-        <p:txBody>
-          <a:bodyPr/>
-          <a:lstStyle/>
-          <a:p>
-            <a:r>
-              <a:rPr lang="en-US" dirty="0"/>
-              <a:t>Add a Footer</a:t>
-            </a:r>
-          </a:p>
-        </p:txBody>
-      </p:sp>
-      <p:sp>
-        <p:nvSpPr>
-          <p:cNvPr id="30" name="Slide Number Placeholder 29">
-            <a:extLst>
-              <a:ext uri="{FF2B5EF4-FFF2-40B4-BE49-F238E27FC236}">
-                <a16:creationId xmlns:a16="http://schemas.microsoft.com/office/drawing/2014/main" id="{2F6ECD0F-66E9-4D96-8436-105A25A341A2}"/>
-              </a:ext>
-            </a:extLst>
-          </p:cNvPr>
-          <p:cNvSpPr>
-            <a:spLocks noGrp="1"/>
-          </p:cNvSpPr>
-          <p:nvPr>
-            <p:ph type="sldNum" sz="quarter" idx="17"/>
-          </p:nvPr>
-        </p:nvSpPr>
-        <p:spPr/>
-        <p:txBody>
-          <a:bodyPr/>
-          <a:lstStyle/>
-          <a:p>
-            <a:fld id="{8C2E478F-E849-4A8C-AF1F-CBCC78A7CBFA}" type="slidenum">
-              <a:rPr lang="en-US" smtClean="0"/>
-              <a:pPr/>
-              <a:t>10</a:t>
-            </a:fld>
-            <a:endParaRPr lang="en-US" dirty="0"/>
-          </a:p>
-        </p:txBody>
-      </p:sp>
-      <p:pic>
-        <p:nvPicPr>
-          <p:cNvPr id="9" name="Picture 8"/>
-          <p:cNvPicPr>
-            <a:picLocks noChangeAspect="1"/>
-          </p:cNvPicPr>
-          <p:nvPr/>
-        </p:nvPicPr>
-        <p:blipFill>
-          <a:blip r:embed="rId2">
-            <a:extLst>
-              <a:ext uri="{28A0092B-C50C-407E-A947-70E740481C1C}">
-                <a14:useLocalDpi xmlns:a14="http://schemas.microsoft.com/office/drawing/2010/main" val="0"/>
-              </a:ext>
-            </a:extLst>
-          </a:blip>
-          <a:stretch>
-            <a:fillRect/>
-          </a:stretch>
-        </p:blipFill>
-        <p:spPr>
-          <a:xfrm>
-            <a:off x="4632960" y="298580"/>
-            <a:ext cx="2926080" cy="6322422"/>
-          </a:xfrm>
-          <a:prstGeom prst="rect">
-            <a:avLst/>
-          </a:prstGeom>
-        </p:spPr>
-      </p:pic>
-    </p:spTree>
-    <p:extLst>
-      <p:ext uri="{BB962C8B-B14F-4D97-AF65-F5344CB8AC3E}">
-        <p14:creationId xmlns:p14="http://schemas.microsoft.com/office/powerpoint/2010/main" val="1010572314"/>
-      </p:ext>
-    </p:extLst>
-  </p:cSld>
-  <p:clrMapOvr>
-    <a:masterClrMapping/>
-  </p:clrMapOvr>
-  <mc:AlternateContent xmlns:mc="http://schemas.openxmlformats.org/markup-compatibility/2006" xmlns:p15="http://schemas.microsoft.com/office/powerpoint/2012/main">
-    <mc:Choice Requires="p15">
-      <p:transition xmlns:p14="http://schemas.microsoft.com/office/powerpoint/2010/main" spd="slow" p14:dur="1250">
-        <p15:prstTrans prst="peelOff"/>
-      </p:transition>
-    </mc:Choice>
-    <mc:Fallback xmlns="">
-      <p:transition spd="slow">
-        <p:fade/>
-      </p:transition>
-    </mc:Fallback>
-  </mc:AlternateContent>
-</p:sld>
-</file>
-
-<file path=ppt/slides/slide11.xml><?xml version="1.0" encoding="utf-8"?>
 <p:sld xmlns:a="http://schemas.openxmlformats.org/drawingml/2006/main" xmlns:r="http://schemas.openxmlformats.org/officeDocument/2006/relationships" xmlns:p="http://schemas.openxmlformats.org/presentationml/2006/main">
   <p:cSld>
     <p:spTree>
@@ -8522,7 +9076,7 @@
 </p:sld>
 </file>
 
-<file path=ppt/slides/slide12.xml><?xml version="1.0" encoding="utf-8"?>
+<file path=ppt/slides/slide11.xml><?xml version="1.0" encoding="utf-8"?>
 <p:sld xmlns:a="http://schemas.openxmlformats.org/drawingml/2006/main" xmlns:r="http://schemas.openxmlformats.org/officeDocument/2006/relationships" xmlns:p="http://schemas.openxmlformats.org/presentationml/2006/main">
   <p:cSld>
     <p:spTree>
@@ -9508,7 +10062,7 @@
 </p:sld>
 </file>
 
-<file path=ppt/slides/slide13.xml><?xml version="1.0" encoding="utf-8"?>
+<file path=ppt/slides/slide12.xml><?xml version="1.0" encoding="utf-8"?>
 <p:sld xmlns:a="http://schemas.openxmlformats.org/drawingml/2006/main" xmlns:r="http://schemas.openxmlformats.org/officeDocument/2006/relationships" xmlns:p="http://schemas.openxmlformats.org/presentationml/2006/main">
   <p:cSld>
     <p:spTree>
@@ -10156,7 +10710,7 @@
             <a:fld id="{8C2E478F-E849-4A8C-AF1F-CBCC78A7CBFA}" type="slidenum">
               <a:rPr lang="en-US" smtClean="0"/>
               <a:pPr/>
-              <a:t>13</a:t>
+              <a:t>12</a:t>
             </a:fld>
             <a:endParaRPr lang="en-US" dirty="0"/>
           </a:p>
@@ -10220,7 +10774,7 @@
 </p:sld>
 </file>
 
-<file path=ppt/slides/slide14.xml><?xml version="1.0" encoding="utf-8"?>
+<file path=ppt/slides/slide13.xml><?xml version="1.0" encoding="utf-8"?>
 <p:sld xmlns:a="http://schemas.openxmlformats.org/drawingml/2006/main" xmlns:r="http://schemas.openxmlformats.org/officeDocument/2006/relationships" xmlns:p="http://schemas.openxmlformats.org/presentationml/2006/main">
   <p:cSld>
     <p:spTree>
@@ -10529,7 +11083,7 @@
             <a:fld id="{8C2E478F-E849-4A8C-AF1F-CBCC78A7CBFA}" type="slidenum">
               <a:rPr lang="en-US" smtClean="0"/>
               <a:pPr/>
-              <a:t>14</a:t>
+              <a:t>13</a:t>
             </a:fld>
             <a:endParaRPr lang="en-US" dirty="0"/>
           </a:p>
@@ -10560,7 +11114,7 @@
 </p:sld>
 </file>
 
-<file path=ppt/slides/slide15.xml><?xml version="1.0" encoding="utf-8"?>
+<file path=ppt/slides/slide14.xml><?xml version="1.0" encoding="utf-8"?>
 <p:sld xmlns:a="http://schemas.openxmlformats.org/drawingml/2006/main" xmlns:r="http://schemas.openxmlformats.org/officeDocument/2006/relationships" xmlns:p="http://schemas.openxmlformats.org/presentationml/2006/main">
   <p:cSld>
     <p:spTree>
@@ -15003,6 +15557,39 @@
           </a:ln>
         </p:spPr>
       </p:pic>
+      <p:pic>
+        <p:nvPicPr>
+          <p:cNvPr id="8" name="Google Shape;121;p2" descr="Flag">
+            <a:extLst>
+              <a:ext uri="{FF2B5EF4-FFF2-40B4-BE49-F238E27FC236}">
+                <a16:creationId xmlns:a16="http://schemas.microsoft.com/office/drawing/2014/main" id="{1F314AFE-473B-1BAF-588F-A1A19EDC0B7C}"/>
+              </a:ext>
+            </a:extLst>
+          </p:cNvPr>
+          <p:cNvPicPr preferRelativeResize="0"/>
+          <p:nvPr/>
+        </p:nvPicPr>
+        <p:blipFill rotWithShape="1">
+          <a:blip r:embed="rId4">
+            <a:alphaModFix/>
+          </a:blip>
+          <a:srcRect/>
+          <a:stretch/>
+        </p:blipFill>
+        <p:spPr>
+          <a:xfrm>
+            <a:off x="5363007" y="2633803"/>
+            <a:ext cx="457200" cy="457200"/>
+          </a:xfrm>
+          <a:prstGeom prst="rect">
+            <a:avLst/>
+          </a:prstGeom>
+          <a:noFill/>
+          <a:ln>
+            <a:noFill/>
+          </a:ln>
+        </p:spPr>
+      </p:pic>
     </p:spTree>
     <p:extLst>
       <p:ext uri="{BB962C8B-B14F-4D97-AF65-F5344CB8AC3E}">
@@ -16641,6 +17228,302 @@
                       </p:childTnLst>
                     </p:cTn>
                   </p:par>
+                  <p:par>
+                    <p:cTn id="115" fill="hold">
+                      <p:stCondLst>
+                        <p:cond delay="indefinite"/>
+                      </p:stCondLst>
+                      <p:childTnLst>
+                        <p:par>
+                          <p:cTn id="116" fill="hold">
+                            <p:stCondLst>
+                              <p:cond delay="0"/>
+                            </p:stCondLst>
+                            <p:childTnLst>
+                              <p:par>
+                                <p:cTn id="117" presetID="26" presetClass="entr" presetSubtype="0" fill="hold" nodeType="clickEffect">
+                                  <p:stCondLst>
+                                    <p:cond delay="0"/>
+                                  </p:stCondLst>
+                                  <p:childTnLst>
+                                    <p:set>
+                                      <p:cBhvr>
+                                        <p:cTn id="118" dur="1" fill="hold">
+                                          <p:stCondLst>
+                                            <p:cond delay="0"/>
+                                          </p:stCondLst>
+                                        </p:cTn>
+                                        <p:tgtEl>
+                                          <p:spTgt spid="8"/>
+                                        </p:tgtEl>
+                                        <p:attrNameLst>
+                                          <p:attrName>style.visibility</p:attrName>
+                                        </p:attrNameLst>
+                                      </p:cBhvr>
+                                      <p:to>
+                                        <p:strVal val="visible"/>
+                                      </p:to>
+                                    </p:set>
+                                    <p:animEffect transition="in" filter="wipe(down)">
+                                      <p:cBhvr>
+                                        <p:cTn id="119" dur="580">
+                                          <p:stCondLst>
+                                            <p:cond delay="0"/>
+                                          </p:stCondLst>
+                                        </p:cTn>
+                                        <p:tgtEl>
+                                          <p:spTgt spid="8"/>
+                                        </p:tgtEl>
+                                      </p:cBhvr>
+                                    </p:animEffect>
+                                    <p:anim calcmode="lin" valueType="num">
+                                      <p:cBhvr>
+                                        <p:cTn id="120" dur="1822" tmFilter="0,0; 0.14,0.36; 0.43,0.73; 0.71,0.91; 1.0,1.0">
+                                          <p:stCondLst>
+                                            <p:cond delay="0"/>
+                                          </p:stCondLst>
+                                        </p:cTn>
+                                        <p:tgtEl>
+                                          <p:spTgt spid="8"/>
+                                        </p:tgtEl>
+                                        <p:attrNameLst>
+                                          <p:attrName>ppt_x</p:attrName>
+                                        </p:attrNameLst>
+                                      </p:cBhvr>
+                                      <p:tavLst>
+                                        <p:tav tm="0">
+                                          <p:val>
+                                            <p:strVal val="#ppt_x-0.25"/>
+                                          </p:val>
+                                        </p:tav>
+                                        <p:tav tm="100000">
+                                          <p:val>
+                                            <p:strVal val="#ppt_x"/>
+                                          </p:val>
+                                        </p:tav>
+                                      </p:tavLst>
+                                    </p:anim>
+                                    <p:anim calcmode="lin" valueType="num">
+                                      <p:cBhvr>
+                                        <p:cTn id="121" dur="664" tmFilter="0.0,0.0; 0.25,0.07; 0.50,0.2; 0.75,0.467; 1.0,1.0">
+                                          <p:stCondLst>
+                                            <p:cond delay="0"/>
+                                          </p:stCondLst>
+                                        </p:cTn>
+                                        <p:tgtEl>
+                                          <p:spTgt spid="8"/>
+                                        </p:tgtEl>
+                                        <p:attrNameLst>
+                                          <p:attrName>ppt_y</p:attrName>
+                                        </p:attrNameLst>
+                                      </p:cBhvr>
+                                      <p:tavLst>
+                                        <p:tav tm="0" fmla="#ppt_y-sin(pi*$)/3">
+                                          <p:val>
+                                            <p:fltVal val="0.5"/>
+                                          </p:val>
+                                        </p:tav>
+                                        <p:tav tm="100000">
+                                          <p:val>
+                                            <p:fltVal val="1"/>
+                                          </p:val>
+                                        </p:tav>
+                                      </p:tavLst>
+                                    </p:anim>
+                                    <p:anim calcmode="lin" valueType="num">
+                                      <p:cBhvr>
+                                        <p:cTn id="122" dur="664" tmFilter="0, 0; 0.125,0.2665; 0.25,0.4; 0.375,0.465; 0.5,0.5;  0.625,0.535; 0.75,0.6; 0.875,0.7335; 1,1">
+                                          <p:stCondLst>
+                                            <p:cond delay="664"/>
+                                          </p:stCondLst>
+                                        </p:cTn>
+                                        <p:tgtEl>
+                                          <p:spTgt spid="8"/>
+                                        </p:tgtEl>
+                                        <p:attrNameLst>
+                                          <p:attrName>ppt_y</p:attrName>
+                                        </p:attrNameLst>
+                                      </p:cBhvr>
+                                      <p:tavLst>
+                                        <p:tav tm="0" fmla="#ppt_y-sin(pi*$)/9">
+                                          <p:val>
+                                            <p:fltVal val="0"/>
+                                          </p:val>
+                                        </p:tav>
+                                        <p:tav tm="100000">
+                                          <p:val>
+                                            <p:fltVal val="1"/>
+                                          </p:val>
+                                        </p:tav>
+                                      </p:tavLst>
+                                    </p:anim>
+                                    <p:anim calcmode="lin" valueType="num">
+                                      <p:cBhvr>
+                                        <p:cTn id="123" dur="332" tmFilter="0, 0; 0.125,0.2665; 0.25,0.4; 0.375,0.465; 0.5,0.5;  0.625,0.535; 0.75,0.6; 0.875,0.7335; 1,1">
+                                          <p:stCondLst>
+                                            <p:cond delay="1324"/>
+                                          </p:stCondLst>
+                                        </p:cTn>
+                                        <p:tgtEl>
+                                          <p:spTgt spid="8"/>
+                                        </p:tgtEl>
+                                        <p:attrNameLst>
+                                          <p:attrName>ppt_y</p:attrName>
+                                        </p:attrNameLst>
+                                      </p:cBhvr>
+                                      <p:tavLst>
+                                        <p:tav tm="0" fmla="#ppt_y-sin(pi*$)/27">
+                                          <p:val>
+                                            <p:fltVal val="0"/>
+                                          </p:val>
+                                        </p:tav>
+                                        <p:tav tm="100000">
+                                          <p:val>
+                                            <p:fltVal val="1"/>
+                                          </p:val>
+                                        </p:tav>
+                                      </p:tavLst>
+                                    </p:anim>
+                                    <p:anim calcmode="lin" valueType="num">
+                                      <p:cBhvr>
+                                        <p:cTn id="124" dur="164" tmFilter="0, 0; 0.125,0.2665; 0.25,0.4; 0.375,0.465; 0.5,0.5;  0.625,0.535; 0.75,0.6; 0.875,0.7335; 1,1">
+                                          <p:stCondLst>
+                                            <p:cond delay="1656"/>
+                                          </p:stCondLst>
+                                        </p:cTn>
+                                        <p:tgtEl>
+                                          <p:spTgt spid="8"/>
+                                        </p:tgtEl>
+                                        <p:attrNameLst>
+                                          <p:attrName>ppt_y</p:attrName>
+                                        </p:attrNameLst>
+                                      </p:cBhvr>
+                                      <p:tavLst>
+                                        <p:tav tm="0" fmla="#ppt_y-sin(pi*$)/81">
+                                          <p:val>
+                                            <p:fltVal val="0"/>
+                                          </p:val>
+                                        </p:tav>
+                                        <p:tav tm="100000">
+                                          <p:val>
+                                            <p:fltVal val="1"/>
+                                          </p:val>
+                                        </p:tav>
+                                      </p:tavLst>
+                                    </p:anim>
+                                    <p:animScale>
+                                      <p:cBhvr>
+                                        <p:cTn id="125" dur="26">
+                                          <p:stCondLst>
+                                            <p:cond delay="650"/>
+                                          </p:stCondLst>
+                                        </p:cTn>
+                                        <p:tgtEl>
+                                          <p:spTgt spid="8"/>
+                                        </p:tgtEl>
+                                      </p:cBhvr>
+                                      <p:to x="100000" y="60000"/>
+                                    </p:animScale>
+                                    <p:animScale>
+                                      <p:cBhvr>
+                                        <p:cTn id="126" dur="166" decel="50000">
+                                          <p:stCondLst>
+                                            <p:cond delay="676"/>
+                                          </p:stCondLst>
+                                        </p:cTn>
+                                        <p:tgtEl>
+                                          <p:spTgt spid="8"/>
+                                        </p:tgtEl>
+                                      </p:cBhvr>
+                                      <p:to x="100000" y="100000"/>
+                                    </p:animScale>
+                                    <p:animScale>
+                                      <p:cBhvr>
+                                        <p:cTn id="127" dur="26">
+                                          <p:stCondLst>
+                                            <p:cond delay="1312"/>
+                                          </p:stCondLst>
+                                        </p:cTn>
+                                        <p:tgtEl>
+                                          <p:spTgt spid="8"/>
+                                        </p:tgtEl>
+                                      </p:cBhvr>
+                                      <p:to x="100000" y="80000"/>
+                                    </p:animScale>
+                                    <p:animScale>
+                                      <p:cBhvr>
+                                        <p:cTn id="128" dur="166" decel="50000">
+                                          <p:stCondLst>
+                                            <p:cond delay="1338"/>
+                                          </p:stCondLst>
+                                        </p:cTn>
+                                        <p:tgtEl>
+                                          <p:spTgt spid="8"/>
+                                        </p:tgtEl>
+                                      </p:cBhvr>
+                                      <p:to x="100000" y="100000"/>
+                                    </p:animScale>
+                                    <p:animScale>
+                                      <p:cBhvr>
+                                        <p:cTn id="129" dur="26">
+                                          <p:stCondLst>
+                                            <p:cond delay="1642"/>
+                                          </p:stCondLst>
+                                        </p:cTn>
+                                        <p:tgtEl>
+                                          <p:spTgt spid="8"/>
+                                        </p:tgtEl>
+                                      </p:cBhvr>
+                                      <p:to x="100000" y="90000"/>
+                                    </p:animScale>
+                                    <p:animScale>
+                                      <p:cBhvr>
+                                        <p:cTn id="130" dur="166" decel="50000">
+                                          <p:stCondLst>
+                                            <p:cond delay="1668"/>
+                                          </p:stCondLst>
+                                        </p:cTn>
+                                        <p:tgtEl>
+                                          <p:spTgt spid="8"/>
+                                        </p:tgtEl>
+                                      </p:cBhvr>
+                                      <p:to x="100000" y="100000"/>
+                                    </p:animScale>
+                                    <p:animScale>
+                                      <p:cBhvr>
+                                        <p:cTn id="131" dur="26">
+                                          <p:stCondLst>
+                                            <p:cond delay="1808"/>
+                                          </p:stCondLst>
+                                        </p:cTn>
+                                        <p:tgtEl>
+                                          <p:spTgt spid="8"/>
+                                        </p:tgtEl>
+                                      </p:cBhvr>
+                                      <p:to x="100000" y="95000"/>
+                                    </p:animScale>
+                                    <p:animScale>
+                                      <p:cBhvr>
+                                        <p:cTn id="132" dur="166" decel="50000">
+                                          <p:stCondLst>
+                                            <p:cond delay="1834"/>
+                                          </p:stCondLst>
+                                        </p:cTn>
+                                        <p:tgtEl>
+                                          <p:spTgt spid="8"/>
+                                        </p:tgtEl>
+                                      </p:cBhvr>
+                                      <p:to x="100000" y="100000"/>
+                                    </p:animScale>
+                                  </p:childTnLst>
+                                </p:cTn>
+                              </p:par>
+                            </p:childTnLst>
+                          </p:cTn>
+                        </p:par>
+                      </p:childTnLst>
+                    </p:cTn>
+                  </p:par>
                 </p:childTnLst>
               </p:cTn>
               <p:prevCondLst>
@@ -16676,7 +17559,7 @@
 </p:sld>
 </file>
 
-<file path=ppt/slides/slide16.xml><?xml version="1.0" encoding="utf-8"?>
+<file path=ppt/slides/slide15.xml><?xml version="1.0" encoding="utf-8"?>
 <p:sld xmlns:a="http://schemas.openxmlformats.org/drawingml/2006/main" xmlns:r="http://schemas.openxmlformats.org/officeDocument/2006/relationships" xmlns:p="http://schemas.openxmlformats.org/presentationml/2006/main">
   <p:cSld>
     <p:spTree>
@@ -18713,7 +19596,7 @@
             <a:fld id="{8C2E478F-E849-4A8C-AF1F-CBCC78A7CBFA}" type="slidenum">
               <a:rPr lang="en-US" smtClean="0"/>
               <a:pPr/>
-              <a:t>16</a:t>
+              <a:t>15</a:t>
             </a:fld>
             <a:endParaRPr lang="en-US" dirty="0"/>
           </a:p>
@@ -18823,6 +19706,946 @@
     <p:extLst>
       <p:ext uri="{BB962C8B-B14F-4D97-AF65-F5344CB8AC3E}">
         <p14:creationId xmlns:p14="http://schemas.microsoft.com/office/powerpoint/2010/main" val="2249086072"/>
+      </p:ext>
+    </p:extLst>
+  </p:cSld>
+  <p:clrMapOvr>
+    <a:masterClrMapping/>
+  </p:clrMapOvr>
+  <mc:AlternateContent xmlns:mc="http://schemas.openxmlformats.org/markup-compatibility/2006" xmlns:p15="http://schemas.microsoft.com/office/powerpoint/2012/main">
+    <mc:Choice Requires="p15">
+      <p:transition xmlns:p14="http://schemas.microsoft.com/office/powerpoint/2010/main" spd="slow" p14:dur="1250">
+        <p15:prstTrans prst="peelOff"/>
+      </p:transition>
+    </mc:Choice>
+    <mc:Fallback xmlns="">
+      <p:transition spd="slow">
+        <p:fade/>
+      </p:transition>
+    </mc:Fallback>
+  </mc:AlternateContent>
+</p:sld>
+</file>
+
+<file path=ppt/slides/slide16.xml><?xml version="1.0" encoding="utf-8"?>
+<p:sld xmlns:a="http://schemas.openxmlformats.org/drawingml/2006/main" xmlns:r="http://schemas.openxmlformats.org/officeDocument/2006/relationships" xmlns:p="http://schemas.openxmlformats.org/presentationml/2006/main">
+  <p:cSld>
+    <p:spTree>
+      <p:nvGrpSpPr>
+        <p:cNvPr id="1" name=""/>
+        <p:cNvGrpSpPr/>
+        <p:nvPr/>
+      </p:nvGrpSpPr>
+      <p:grpSpPr>
+        <a:xfrm>
+          <a:off x="0" y="0"/>
+          <a:ext cx="0" cy="0"/>
+          <a:chOff x="0" y="0"/>
+          <a:chExt cx="0" cy="0"/>
+        </a:xfrm>
+      </p:grpSpPr>
+      <p:grpSp>
+        <p:nvGrpSpPr>
+          <p:cNvPr id="2" name="Group 1">
+            <a:extLst>
+              <a:ext uri="{FF2B5EF4-FFF2-40B4-BE49-F238E27FC236}">
+                <a16:creationId xmlns:a16="http://schemas.microsoft.com/office/drawing/2014/main" id="{11BEC607-8474-408E-A7AC-48A065F31B63}"/>
+              </a:ext>
+              <a:ext uri="{C183D7F6-B498-43B3-948B-1728B52AA6E4}">
+                <adec:decorative xmlns:adec="http://schemas.microsoft.com/office/drawing/2017/decorative" val="1"/>
+              </a:ext>
+            </a:extLst>
+          </p:cNvPr>
+          <p:cNvGrpSpPr/>
+          <p:nvPr/>
+        </p:nvGrpSpPr>
+        <p:grpSpPr>
+          <a:xfrm flipH="1">
+            <a:off x="197066" y="76782"/>
+            <a:ext cx="11824138" cy="6619069"/>
+            <a:chOff x="-30419" y="-300821"/>
+            <a:chExt cx="7375782" cy="7455336"/>
+          </a:xfrm>
+        </p:grpSpPr>
+        <p:sp>
+          <p:nvSpPr>
+            <p:cNvPr id="3" name="Rectangle 2">
+              <a:extLst>
+                <a:ext uri="{FF2B5EF4-FFF2-40B4-BE49-F238E27FC236}">
+                  <a16:creationId xmlns:a16="http://schemas.microsoft.com/office/drawing/2014/main" id="{B601E3FC-2016-4085-9A4B-A172702EAAE1}"/>
+                </a:ext>
+              </a:extLst>
+            </p:cNvPr>
+            <p:cNvSpPr/>
+            <p:nvPr userDrawn="1"/>
+          </p:nvSpPr>
+          <p:spPr>
+            <a:xfrm rot="16200000">
+              <a:off x="3337849" y="-3619921"/>
+              <a:ext cx="688414" cy="7326614"/>
+            </a:xfrm>
+            <a:prstGeom prst="rect">
+              <a:avLst/>
+            </a:prstGeom>
+            <a:gradFill>
+              <a:gsLst>
+                <a:gs pos="0">
+                  <a:srgbClr val="038B30">
+                    <a:alpha val="70000"/>
+                  </a:srgbClr>
+                </a:gs>
+                <a:gs pos="100000">
+                  <a:srgbClr val="C0F400">
+                    <a:alpha val="70000"/>
+                  </a:srgbClr>
+                </a:gs>
+                <a:gs pos="50000">
+                  <a:srgbClr val="05EE55">
+                    <a:alpha val="70000"/>
+                  </a:srgbClr>
+                </a:gs>
+              </a:gsLst>
+              <a:lin ang="16200000" scaled="1"/>
+            </a:gradFill>
+            <a:ln>
+              <a:noFill/>
+            </a:ln>
+          </p:spPr>
+          <p:style>
+            <a:lnRef idx="2">
+              <a:schemeClr val="accent1">
+                <a:shade val="50000"/>
+              </a:schemeClr>
+            </a:lnRef>
+            <a:fillRef idx="1">
+              <a:schemeClr val="accent1"/>
+            </a:fillRef>
+            <a:effectRef idx="0">
+              <a:schemeClr val="accent1"/>
+            </a:effectRef>
+            <a:fontRef idx="minor">
+              <a:schemeClr val="lt1"/>
+            </a:fontRef>
+          </p:style>
+          <p:txBody>
+            <a:bodyPr rtlCol="0" anchor="ctr"/>
+            <a:lstStyle/>
+            <a:p>
+              <a:pPr algn="ctr"/>
+              <a:r>
+                <a:rPr lang="en-US" dirty="0"/>
+                <a:t>2</a:t>
+              </a:r>
+            </a:p>
+            <a:p>
+              <a:pPr algn="ctr"/>
+              <a:endParaRPr lang="en-US" dirty="0"/>
+            </a:p>
+            <a:p>
+              <a:pPr algn="ctr"/>
+              <a:endParaRPr lang="en-US" dirty="0"/>
+            </a:p>
+            <a:p>
+              <a:pPr algn="ctr"/>
+              <a:endParaRPr lang="en-US" dirty="0"/>
+            </a:p>
+            <a:p>
+              <a:pPr algn="ctr"/>
+              <a:endParaRPr lang="en-US" dirty="0"/>
+            </a:p>
+            <a:p>
+              <a:pPr algn="ctr"/>
+              <a:endParaRPr lang="en-US" dirty="0"/>
+            </a:p>
+            <a:p>
+              <a:pPr algn="ctr"/>
+              <a:endParaRPr lang="en-US" dirty="0"/>
+            </a:p>
+            <a:p>
+              <a:pPr algn="ctr"/>
+              <a:endParaRPr lang="en-US" dirty="0"/>
+            </a:p>
+            <a:p>
+              <a:pPr algn="ctr"/>
+              <a:endParaRPr lang="en-US" dirty="0"/>
+            </a:p>
+            <a:p>
+              <a:pPr algn="ctr"/>
+              <a:endParaRPr lang="en-US" dirty="0"/>
+            </a:p>
+            <a:p>
+              <a:pPr algn="ctr"/>
+              <a:endParaRPr lang="en-US" dirty="0"/>
+            </a:p>
+            <a:p>
+              <a:pPr algn="ctr"/>
+              <a:endParaRPr lang="en-US" dirty="0"/>
+            </a:p>
+            <a:p>
+              <a:pPr algn="ctr"/>
+              <a:endParaRPr lang="en-US" dirty="0"/>
+            </a:p>
+            <a:p>
+              <a:pPr algn="ctr"/>
+              <a:endParaRPr lang="en-US" dirty="0"/>
+            </a:p>
+            <a:p>
+              <a:pPr algn="ctr"/>
+              <a:endParaRPr lang="en-US" dirty="0"/>
+            </a:p>
+            <a:p>
+              <a:pPr algn="ctr"/>
+              <a:endParaRPr lang="en-US" dirty="0"/>
+            </a:p>
+            <a:p>
+              <a:pPr algn="ctr"/>
+              <a:endParaRPr lang="en-US" dirty="0"/>
+            </a:p>
+            <a:p>
+              <a:pPr algn="ctr"/>
+              <a:endParaRPr lang="en-US" dirty="0"/>
+            </a:p>
+            <a:p>
+              <a:pPr algn="ctr"/>
+              <a:endParaRPr lang="en-US" dirty="0"/>
+            </a:p>
+            <a:p>
+              <a:pPr algn="ctr"/>
+              <a:endParaRPr lang="en-US" dirty="0"/>
+            </a:p>
+            <a:p>
+              <a:pPr algn="ctr"/>
+              <a:endParaRPr lang="en-US" dirty="0"/>
+            </a:p>
+            <a:p>
+              <a:pPr algn="ctr"/>
+              <a:endParaRPr lang="en-US" dirty="0"/>
+            </a:p>
+            <a:p>
+              <a:pPr algn="ctr"/>
+              <a:endParaRPr lang="en-US" dirty="0"/>
+            </a:p>
+            <a:p>
+              <a:pPr algn="ctr"/>
+              <a:endParaRPr lang="en-US" dirty="0"/>
+            </a:p>
+            <a:p>
+              <a:pPr algn="ctr"/>
+              <a:endParaRPr lang="en-US" dirty="0"/>
+            </a:p>
+            <a:p>
+              <a:pPr algn="ctr"/>
+              <a:endParaRPr lang="en-US" dirty="0"/>
+            </a:p>
+            <a:p>
+              <a:pPr algn="ctr"/>
+              <a:endParaRPr lang="en-US" dirty="0"/>
+            </a:p>
+            <a:p>
+              <a:pPr algn="ctr"/>
+              <a:endParaRPr lang="en-US" dirty="0"/>
+            </a:p>
+            <a:p>
+              <a:pPr algn="ctr"/>
+              <a:endParaRPr lang="en-US" dirty="0"/>
+            </a:p>
+            <a:p>
+              <a:pPr algn="ctr"/>
+              <a:endParaRPr lang="en-US" dirty="0"/>
+            </a:p>
+            <a:p>
+              <a:pPr algn="ctr"/>
+              <a:endParaRPr lang="en-US" dirty="0"/>
+            </a:p>
+            <a:p>
+              <a:pPr algn="ctr"/>
+              <a:endParaRPr lang="en-US" dirty="0"/>
+            </a:p>
+            <a:p>
+              <a:pPr algn="ctr"/>
+              <a:endParaRPr lang="en-US" dirty="0"/>
+            </a:p>
+            <a:p>
+              <a:pPr algn="ctr"/>
+              <a:endParaRPr lang="en-US" dirty="0"/>
+            </a:p>
+            <a:p>
+              <a:pPr algn="ctr"/>
+              <a:endParaRPr lang="en-US" dirty="0"/>
+            </a:p>
+            <a:p>
+              <a:pPr algn="ctr"/>
+              <a:endParaRPr lang="en-US" dirty="0"/>
+            </a:p>
+            <a:p>
+              <a:pPr algn="ctr"/>
+              <a:endParaRPr lang="en-US" dirty="0"/>
+            </a:p>
+            <a:p>
+              <a:pPr algn="ctr"/>
+              <a:endParaRPr lang="en-US" dirty="0"/>
+            </a:p>
+            <a:p>
+              <a:pPr algn="ctr"/>
+              <a:endParaRPr lang="en-US" dirty="0"/>
+            </a:p>
+            <a:p>
+              <a:pPr algn="ctr"/>
+              <a:endParaRPr lang="en-US" dirty="0"/>
+            </a:p>
+            <a:p>
+              <a:pPr algn="ctr"/>
+              <a:endParaRPr lang="en-US" dirty="0"/>
+            </a:p>
+            <a:p>
+              <a:pPr algn="ctr"/>
+              <a:endParaRPr lang="en-US" dirty="0"/>
+            </a:p>
+            <a:p>
+              <a:pPr algn="ctr"/>
+              <a:endParaRPr lang="en-US" dirty="0"/>
+            </a:p>
+            <a:p>
+              <a:pPr algn="ctr"/>
+              <a:endParaRPr lang="en-US" dirty="0"/>
+            </a:p>
+            <a:p>
+              <a:pPr algn="ctr"/>
+              <a:endParaRPr lang="en-US" dirty="0"/>
+            </a:p>
+            <a:p>
+              <a:pPr algn="ctr"/>
+              <a:endParaRPr lang="en-US" dirty="0"/>
+            </a:p>
+            <a:p>
+              <a:pPr algn="ctr"/>
+              <a:endParaRPr lang="en-US" dirty="0"/>
+            </a:p>
+            <a:p>
+              <a:pPr algn="ctr"/>
+              <a:endParaRPr lang="en-US" dirty="0"/>
+            </a:p>
+            <a:p>
+              <a:pPr algn="ctr"/>
+              <a:endParaRPr lang="en-US" dirty="0"/>
+            </a:p>
+            <a:p>
+              <a:pPr algn="ctr"/>
+              <a:endParaRPr lang="en-US" dirty="0"/>
+            </a:p>
+            <a:p>
+              <a:pPr algn="ctr"/>
+              <a:endParaRPr lang="en-US" dirty="0"/>
+            </a:p>
+            <a:p>
+              <a:pPr algn="ctr"/>
+              <a:endParaRPr lang="en-US" dirty="0"/>
+            </a:p>
+            <a:p>
+              <a:pPr algn="ctr"/>
+              <a:endParaRPr lang="en-US" dirty="0"/>
+            </a:p>
+            <a:p>
+              <a:pPr algn="ctr"/>
+              <a:endParaRPr lang="en-US" dirty="0"/>
+            </a:p>
+            <a:p>
+              <a:pPr algn="ctr"/>
+              <a:endParaRPr lang="en-US" dirty="0"/>
+            </a:p>
+            <a:p>
+              <a:pPr algn="ctr"/>
+              <a:endParaRPr lang="en-US" dirty="0"/>
+            </a:p>
+            <a:p>
+              <a:pPr algn="ctr"/>
+              <a:endParaRPr lang="en-US" dirty="0"/>
+            </a:p>
+            <a:p>
+              <a:pPr algn="ctr"/>
+              <a:endParaRPr lang="en-US" dirty="0"/>
+            </a:p>
+            <a:p>
+              <a:pPr algn="ctr"/>
+              <a:endParaRPr lang="en-US" dirty="0"/>
+            </a:p>
+            <a:p>
+              <a:pPr algn="ctr"/>
+              <a:endParaRPr lang="en-US" dirty="0"/>
+            </a:p>
+            <a:p>
+              <a:pPr algn="ctr"/>
+              <a:endParaRPr lang="en-US" dirty="0"/>
+            </a:p>
+            <a:p>
+              <a:pPr algn="ctr"/>
+              <a:endParaRPr lang="en-US" dirty="0"/>
+            </a:p>
+            <a:p>
+              <a:pPr algn="ctr"/>
+              <a:endParaRPr lang="en-US" dirty="0"/>
+            </a:p>
+            <a:p>
+              <a:pPr algn="ctr"/>
+              <a:endParaRPr lang="en-US" dirty="0"/>
+            </a:p>
+            <a:p>
+              <a:pPr algn="ctr"/>
+              <a:endParaRPr lang="en-US" dirty="0"/>
+            </a:p>
+            <a:p>
+              <a:pPr algn="ctr"/>
+              <a:endParaRPr lang="en-US" dirty="0"/>
+            </a:p>
+            <a:p>
+              <a:pPr algn="ctr"/>
+              <a:r>
+                <a:rPr lang="en-US" dirty="0"/>
+                <a:t>+</a:t>
+              </a:r>
+            </a:p>
+            <a:p>
+              <a:pPr algn="ctr"/>
+              <a:endParaRPr lang="en-US" dirty="0"/>
+            </a:p>
+          </p:txBody>
+        </p:sp>
+        <p:sp>
+          <p:nvSpPr>
+            <p:cNvPr id="4" name="Rectangle 3">
+              <a:extLst>
+                <a:ext uri="{FF2B5EF4-FFF2-40B4-BE49-F238E27FC236}">
+                  <a16:creationId xmlns:a16="http://schemas.microsoft.com/office/drawing/2014/main" id="{2CBF662F-A198-4AD3-8EBC-0EC9A52B2994}"/>
+                </a:ext>
+              </a:extLst>
+            </p:cNvPr>
+            <p:cNvSpPr/>
+            <p:nvPr userDrawn="1"/>
+          </p:nvSpPr>
+          <p:spPr>
+            <a:xfrm>
+              <a:off x="-30419" y="-300819"/>
+              <a:ext cx="7375782" cy="7455334"/>
+            </a:xfrm>
+            <a:prstGeom prst="rect">
+              <a:avLst/>
+            </a:prstGeom>
+            <a:noFill/>
+            <a:ln w="127000">
+              <a:solidFill>
+                <a:srgbClr val="2F3342"/>
+              </a:solidFill>
+            </a:ln>
+          </p:spPr>
+          <p:style>
+            <a:lnRef idx="2">
+              <a:schemeClr val="accent1">
+                <a:shade val="50000"/>
+              </a:schemeClr>
+            </a:lnRef>
+            <a:fillRef idx="1">
+              <a:schemeClr val="accent1"/>
+            </a:fillRef>
+            <a:effectRef idx="0">
+              <a:schemeClr val="accent1"/>
+            </a:effectRef>
+            <a:fontRef idx="minor">
+              <a:schemeClr val="lt1"/>
+            </a:fontRef>
+          </p:style>
+          <p:txBody>
+            <a:bodyPr rtlCol="0" anchor="ctr"/>
+            <a:lstStyle/>
+            <a:p>
+              <a:pPr algn="ctr"/>
+              <a:endParaRPr lang="en-US" dirty="0"/>
+            </a:p>
+          </p:txBody>
+        </p:sp>
+      </p:grpSp>
+      <p:sp>
+        <p:nvSpPr>
+          <p:cNvPr id="8" name="Rectangle 7">
+            <a:extLst>
+              <a:ext uri="{FF2B5EF4-FFF2-40B4-BE49-F238E27FC236}">
+                <a16:creationId xmlns:a16="http://schemas.microsoft.com/office/drawing/2014/main" id="{B601E3FC-2016-4085-9A4B-A172702EAAE1}"/>
+              </a:ext>
+            </a:extLst>
+          </p:cNvPr>
+          <p:cNvSpPr/>
+          <p:nvPr/>
+        </p:nvSpPr>
+        <p:spPr>
+          <a:xfrm rot="16200000" flipH="1">
+            <a:off x="5848170" y="562227"/>
+            <a:ext cx="521930" cy="11745313"/>
+          </a:xfrm>
+          <a:prstGeom prst="rect">
+            <a:avLst/>
+          </a:prstGeom>
+          <a:gradFill>
+            <a:gsLst>
+              <a:gs pos="0">
+                <a:srgbClr val="038B30">
+                  <a:alpha val="70000"/>
+                </a:srgbClr>
+              </a:gs>
+              <a:gs pos="100000">
+                <a:srgbClr val="C0F400">
+                  <a:alpha val="70000"/>
+                </a:srgbClr>
+              </a:gs>
+              <a:gs pos="50000">
+                <a:srgbClr val="05EE55">
+                  <a:alpha val="70000"/>
+                </a:srgbClr>
+              </a:gs>
+            </a:gsLst>
+            <a:lin ang="16200000" scaled="1"/>
+          </a:gradFill>
+          <a:ln>
+            <a:noFill/>
+          </a:ln>
+        </p:spPr>
+        <p:style>
+          <a:lnRef idx="2">
+            <a:schemeClr val="accent1">
+              <a:shade val="50000"/>
+            </a:schemeClr>
+          </a:lnRef>
+          <a:fillRef idx="1">
+            <a:schemeClr val="accent1"/>
+          </a:fillRef>
+          <a:effectRef idx="0">
+            <a:schemeClr val="accent1"/>
+          </a:effectRef>
+          <a:fontRef idx="minor">
+            <a:schemeClr val="lt1"/>
+          </a:fontRef>
+        </p:style>
+        <p:txBody>
+          <a:bodyPr rtlCol="0" anchor="ctr"/>
+          <a:lstStyle/>
+          <a:p>
+            <a:pPr algn="ctr"/>
+            <a:r>
+              <a:rPr lang="en-US" dirty="0"/>
+              <a:t>2</a:t>
+            </a:r>
+          </a:p>
+          <a:p>
+            <a:pPr algn="ctr"/>
+            <a:endParaRPr lang="en-US" dirty="0"/>
+          </a:p>
+          <a:p>
+            <a:pPr algn="ctr"/>
+            <a:endParaRPr lang="en-US" dirty="0"/>
+          </a:p>
+          <a:p>
+            <a:pPr algn="ctr"/>
+            <a:endParaRPr lang="en-US" dirty="0"/>
+          </a:p>
+          <a:p>
+            <a:pPr algn="ctr"/>
+            <a:endParaRPr lang="en-US" dirty="0"/>
+          </a:p>
+          <a:p>
+            <a:pPr algn="ctr"/>
+            <a:endParaRPr lang="en-US" dirty="0"/>
+          </a:p>
+          <a:p>
+            <a:pPr algn="ctr"/>
+            <a:endParaRPr lang="en-US" dirty="0"/>
+          </a:p>
+          <a:p>
+            <a:pPr algn="ctr"/>
+            <a:endParaRPr lang="en-US" dirty="0"/>
+          </a:p>
+          <a:p>
+            <a:pPr algn="ctr"/>
+            <a:endParaRPr lang="en-US" dirty="0"/>
+          </a:p>
+          <a:p>
+            <a:pPr algn="ctr"/>
+            <a:endParaRPr lang="en-US" dirty="0"/>
+          </a:p>
+          <a:p>
+            <a:pPr algn="ctr"/>
+            <a:endParaRPr lang="en-US" dirty="0"/>
+          </a:p>
+          <a:p>
+            <a:pPr algn="ctr"/>
+            <a:endParaRPr lang="en-US" dirty="0"/>
+          </a:p>
+          <a:p>
+            <a:pPr algn="ctr"/>
+            <a:endParaRPr lang="en-US" dirty="0"/>
+          </a:p>
+          <a:p>
+            <a:pPr algn="ctr"/>
+            <a:endParaRPr lang="en-US" dirty="0"/>
+          </a:p>
+          <a:p>
+            <a:pPr algn="ctr"/>
+            <a:endParaRPr lang="en-US" dirty="0"/>
+          </a:p>
+          <a:p>
+            <a:pPr algn="ctr"/>
+            <a:endParaRPr lang="en-US" dirty="0"/>
+          </a:p>
+          <a:p>
+            <a:pPr algn="ctr"/>
+            <a:endParaRPr lang="en-US" dirty="0"/>
+          </a:p>
+          <a:p>
+            <a:pPr algn="ctr"/>
+            <a:endParaRPr lang="en-US" dirty="0"/>
+          </a:p>
+          <a:p>
+            <a:pPr algn="ctr"/>
+            <a:endParaRPr lang="en-US" dirty="0"/>
+          </a:p>
+          <a:p>
+            <a:pPr algn="ctr"/>
+            <a:endParaRPr lang="en-US" dirty="0"/>
+          </a:p>
+          <a:p>
+            <a:pPr algn="ctr"/>
+            <a:endParaRPr lang="en-US" dirty="0"/>
+          </a:p>
+          <a:p>
+            <a:pPr algn="ctr"/>
+            <a:endParaRPr lang="en-US" dirty="0"/>
+          </a:p>
+          <a:p>
+            <a:pPr algn="ctr"/>
+            <a:endParaRPr lang="en-US" dirty="0"/>
+          </a:p>
+          <a:p>
+            <a:pPr algn="ctr"/>
+            <a:endParaRPr lang="en-US" dirty="0"/>
+          </a:p>
+          <a:p>
+            <a:pPr algn="ctr"/>
+            <a:endParaRPr lang="en-US" dirty="0"/>
+          </a:p>
+          <a:p>
+            <a:pPr algn="ctr"/>
+            <a:endParaRPr lang="en-US" dirty="0"/>
+          </a:p>
+          <a:p>
+            <a:pPr algn="ctr"/>
+            <a:endParaRPr lang="en-US" dirty="0"/>
+          </a:p>
+          <a:p>
+            <a:pPr algn="ctr"/>
+            <a:endParaRPr lang="en-US" dirty="0"/>
+          </a:p>
+          <a:p>
+            <a:pPr algn="ctr"/>
+            <a:endParaRPr lang="en-US" dirty="0"/>
+          </a:p>
+          <a:p>
+            <a:pPr algn="ctr"/>
+            <a:endParaRPr lang="en-US" dirty="0"/>
+          </a:p>
+          <a:p>
+            <a:pPr algn="ctr"/>
+            <a:endParaRPr lang="en-US" dirty="0"/>
+          </a:p>
+          <a:p>
+            <a:pPr algn="ctr"/>
+            <a:endParaRPr lang="en-US" dirty="0"/>
+          </a:p>
+          <a:p>
+            <a:pPr algn="ctr"/>
+            <a:endParaRPr lang="en-US" dirty="0"/>
+          </a:p>
+          <a:p>
+            <a:pPr algn="ctr"/>
+            <a:endParaRPr lang="en-US" dirty="0"/>
+          </a:p>
+          <a:p>
+            <a:pPr algn="ctr"/>
+            <a:endParaRPr lang="en-US" dirty="0"/>
+          </a:p>
+          <a:p>
+            <a:pPr algn="ctr"/>
+            <a:endParaRPr lang="en-US" dirty="0"/>
+          </a:p>
+          <a:p>
+            <a:pPr algn="ctr"/>
+            <a:endParaRPr lang="en-US" dirty="0"/>
+          </a:p>
+          <a:p>
+            <a:pPr algn="ctr"/>
+            <a:endParaRPr lang="en-US" dirty="0"/>
+          </a:p>
+          <a:p>
+            <a:pPr algn="ctr"/>
+            <a:endParaRPr lang="en-US" dirty="0"/>
+          </a:p>
+          <a:p>
+            <a:pPr algn="ctr"/>
+            <a:endParaRPr lang="en-US" dirty="0"/>
+          </a:p>
+          <a:p>
+            <a:pPr algn="ctr"/>
+            <a:endParaRPr lang="en-US" dirty="0"/>
+          </a:p>
+          <a:p>
+            <a:pPr algn="ctr"/>
+            <a:endParaRPr lang="en-US" dirty="0"/>
+          </a:p>
+          <a:p>
+            <a:pPr algn="ctr"/>
+            <a:endParaRPr lang="en-US" dirty="0"/>
+          </a:p>
+          <a:p>
+            <a:pPr algn="ctr"/>
+            <a:endParaRPr lang="en-US" dirty="0"/>
+          </a:p>
+          <a:p>
+            <a:pPr algn="ctr"/>
+            <a:endParaRPr lang="en-US" dirty="0"/>
+          </a:p>
+          <a:p>
+            <a:pPr algn="ctr"/>
+            <a:endParaRPr lang="en-US" dirty="0"/>
+          </a:p>
+          <a:p>
+            <a:pPr algn="ctr"/>
+            <a:endParaRPr lang="en-US" dirty="0"/>
+          </a:p>
+          <a:p>
+            <a:pPr algn="ctr"/>
+            <a:endParaRPr lang="en-US" dirty="0"/>
+          </a:p>
+          <a:p>
+            <a:pPr algn="ctr"/>
+            <a:endParaRPr lang="en-US" dirty="0"/>
+          </a:p>
+          <a:p>
+            <a:pPr algn="ctr"/>
+            <a:endParaRPr lang="en-US" dirty="0"/>
+          </a:p>
+          <a:p>
+            <a:pPr algn="ctr"/>
+            <a:endParaRPr lang="en-US" dirty="0"/>
+          </a:p>
+          <a:p>
+            <a:pPr algn="ctr"/>
+            <a:endParaRPr lang="en-US" dirty="0"/>
+          </a:p>
+          <a:p>
+            <a:pPr algn="ctr"/>
+            <a:endParaRPr lang="en-US" dirty="0"/>
+          </a:p>
+          <a:p>
+            <a:pPr algn="ctr"/>
+            <a:endParaRPr lang="en-US" dirty="0"/>
+          </a:p>
+          <a:p>
+            <a:pPr algn="ctr"/>
+            <a:endParaRPr lang="en-US" dirty="0"/>
+          </a:p>
+          <a:p>
+            <a:pPr algn="ctr"/>
+            <a:endParaRPr lang="en-US" dirty="0"/>
+          </a:p>
+          <a:p>
+            <a:pPr algn="ctr"/>
+            <a:endParaRPr lang="en-US" dirty="0"/>
+          </a:p>
+          <a:p>
+            <a:pPr algn="ctr"/>
+            <a:endParaRPr lang="en-US" dirty="0"/>
+          </a:p>
+          <a:p>
+            <a:pPr algn="ctr"/>
+            <a:endParaRPr lang="en-US" dirty="0"/>
+          </a:p>
+          <a:p>
+            <a:pPr algn="ctr"/>
+            <a:endParaRPr lang="en-US" dirty="0"/>
+          </a:p>
+          <a:p>
+            <a:pPr algn="ctr"/>
+            <a:endParaRPr lang="en-US" dirty="0"/>
+          </a:p>
+          <a:p>
+            <a:pPr algn="ctr"/>
+            <a:endParaRPr lang="en-US" dirty="0"/>
+          </a:p>
+          <a:p>
+            <a:pPr algn="ctr"/>
+            <a:endParaRPr lang="en-US" dirty="0"/>
+          </a:p>
+          <a:p>
+            <a:pPr algn="ctr"/>
+            <a:endParaRPr lang="en-US" dirty="0"/>
+          </a:p>
+          <a:p>
+            <a:pPr algn="ctr"/>
+            <a:endParaRPr lang="en-US" dirty="0"/>
+          </a:p>
+          <a:p>
+            <a:pPr algn="ctr"/>
+            <a:endParaRPr lang="en-US" dirty="0"/>
+          </a:p>
+          <a:p>
+            <a:pPr algn="ctr"/>
+            <a:r>
+              <a:rPr lang="en-US" dirty="0"/>
+              <a:t>+</a:t>
+            </a:r>
+          </a:p>
+          <a:p>
+            <a:pPr algn="ctr"/>
+            <a:endParaRPr lang="en-US" dirty="0"/>
+          </a:p>
+        </p:txBody>
+      </p:sp>
+      <p:sp>
+        <p:nvSpPr>
+          <p:cNvPr id="5" name="TextBox 4"/>
+          <p:cNvSpPr txBox="1"/>
+          <p:nvPr/>
+        </p:nvSpPr>
+        <p:spPr>
+          <a:xfrm>
+            <a:off x="431590" y="1445788"/>
+            <a:ext cx="11589614" cy="3970318"/>
+          </a:xfrm>
+          <a:prstGeom prst="rect">
+            <a:avLst/>
+          </a:prstGeom>
+          <a:noFill/>
+        </p:spPr>
+        <p:txBody>
+          <a:bodyPr wrap="square" rtlCol="0">
+            <a:spAutoFit/>
+          </a:bodyPr>
+          <a:lstStyle/>
+          <a:p>
+            <a:r>
+              <a:rPr lang="en-US" dirty="0"/>
+              <a:t>The future scope of a school fees management system is vast and promising. With the increasing demand for automation and digitalization in the education sector, such software can prove to be a game-changer for schools and educational institutions. Some of the potential future scopes of this software are:- </a:t>
+            </a:r>
+          </a:p>
+          <a:p>
+            <a:endParaRPr lang="en-US" dirty="0"/>
+          </a:p>
+          <a:p>
+            <a:pPr marL="285750" indent="-285750">
+              <a:buFont typeface="Wingdings" panose="05000000000000000000" pitchFamily="2" charset="2"/>
+              <a:buChar char="Ø"/>
+            </a:pPr>
+            <a:r>
+              <a:rPr lang="en-US" b="1" dirty="0"/>
+              <a:t>Integration with other school management system software:- </a:t>
+            </a:r>
+            <a:r>
+              <a:rPr lang="en-US" dirty="0"/>
+              <a:t>The school fees management system can be integrated with other school management systems like attendance management , grade management, and more. This will help schools to have a complete overview of the operations and make informed decisions.</a:t>
+            </a:r>
+          </a:p>
+          <a:p>
+            <a:pPr marL="342900" indent="-342900">
+              <a:buFont typeface="Wingdings" panose="05000000000000000000" pitchFamily="2" charset="2"/>
+              <a:buChar char="Ø"/>
+            </a:pPr>
+            <a:endParaRPr lang="en-US" dirty="0"/>
+          </a:p>
+          <a:p>
+            <a:pPr marL="285750" indent="-285750">
+              <a:buFont typeface="Wingdings" panose="05000000000000000000" pitchFamily="2" charset="2"/>
+              <a:buChar char="Ø"/>
+            </a:pPr>
+            <a:endParaRPr lang="en-US" dirty="0"/>
+          </a:p>
+          <a:p>
+            <a:pPr marL="285750" indent="-285750">
+              <a:buFont typeface="Wingdings" panose="05000000000000000000" pitchFamily="2" charset="2"/>
+              <a:buChar char="Ø"/>
+            </a:pPr>
+            <a:r>
+              <a:rPr lang="en-US" b="1" dirty="0"/>
+              <a:t>User Interface (UI): </a:t>
+            </a:r>
+            <a:r>
+              <a:rPr lang="en-US" dirty="0"/>
+              <a:t>Design a user-friendly and intuitive interface for administrators, parents, and students.</a:t>
+            </a:r>
+          </a:p>
+          <a:p>
+            <a:endParaRPr lang="en-US" dirty="0"/>
+          </a:p>
+          <a:p>
+            <a:pPr marL="342900" indent="-342900">
+              <a:buFont typeface="Wingdings" panose="05000000000000000000" pitchFamily="2" charset="2"/>
+              <a:buChar char="Ø"/>
+            </a:pPr>
+            <a:endParaRPr lang="en-US" b="1" dirty="0"/>
+          </a:p>
+          <a:p>
+            <a:pPr marL="285750" indent="-285750">
+              <a:buFont typeface="Wingdings" panose="05000000000000000000" pitchFamily="2" charset="2"/>
+              <a:buChar char="Ø"/>
+            </a:pPr>
+            <a:r>
+              <a:rPr lang="en-US" b="1" dirty="0"/>
+              <a:t>Reports: </a:t>
+            </a:r>
+            <a:r>
+              <a:rPr lang="en-US" dirty="0"/>
+              <a:t>Design reports for generating fee-related documents, such as invoices, fee receipts, outstanding balance reports, and financial summaries</a:t>
+            </a:r>
+            <a:r>
+              <a:rPr lang="en-US" b="1" dirty="0"/>
+              <a:t>.</a:t>
+            </a:r>
+          </a:p>
+        </p:txBody>
+      </p:sp>
+      <p:sp>
+        <p:nvSpPr>
+          <p:cNvPr id="6" name="TextBox 5"/>
+          <p:cNvSpPr txBox="1"/>
+          <p:nvPr/>
+        </p:nvSpPr>
+        <p:spPr>
+          <a:xfrm>
+            <a:off x="1872343" y="264607"/>
+            <a:ext cx="7141028" cy="369332"/>
+          </a:xfrm>
+          <a:prstGeom prst="rect">
+            <a:avLst/>
+          </a:prstGeom>
+          <a:noFill/>
+        </p:spPr>
+        <p:txBody>
+          <a:bodyPr wrap="square" rtlCol="0">
+            <a:spAutoFit/>
+          </a:bodyPr>
+          <a:lstStyle/>
+          <a:p>
+            <a:r>
+              <a:rPr lang="en-US" dirty="0">
+                <a:latin typeface="Algerian" panose="04020705040A02060702" pitchFamily="82" charset="0"/>
+              </a:rPr>
+              <a:t>FUTURE SCOPE OF THE SCHOOL FEE MANAGEMENT SYSTEM</a:t>
+            </a:r>
+            <a:endParaRPr lang="en-IN" dirty="0">
+              <a:latin typeface="Algerian" panose="04020705040A02060702" pitchFamily="82" charset="0"/>
+            </a:endParaRPr>
+          </a:p>
+        </p:txBody>
+      </p:sp>
+    </p:spTree>
+    <p:extLst>
+      <p:ext uri="{BB962C8B-B14F-4D97-AF65-F5344CB8AC3E}">
+        <p14:creationId xmlns:p14="http://schemas.microsoft.com/office/powerpoint/2010/main" val="3481040153"/>
       </p:ext>
     </p:extLst>
   </p:cSld>
@@ -19631,8 +21454,8 @@
         </p:nvSpPr>
         <p:spPr>
           <a:xfrm>
-            <a:off x="431590" y="1445788"/>
-            <a:ext cx="11589614" cy="3970318"/>
+            <a:off x="1667219" y="1339603"/>
+            <a:ext cx="8368321" cy="4093428"/>
           </a:xfrm>
           <a:prstGeom prst="rect">
             <a:avLst/>
@@ -19645,26 +21468,17 @@
           </a:bodyPr>
           <a:lstStyle/>
           <a:p>
-            <a:r>
-              <a:rPr lang="en-US" dirty="0"/>
-              <a:t>The future scope of a school fees management system is vast and promising. With the increasing demand for automation and digitalization in the education sector, such software can prove to be a game-changer for schools and educational institutions. Some of the potential future scopes of this software are:- </a:t>
-            </a:r>
-          </a:p>
-          <a:p>
-            <a:endParaRPr lang="en-US" dirty="0"/>
-          </a:p>
-          <a:p>
-            <a:pPr marL="285750" indent="-285750">
+            <a:pPr marL="342900" indent="-342900">
               <a:buFont typeface="Wingdings" panose="05000000000000000000" pitchFamily="2" charset="2"/>
               <a:buChar char="Ø"/>
             </a:pPr>
             <a:r>
-              <a:rPr lang="en-US" b="1" dirty="0"/>
-              <a:t>Integration with other school management system software:- </a:t>
+              <a:rPr lang="en-US" sz="2000" b="1" dirty="0"/>
+              <a:t>Payment Reminders Report:  </a:t>
             </a:r>
             <a:r>
-              <a:rPr lang="en-US" dirty="0"/>
-              <a:t>The school fees management system can be integrated with other school management systems like attendance management , grade management, and more. This will help schools to have a complete overview of the operations and make informed decisions.</a:t>
+              <a:rPr lang="en-US" sz="2000" dirty="0"/>
+              <a:t>This will be generate report so that administrator can use this report to notify parents and students about upcoming fee due dates via school fee department.</a:t>
             </a:r>
           </a:p>
           <a:p>
@@ -19672,56 +21486,70 @@
               <a:buFont typeface="Wingdings" panose="05000000000000000000" pitchFamily="2" charset="2"/>
               <a:buChar char="Ø"/>
             </a:pPr>
-            <a:endParaRPr lang="en-US" dirty="0"/>
-          </a:p>
-          <a:p>
-            <a:pPr marL="285750" indent="-285750">
-              <a:buFont typeface="Wingdings" panose="05000000000000000000" pitchFamily="2" charset="2"/>
-              <a:buChar char="Ø"/>
-            </a:pPr>
-            <a:endParaRPr lang="en-US" dirty="0"/>
-          </a:p>
-          <a:p>
-            <a:pPr marL="285750" indent="-285750">
+            <a:endParaRPr lang="en-US" sz="2000" dirty="0"/>
+          </a:p>
+          <a:p>
+            <a:pPr marL="342900" indent="-342900">
               <a:buFont typeface="Wingdings" panose="05000000000000000000" pitchFamily="2" charset="2"/>
               <a:buChar char="Ø"/>
             </a:pPr>
             <a:r>
-              <a:rPr lang="en-US" b="1" dirty="0"/>
-              <a:t>User Interface (UI): </a:t>
+              <a:rPr lang="en-US" sz="2000" b="1" dirty="0"/>
+              <a:t>User Login: </a:t>
             </a:r>
             <a:r>
-              <a:rPr lang="en-US" dirty="0"/>
-              <a:t>Design a user-friendly and intuitive interface for administrators, parents, and students.</a:t>
+              <a:rPr lang="en-US" sz="2000" dirty="0"/>
+              <a:t>Implement user authentication and authorization to give access to student so that student can show their reports. </a:t>
             </a:r>
-          </a:p>
-          <a:p>
-            <a:endParaRPr lang="en-US" dirty="0"/>
           </a:p>
           <a:p>
             <a:pPr marL="342900" indent="-342900">
               <a:buFont typeface="Wingdings" panose="05000000000000000000" pitchFamily="2" charset="2"/>
               <a:buChar char="Ø"/>
             </a:pPr>
-            <a:endParaRPr lang="en-US" b="1" dirty="0"/>
-          </a:p>
-          <a:p>
-            <a:pPr marL="285750" indent="-285750">
+            <a:endParaRPr lang="en-US" sz="2000" b="1" dirty="0"/>
+          </a:p>
+          <a:p>
+            <a:pPr marL="342900" indent="-342900">
               <a:buFont typeface="Wingdings" panose="05000000000000000000" pitchFamily="2" charset="2"/>
               <a:buChar char="Ø"/>
             </a:pPr>
             <a:r>
-              <a:rPr lang="en-US" b="1" dirty="0"/>
-              <a:t>Reports: </a:t>
+              <a:rPr lang="en-US" sz="2000" b="1" dirty="0"/>
+              <a:t>Backup and Restore: </a:t>
             </a:r>
             <a:r>
-              <a:rPr lang="en-US" dirty="0"/>
-              <a:t>Design reports for generating fee-related documents, such as invoices, fee receipts, outstanding balance reports, and financial summaries</a:t>
+              <a:rPr lang="en-US" sz="2000" dirty="0"/>
+              <a:t>Develop a mechanism for data backup and restoration to prevent data loss in case of system failures.</a:t>
+            </a:r>
+          </a:p>
+          <a:p>
+            <a:pPr marL="342900" indent="-342900">
+              <a:buFont typeface="Wingdings" panose="05000000000000000000" pitchFamily="2" charset="2"/>
+              <a:buChar char="Ø"/>
+            </a:pPr>
+            <a:endParaRPr lang="en-US" sz="2000" dirty="0"/>
+          </a:p>
+          <a:p>
+            <a:pPr marL="342900" indent="-342900">
+              <a:buFont typeface="Wingdings" panose="05000000000000000000" pitchFamily="2" charset="2"/>
+              <a:buChar char="Ø"/>
+            </a:pPr>
+            <a:r>
+              <a:rPr lang="en-US" sz="2000" b="1" dirty="0"/>
+              <a:t>Error Handling</a:t>
             </a:r>
             <a:r>
-              <a:rPr lang="en-US" b="1" dirty="0"/>
-              <a:t>.</a:t>
+              <a:rPr lang="en-US" sz="2000" dirty="0"/>
+              <a:t>: Implement error handling routines to gracefully handle unexpected errors and exceptions.</a:t>
             </a:r>
+          </a:p>
+          <a:p>
+            <a:pPr marL="342900" indent="-342900">
+              <a:buFont typeface="Wingdings" panose="05000000000000000000" pitchFamily="2" charset="2"/>
+              <a:buChar char="Ø"/>
+            </a:pPr>
+            <a:endParaRPr lang="en-IN" sz="2000" dirty="0"/>
           </a:p>
         </p:txBody>
       </p:sp>
@@ -19762,7 +21590,7 @@
     </p:spTree>
     <p:extLst>
       <p:ext uri="{BB962C8B-B14F-4D97-AF65-F5344CB8AC3E}">
-        <p14:creationId xmlns:p14="http://schemas.microsoft.com/office/powerpoint/2010/main" val="3481040153"/>
+        <p14:creationId xmlns:p14="http://schemas.microsoft.com/office/powerpoint/2010/main" val="917553685"/>
       </p:ext>
     </p:extLst>
   </p:cSld>
@@ -19801,951 +21629,6 @@
           <a:chExt cx="0" cy="0"/>
         </a:xfrm>
       </p:grpSpPr>
-      <p:grpSp>
-        <p:nvGrpSpPr>
-          <p:cNvPr id="2" name="Group 1">
-            <a:extLst>
-              <a:ext uri="{FF2B5EF4-FFF2-40B4-BE49-F238E27FC236}">
-                <a16:creationId xmlns:a16="http://schemas.microsoft.com/office/drawing/2014/main" id="{11BEC607-8474-408E-A7AC-48A065F31B63}"/>
-              </a:ext>
-              <a:ext uri="{C183D7F6-B498-43B3-948B-1728B52AA6E4}">
-                <adec:decorative xmlns:adec="http://schemas.microsoft.com/office/drawing/2017/decorative" val="1"/>
-              </a:ext>
-            </a:extLst>
-          </p:cNvPr>
-          <p:cNvGrpSpPr/>
-          <p:nvPr/>
-        </p:nvGrpSpPr>
-        <p:grpSpPr>
-          <a:xfrm flipH="1">
-            <a:off x="197066" y="76782"/>
-            <a:ext cx="11824138" cy="6619069"/>
-            <a:chOff x="-30419" y="-300821"/>
-            <a:chExt cx="7375782" cy="7455336"/>
-          </a:xfrm>
-        </p:grpSpPr>
-        <p:sp>
-          <p:nvSpPr>
-            <p:cNvPr id="3" name="Rectangle 2">
-              <a:extLst>
-                <a:ext uri="{FF2B5EF4-FFF2-40B4-BE49-F238E27FC236}">
-                  <a16:creationId xmlns:a16="http://schemas.microsoft.com/office/drawing/2014/main" id="{B601E3FC-2016-4085-9A4B-A172702EAAE1}"/>
-                </a:ext>
-              </a:extLst>
-            </p:cNvPr>
-            <p:cNvSpPr/>
-            <p:nvPr userDrawn="1"/>
-          </p:nvSpPr>
-          <p:spPr>
-            <a:xfrm rot="16200000">
-              <a:off x="3337849" y="-3619921"/>
-              <a:ext cx="688414" cy="7326614"/>
-            </a:xfrm>
-            <a:prstGeom prst="rect">
-              <a:avLst/>
-            </a:prstGeom>
-            <a:gradFill>
-              <a:gsLst>
-                <a:gs pos="0">
-                  <a:srgbClr val="038B30">
-                    <a:alpha val="70000"/>
-                  </a:srgbClr>
-                </a:gs>
-                <a:gs pos="100000">
-                  <a:srgbClr val="C0F400">
-                    <a:alpha val="70000"/>
-                  </a:srgbClr>
-                </a:gs>
-                <a:gs pos="50000">
-                  <a:srgbClr val="05EE55">
-                    <a:alpha val="70000"/>
-                  </a:srgbClr>
-                </a:gs>
-              </a:gsLst>
-              <a:lin ang="16200000" scaled="1"/>
-            </a:gradFill>
-            <a:ln>
-              <a:noFill/>
-            </a:ln>
-          </p:spPr>
-          <p:style>
-            <a:lnRef idx="2">
-              <a:schemeClr val="accent1">
-                <a:shade val="50000"/>
-              </a:schemeClr>
-            </a:lnRef>
-            <a:fillRef idx="1">
-              <a:schemeClr val="accent1"/>
-            </a:fillRef>
-            <a:effectRef idx="0">
-              <a:schemeClr val="accent1"/>
-            </a:effectRef>
-            <a:fontRef idx="minor">
-              <a:schemeClr val="lt1"/>
-            </a:fontRef>
-          </p:style>
-          <p:txBody>
-            <a:bodyPr rtlCol="0" anchor="ctr"/>
-            <a:lstStyle/>
-            <a:p>
-              <a:pPr algn="ctr"/>
-              <a:r>
-                <a:rPr lang="en-US" dirty="0"/>
-                <a:t>2</a:t>
-              </a:r>
-            </a:p>
-            <a:p>
-              <a:pPr algn="ctr"/>
-              <a:endParaRPr lang="en-US" dirty="0"/>
-            </a:p>
-            <a:p>
-              <a:pPr algn="ctr"/>
-              <a:endParaRPr lang="en-US" dirty="0"/>
-            </a:p>
-            <a:p>
-              <a:pPr algn="ctr"/>
-              <a:endParaRPr lang="en-US" dirty="0"/>
-            </a:p>
-            <a:p>
-              <a:pPr algn="ctr"/>
-              <a:endParaRPr lang="en-US" dirty="0"/>
-            </a:p>
-            <a:p>
-              <a:pPr algn="ctr"/>
-              <a:endParaRPr lang="en-US" dirty="0"/>
-            </a:p>
-            <a:p>
-              <a:pPr algn="ctr"/>
-              <a:endParaRPr lang="en-US" dirty="0"/>
-            </a:p>
-            <a:p>
-              <a:pPr algn="ctr"/>
-              <a:endParaRPr lang="en-US" dirty="0"/>
-            </a:p>
-            <a:p>
-              <a:pPr algn="ctr"/>
-              <a:endParaRPr lang="en-US" dirty="0"/>
-            </a:p>
-            <a:p>
-              <a:pPr algn="ctr"/>
-              <a:endParaRPr lang="en-US" dirty="0"/>
-            </a:p>
-            <a:p>
-              <a:pPr algn="ctr"/>
-              <a:endParaRPr lang="en-US" dirty="0"/>
-            </a:p>
-            <a:p>
-              <a:pPr algn="ctr"/>
-              <a:endParaRPr lang="en-US" dirty="0"/>
-            </a:p>
-            <a:p>
-              <a:pPr algn="ctr"/>
-              <a:endParaRPr lang="en-US" dirty="0"/>
-            </a:p>
-            <a:p>
-              <a:pPr algn="ctr"/>
-              <a:endParaRPr lang="en-US" dirty="0"/>
-            </a:p>
-            <a:p>
-              <a:pPr algn="ctr"/>
-              <a:endParaRPr lang="en-US" dirty="0"/>
-            </a:p>
-            <a:p>
-              <a:pPr algn="ctr"/>
-              <a:endParaRPr lang="en-US" dirty="0"/>
-            </a:p>
-            <a:p>
-              <a:pPr algn="ctr"/>
-              <a:endParaRPr lang="en-US" dirty="0"/>
-            </a:p>
-            <a:p>
-              <a:pPr algn="ctr"/>
-              <a:endParaRPr lang="en-US" dirty="0"/>
-            </a:p>
-            <a:p>
-              <a:pPr algn="ctr"/>
-              <a:endParaRPr lang="en-US" dirty="0"/>
-            </a:p>
-            <a:p>
-              <a:pPr algn="ctr"/>
-              <a:endParaRPr lang="en-US" dirty="0"/>
-            </a:p>
-            <a:p>
-              <a:pPr algn="ctr"/>
-              <a:endParaRPr lang="en-US" dirty="0"/>
-            </a:p>
-            <a:p>
-              <a:pPr algn="ctr"/>
-              <a:endParaRPr lang="en-US" dirty="0"/>
-            </a:p>
-            <a:p>
-              <a:pPr algn="ctr"/>
-              <a:endParaRPr lang="en-US" dirty="0"/>
-            </a:p>
-            <a:p>
-              <a:pPr algn="ctr"/>
-              <a:endParaRPr lang="en-US" dirty="0"/>
-            </a:p>
-            <a:p>
-              <a:pPr algn="ctr"/>
-              <a:endParaRPr lang="en-US" dirty="0"/>
-            </a:p>
-            <a:p>
-              <a:pPr algn="ctr"/>
-              <a:endParaRPr lang="en-US" dirty="0"/>
-            </a:p>
-            <a:p>
-              <a:pPr algn="ctr"/>
-              <a:endParaRPr lang="en-US" dirty="0"/>
-            </a:p>
-            <a:p>
-              <a:pPr algn="ctr"/>
-              <a:endParaRPr lang="en-US" dirty="0"/>
-            </a:p>
-            <a:p>
-              <a:pPr algn="ctr"/>
-              <a:endParaRPr lang="en-US" dirty="0"/>
-            </a:p>
-            <a:p>
-              <a:pPr algn="ctr"/>
-              <a:endParaRPr lang="en-US" dirty="0"/>
-            </a:p>
-            <a:p>
-              <a:pPr algn="ctr"/>
-              <a:endParaRPr lang="en-US" dirty="0"/>
-            </a:p>
-            <a:p>
-              <a:pPr algn="ctr"/>
-              <a:endParaRPr lang="en-US" dirty="0"/>
-            </a:p>
-            <a:p>
-              <a:pPr algn="ctr"/>
-              <a:endParaRPr lang="en-US" dirty="0"/>
-            </a:p>
-            <a:p>
-              <a:pPr algn="ctr"/>
-              <a:endParaRPr lang="en-US" dirty="0"/>
-            </a:p>
-            <a:p>
-              <a:pPr algn="ctr"/>
-              <a:endParaRPr lang="en-US" dirty="0"/>
-            </a:p>
-            <a:p>
-              <a:pPr algn="ctr"/>
-              <a:endParaRPr lang="en-US" dirty="0"/>
-            </a:p>
-            <a:p>
-              <a:pPr algn="ctr"/>
-              <a:endParaRPr lang="en-US" dirty="0"/>
-            </a:p>
-            <a:p>
-              <a:pPr algn="ctr"/>
-              <a:endParaRPr lang="en-US" dirty="0"/>
-            </a:p>
-            <a:p>
-              <a:pPr algn="ctr"/>
-              <a:endParaRPr lang="en-US" dirty="0"/>
-            </a:p>
-            <a:p>
-              <a:pPr algn="ctr"/>
-              <a:endParaRPr lang="en-US" dirty="0"/>
-            </a:p>
-            <a:p>
-              <a:pPr algn="ctr"/>
-              <a:endParaRPr lang="en-US" dirty="0"/>
-            </a:p>
-            <a:p>
-              <a:pPr algn="ctr"/>
-              <a:endParaRPr lang="en-US" dirty="0"/>
-            </a:p>
-            <a:p>
-              <a:pPr algn="ctr"/>
-              <a:endParaRPr lang="en-US" dirty="0"/>
-            </a:p>
-            <a:p>
-              <a:pPr algn="ctr"/>
-              <a:endParaRPr lang="en-US" dirty="0"/>
-            </a:p>
-            <a:p>
-              <a:pPr algn="ctr"/>
-              <a:endParaRPr lang="en-US" dirty="0"/>
-            </a:p>
-            <a:p>
-              <a:pPr algn="ctr"/>
-              <a:endParaRPr lang="en-US" dirty="0"/>
-            </a:p>
-            <a:p>
-              <a:pPr algn="ctr"/>
-              <a:endParaRPr lang="en-US" dirty="0"/>
-            </a:p>
-            <a:p>
-              <a:pPr algn="ctr"/>
-              <a:endParaRPr lang="en-US" dirty="0"/>
-            </a:p>
-            <a:p>
-              <a:pPr algn="ctr"/>
-              <a:endParaRPr lang="en-US" dirty="0"/>
-            </a:p>
-            <a:p>
-              <a:pPr algn="ctr"/>
-              <a:endParaRPr lang="en-US" dirty="0"/>
-            </a:p>
-            <a:p>
-              <a:pPr algn="ctr"/>
-              <a:endParaRPr lang="en-US" dirty="0"/>
-            </a:p>
-            <a:p>
-              <a:pPr algn="ctr"/>
-              <a:endParaRPr lang="en-US" dirty="0"/>
-            </a:p>
-            <a:p>
-              <a:pPr algn="ctr"/>
-              <a:endParaRPr lang="en-US" dirty="0"/>
-            </a:p>
-            <a:p>
-              <a:pPr algn="ctr"/>
-              <a:endParaRPr lang="en-US" dirty="0"/>
-            </a:p>
-            <a:p>
-              <a:pPr algn="ctr"/>
-              <a:endParaRPr lang="en-US" dirty="0"/>
-            </a:p>
-            <a:p>
-              <a:pPr algn="ctr"/>
-              <a:endParaRPr lang="en-US" dirty="0"/>
-            </a:p>
-            <a:p>
-              <a:pPr algn="ctr"/>
-              <a:endParaRPr lang="en-US" dirty="0"/>
-            </a:p>
-            <a:p>
-              <a:pPr algn="ctr"/>
-              <a:endParaRPr lang="en-US" dirty="0"/>
-            </a:p>
-            <a:p>
-              <a:pPr algn="ctr"/>
-              <a:endParaRPr lang="en-US" dirty="0"/>
-            </a:p>
-            <a:p>
-              <a:pPr algn="ctr"/>
-              <a:endParaRPr lang="en-US" dirty="0"/>
-            </a:p>
-            <a:p>
-              <a:pPr algn="ctr"/>
-              <a:endParaRPr lang="en-US" dirty="0"/>
-            </a:p>
-            <a:p>
-              <a:pPr algn="ctr"/>
-              <a:endParaRPr lang="en-US" dirty="0"/>
-            </a:p>
-            <a:p>
-              <a:pPr algn="ctr"/>
-              <a:endParaRPr lang="en-US" dirty="0"/>
-            </a:p>
-            <a:p>
-              <a:pPr algn="ctr"/>
-              <a:endParaRPr lang="en-US" dirty="0"/>
-            </a:p>
-            <a:p>
-              <a:pPr algn="ctr"/>
-              <a:endParaRPr lang="en-US" dirty="0"/>
-            </a:p>
-            <a:p>
-              <a:pPr algn="ctr"/>
-              <a:endParaRPr lang="en-US" dirty="0"/>
-            </a:p>
-            <a:p>
-              <a:pPr algn="ctr"/>
-              <a:r>
-                <a:rPr lang="en-US" dirty="0"/>
-                <a:t>+</a:t>
-              </a:r>
-            </a:p>
-            <a:p>
-              <a:pPr algn="ctr"/>
-              <a:endParaRPr lang="en-US" dirty="0"/>
-            </a:p>
-          </p:txBody>
-        </p:sp>
-        <p:sp>
-          <p:nvSpPr>
-            <p:cNvPr id="4" name="Rectangle 3">
-              <a:extLst>
-                <a:ext uri="{FF2B5EF4-FFF2-40B4-BE49-F238E27FC236}">
-                  <a16:creationId xmlns:a16="http://schemas.microsoft.com/office/drawing/2014/main" id="{2CBF662F-A198-4AD3-8EBC-0EC9A52B2994}"/>
-                </a:ext>
-              </a:extLst>
-            </p:cNvPr>
-            <p:cNvSpPr/>
-            <p:nvPr userDrawn="1"/>
-          </p:nvSpPr>
-          <p:spPr>
-            <a:xfrm>
-              <a:off x="-30419" y="-300819"/>
-              <a:ext cx="7375782" cy="7455334"/>
-            </a:xfrm>
-            <a:prstGeom prst="rect">
-              <a:avLst/>
-            </a:prstGeom>
-            <a:noFill/>
-            <a:ln w="127000">
-              <a:solidFill>
-                <a:srgbClr val="2F3342"/>
-              </a:solidFill>
-            </a:ln>
-          </p:spPr>
-          <p:style>
-            <a:lnRef idx="2">
-              <a:schemeClr val="accent1">
-                <a:shade val="50000"/>
-              </a:schemeClr>
-            </a:lnRef>
-            <a:fillRef idx="1">
-              <a:schemeClr val="accent1"/>
-            </a:fillRef>
-            <a:effectRef idx="0">
-              <a:schemeClr val="accent1"/>
-            </a:effectRef>
-            <a:fontRef idx="minor">
-              <a:schemeClr val="lt1"/>
-            </a:fontRef>
-          </p:style>
-          <p:txBody>
-            <a:bodyPr rtlCol="0" anchor="ctr"/>
-            <a:lstStyle/>
-            <a:p>
-              <a:pPr algn="ctr"/>
-              <a:endParaRPr lang="en-US" dirty="0"/>
-            </a:p>
-          </p:txBody>
-        </p:sp>
-      </p:grpSp>
-      <p:sp>
-        <p:nvSpPr>
-          <p:cNvPr id="8" name="Rectangle 7">
-            <a:extLst>
-              <a:ext uri="{FF2B5EF4-FFF2-40B4-BE49-F238E27FC236}">
-                <a16:creationId xmlns:a16="http://schemas.microsoft.com/office/drawing/2014/main" id="{B601E3FC-2016-4085-9A4B-A172702EAAE1}"/>
-              </a:ext>
-            </a:extLst>
-          </p:cNvPr>
-          <p:cNvSpPr/>
-          <p:nvPr/>
-        </p:nvSpPr>
-        <p:spPr>
-          <a:xfrm rot="16200000" flipH="1">
-            <a:off x="5848170" y="562227"/>
-            <a:ext cx="521930" cy="11745313"/>
-          </a:xfrm>
-          <a:prstGeom prst="rect">
-            <a:avLst/>
-          </a:prstGeom>
-          <a:gradFill>
-            <a:gsLst>
-              <a:gs pos="0">
-                <a:srgbClr val="038B30">
-                  <a:alpha val="70000"/>
-                </a:srgbClr>
-              </a:gs>
-              <a:gs pos="100000">
-                <a:srgbClr val="C0F400">
-                  <a:alpha val="70000"/>
-                </a:srgbClr>
-              </a:gs>
-              <a:gs pos="50000">
-                <a:srgbClr val="05EE55">
-                  <a:alpha val="70000"/>
-                </a:srgbClr>
-              </a:gs>
-            </a:gsLst>
-            <a:lin ang="16200000" scaled="1"/>
-          </a:gradFill>
-          <a:ln>
-            <a:noFill/>
-          </a:ln>
-        </p:spPr>
-        <p:style>
-          <a:lnRef idx="2">
-            <a:schemeClr val="accent1">
-              <a:shade val="50000"/>
-            </a:schemeClr>
-          </a:lnRef>
-          <a:fillRef idx="1">
-            <a:schemeClr val="accent1"/>
-          </a:fillRef>
-          <a:effectRef idx="0">
-            <a:schemeClr val="accent1"/>
-          </a:effectRef>
-          <a:fontRef idx="minor">
-            <a:schemeClr val="lt1"/>
-          </a:fontRef>
-        </p:style>
-        <p:txBody>
-          <a:bodyPr rtlCol="0" anchor="ctr"/>
-          <a:lstStyle/>
-          <a:p>
-            <a:pPr algn="ctr"/>
-            <a:r>
-              <a:rPr lang="en-US" dirty="0"/>
-              <a:t>2</a:t>
-            </a:r>
-          </a:p>
-          <a:p>
-            <a:pPr algn="ctr"/>
-            <a:endParaRPr lang="en-US" dirty="0"/>
-          </a:p>
-          <a:p>
-            <a:pPr algn="ctr"/>
-            <a:endParaRPr lang="en-US" dirty="0"/>
-          </a:p>
-          <a:p>
-            <a:pPr algn="ctr"/>
-            <a:endParaRPr lang="en-US" dirty="0"/>
-          </a:p>
-          <a:p>
-            <a:pPr algn="ctr"/>
-            <a:endParaRPr lang="en-US" dirty="0"/>
-          </a:p>
-          <a:p>
-            <a:pPr algn="ctr"/>
-            <a:endParaRPr lang="en-US" dirty="0"/>
-          </a:p>
-          <a:p>
-            <a:pPr algn="ctr"/>
-            <a:endParaRPr lang="en-US" dirty="0"/>
-          </a:p>
-          <a:p>
-            <a:pPr algn="ctr"/>
-            <a:endParaRPr lang="en-US" dirty="0"/>
-          </a:p>
-          <a:p>
-            <a:pPr algn="ctr"/>
-            <a:endParaRPr lang="en-US" dirty="0"/>
-          </a:p>
-          <a:p>
-            <a:pPr algn="ctr"/>
-            <a:endParaRPr lang="en-US" dirty="0"/>
-          </a:p>
-          <a:p>
-            <a:pPr algn="ctr"/>
-            <a:endParaRPr lang="en-US" dirty="0"/>
-          </a:p>
-          <a:p>
-            <a:pPr algn="ctr"/>
-            <a:endParaRPr lang="en-US" dirty="0"/>
-          </a:p>
-          <a:p>
-            <a:pPr algn="ctr"/>
-            <a:endParaRPr lang="en-US" dirty="0"/>
-          </a:p>
-          <a:p>
-            <a:pPr algn="ctr"/>
-            <a:endParaRPr lang="en-US" dirty="0"/>
-          </a:p>
-          <a:p>
-            <a:pPr algn="ctr"/>
-            <a:endParaRPr lang="en-US" dirty="0"/>
-          </a:p>
-          <a:p>
-            <a:pPr algn="ctr"/>
-            <a:endParaRPr lang="en-US" dirty="0"/>
-          </a:p>
-          <a:p>
-            <a:pPr algn="ctr"/>
-            <a:endParaRPr lang="en-US" dirty="0"/>
-          </a:p>
-          <a:p>
-            <a:pPr algn="ctr"/>
-            <a:endParaRPr lang="en-US" dirty="0"/>
-          </a:p>
-          <a:p>
-            <a:pPr algn="ctr"/>
-            <a:endParaRPr lang="en-US" dirty="0"/>
-          </a:p>
-          <a:p>
-            <a:pPr algn="ctr"/>
-            <a:endParaRPr lang="en-US" dirty="0"/>
-          </a:p>
-          <a:p>
-            <a:pPr algn="ctr"/>
-            <a:endParaRPr lang="en-US" dirty="0"/>
-          </a:p>
-          <a:p>
-            <a:pPr algn="ctr"/>
-            <a:endParaRPr lang="en-US" dirty="0"/>
-          </a:p>
-          <a:p>
-            <a:pPr algn="ctr"/>
-            <a:endParaRPr lang="en-US" dirty="0"/>
-          </a:p>
-          <a:p>
-            <a:pPr algn="ctr"/>
-            <a:endParaRPr lang="en-US" dirty="0"/>
-          </a:p>
-          <a:p>
-            <a:pPr algn="ctr"/>
-            <a:endParaRPr lang="en-US" dirty="0"/>
-          </a:p>
-          <a:p>
-            <a:pPr algn="ctr"/>
-            <a:endParaRPr lang="en-US" dirty="0"/>
-          </a:p>
-          <a:p>
-            <a:pPr algn="ctr"/>
-            <a:endParaRPr lang="en-US" dirty="0"/>
-          </a:p>
-          <a:p>
-            <a:pPr algn="ctr"/>
-            <a:endParaRPr lang="en-US" dirty="0"/>
-          </a:p>
-          <a:p>
-            <a:pPr algn="ctr"/>
-            <a:endParaRPr lang="en-US" dirty="0"/>
-          </a:p>
-          <a:p>
-            <a:pPr algn="ctr"/>
-            <a:endParaRPr lang="en-US" dirty="0"/>
-          </a:p>
-          <a:p>
-            <a:pPr algn="ctr"/>
-            <a:endParaRPr lang="en-US" dirty="0"/>
-          </a:p>
-          <a:p>
-            <a:pPr algn="ctr"/>
-            <a:endParaRPr lang="en-US" dirty="0"/>
-          </a:p>
-          <a:p>
-            <a:pPr algn="ctr"/>
-            <a:endParaRPr lang="en-US" dirty="0"/>
-          </a:p>
-          <a:p>
-            <a:pPr algn="ctr"/>
-            <a:endParaRPr lang="en-US" dirty="0"/>
-          </a:p>
-          <a:p>
-            <a:pPr algn="ctr"/>
-            <a:endParaRPr lang="en-US" dirty="0"/>
-          </a:p>
-          <a:p>
-            <a:pPr algn="ctr"/>
-            <a:endParaRPr lang="en-US" dirty="0"/>
-          </a:p>
-          <a:p>
-            <a:pPr algn="ctr"/>
-            <a:endParaRPr lang="en-US" dirty="0"/>
-          </a:p>
-          <a:p>
-            <a:pPr algn="ctr"/>
-            <a:endParaRPr lang="en-US" dirty="0"/>
-          </a:p>
-          <a:p>
-            <a:pPr algn="ctr"/>
-            <a:endParaRPr lang="en-US" dirty="0"/>
-          </a:p>
-          <a:p>
-            <a:pPr algn="ctr"/>
-            <a:endParaRPr lang="en-US" dirty="0"/>
-          </a:p>
-          <a:p>
-            <a:pPr algn="ctr"/>
-            <a:endParaRPr lang="en-US" dirty="0"/>
-          </a:p>
-          <a:p>
-            <a:pPr algn="ctr"/>
-            <a:endParaRPr lang="en-US" dirty="0"/>
-          </a:p>
-          <a:p>
-            <a:pPr algn="ctr"/>
-            <a:endParaRPr lang="en-US" dirty="0"/>
-          </a:p>
-          <a:p>
-            <a:pPr algn="ctr"/>
-            <a:endParaRPr lang="en-US" dirty="0"/>
-          </a:p>
-          <a:p>
-            <a:pPr algn="ctr"/>
-            <a:endParaRPr lang="en-US" dirty="0"/>
-          </a:p>
-          <a:p>
-            <a:pPr algn="ctr"/>
-            <a:endParaRPr lang="en-US" dirty="0"/>
-          </a:p>
-          <a:p>
-            <a:pPr algn="ctr"/>
-            <a:endParaRPr lang="en-US" dirty="0"/>
-          </a:p>
-          <a:p>
-            <a:pPr algn="ctr"/>
-            <a:endParaRPr lang="en-US" dirty="0"/>
-          </a:p>
-          <a:p>
-            <a:pPr algn="ctr"/>
-            <a:endParaRPr lang="en-US" dirty="0"/>
-          </a:p>
-          <a:p>
-            <a:pPr algn="ctr"/>
-            <a:endParaRPr lang="en-US" dirty="0"/>
-          </a:p>
-          <a:p>
-            <a:pPr algn="ctr"/>
-            <a:endParaRPr lang="en-US" dirty="0"/>
-          </a:p>
-          <a:p>
-            <a:pPr algn="ctr"/>
-            <a:endParaRPr lang="en-US" dirty="0"/>
-          </a:p>
-          <a:p>
-            <a:pPr algn="ctr"/>
-            <a:endParaRPr lang="en-US" dirty="0"/>
-          </a:p>
-          <a:p>
-            <a:pPr algn="ctr"/>
-            <a:endParaRPr lang="en-US" dirty="0"/>
-          </a:p>
-          <a:p>
-            <a:pPr algn="ctr"/>
-            <a:endParaRPr lang="en-US" dirty="0"/>
-          </a:p>
-          <a:p>
-            <a:pPr algn="ctr"/>
-            <a:endParaRPr lang="en-US" dirty="0"/>
-          </a:p>
-          <a:p>
-            <a:pPr algn="ctr"/>
-            <a:endParaRPr lang="en-US" dirty="0"/>
-          </a:p>
-          <a:p>
-            <a:pPr algn="ctr"/>
-            <a:endParaRPr lang="en-US" dirty="0"/>
-          </a:p>
-          <a:p>
-            <a:pPr algn="ctr"/>
-            <a:endParaRPr lang="en-US" dirty="0"/>
-          </a:p>
-          <a:p>
-            <a:pPr algn="ctr"/>
-            <a:endParaRPr lang="en-US" dirty="0"/>
-          </a:p>
-          <a:p>
-            <a:pPr algn="ctr"/>
-            <a:endParaRPr lang="en-US" dirty="0"/>
-          </a:p>
-          <a:p>
-            <a:pPr algn="ctr"/>
-            <a:endParaRPr lang="en-US" dirty="0"/>
-          </a:p>
-          <a:p>
-            <a:pPr algn="ctr"/>
-            <a:endParaRPr lang="en-US" dirty="0"/>
-          </a:p>
-          <a:p>
-            <a:pPr algn="ctr"/>
-            <a:endParaRPr lang="en-US" dirty="0"/>
-          </a:p>
-          <a:p>
-            <a:pPr algn="ctr"/>
-            <a:endParaRPr lang="en-US" dirty="0"/>
-          </a:p>
-          <a:p>
-            <a:pPr algn="ctr"/>
-            <a:endParaRPr lang="en-US" dirty="0"/>
-          </a:p>
-          <a:p>
-            <a:pPr algn="ctr"/>
-            <a:r>
-              <a:rPr lang="en-US" dirty="0"/>
-              <a:t>+</a:t>
-            </a:r>
-          </a:p>
-          <a:p>
-            <a:pPr algn="ctr"/>
-            <a:endParaRPr lang="en-US" dirty="0"/>
-          </a:p>
-        </p:txBody>
-      </p:sp>
-      <p:sp>
-        <p:nvSpPr>
-          <p:cNvPr id="5" name="TextBox 4"/>
-          <p:cNvSpPr txBox="1"/>
-          <p:nvPr/>
-        </p:nvSpPr>
-        <p:spPr>
-          <a:xfrm>
-            <a:off x="1667219" y="1339603"/>
-            <a:ext cx="8368321" cy="4093428"/>
-          </a:xfrm>
-          <a:prstGeom prst="rect">
-            <a:avLst/>
-          </a:prstGeom>
-          <a:noFill/>
-        </p:spPr>
-        <p:txBody>
-          <a:bodyPr wrap="square" rtlCol="0">
-            <a:spAutoFit/>
-          </a:bodyPr>
-          <a:lstStyle/>
-          <a:p>
-            <a:pPr marL="342900" indent="-342900">
-              <a:buFont typeface="Wingdings" panose="05000000000000000000" pitchFamily="2" charset="2"/>
-              <a:buChar char="Ø"/>
-            </a:pPr>
-            <a:r>
-              <a:rPr lang="en-US" sz="2000" b="1" dirty="0"/>
-              <a:t>Payment Reminders Report:  </a:t>
-            </a:r>
-            <a:r>
-              <a:rPr lang="en-US" sz="2000" dirty="0"/>
-              <a:t>This will be generate report so that administrator can use this report to notify parents and students about upcoming fee due dates via school fee department.</a:t>
-            </a:r>
-          </a:p>
-          <a:p>
-            <a:pPr marL="342900" indent="-342900">
-              <a:buFont typeface="Wingdings" panose="05000000000000000000" pitchFamily="2" charset="2"/>
-              <a:buChar char="Ø"/>
-            </a:pPr>
-            <a:endParaRPr lang="en-US" sz="2000" dirty="0"/>
-          </a:p>
-          <a:p>
-            <a:pPr marL="342900" indent="-342900">
-              <a:buFont typeface="Wingdings" panose="05000000000000000000" pitchFamily="2" charset="2"/>
-              <a:buChar char="Ø"/>
-            </a:pPr>
-            <a:r>
-              <a:rPr lang="en-US" sz="2000" b="1" dirty="0"/>
-              <a:t>User Login: </a:t>
-            </a:r>
-            <a:r>
-              <a:rPr lang="en-US" sz="2000" dirty="0"/>
-              <a:t>Implement user authentication and authorization to give access to student so that student can show their reports. </a:t>
-            </a:r>
-          </a:p>
-          <a:p>
-            <a:pPr marL="342900" indent="-342900">
-              <a:buFont typeface="Wingdings" panose="05000000000000000000" pitchFamily="2" charset="2"/>
-              <a:buChar char="Ø"/>
-            </a:pPr>
-            <a:endParaRPr lang="en-US" sz="2000" b="1" dirty="0"/>
-          </a:p>
-          <a:p>
-            <a:pPr marL="342900" indent="-342900">
-              <a:buFont typeface="Wingdings" panose="05000000000000000000" pitchFamily="2" charset="2"/>
-              <a:buChar char="Ø"/>
-            </a:pPr>
-            <a:r>
-              <a:rPr lang="en-US" sz="2000" b="1" dirty="0"/>
-              <a:t>Backup and Restore: </a:t>
-            </a:r>
-            <a:r>
-              <a:rPr lang="en-US" sz="2000" dirty="0"/>
-              <a:t>Develop a mechanism for data backup and restoration to prevent data loss in case of system failures.</a:t>
-            </a:r>
-          </a:p>
-          <a:p>
-            <a:pPr marL="342900" indent="-342900">
-              <a:buFont typeface="Wingdings" panose="05000000000000000000" pitchFamily="2" charset="2"/>
-              <a:buChar char="Ø"/>
-            </a:pPr>
-            <a:endParaRPr lang="en-US" sz="2000" dirty="0"/>
-          </a:p>
-          <a:p>
-            <a:pPr marL="342900" indent="-342900">
-              <a:buFont typeface="Wingdings" panose="05000000000000000000" pitchFamily="2" charset="2"/>
-              <a:buChar char="Ø"/>
-            </a:pPr>
-            <a:r>
-              <a:rPr lang="en-US" sz="2000" b="1" dirty="0"/>
-              <a:t>Error Handling</a:t>
-            </a:r>
-            <a:r>
-              <a:rPr lang="en-US" sz="2000" dirty="0"/>
-              <a:t>: Implement error handling routines to gracefully handle unexpected errors and exceptions.</a:t>
-            </a:r>
-          </a:p>
-          <a:p>
-            <a:pPr marL="342900" indent="-342900">
-              <a:buFont typeface="Wingdings" panose="05000000000000000000" pitchFamily="2" charset="2"/>
-              <a:buChar char="Ø"/>
-            </a:pPr>
-            <a:endParaRPr lang="en-IN" sz="2000" dirty="0"/>
-          </a:p>
-        </p:txBody>
-      </p:sp>
-      <p:sp>
-        <p:nvSpPr>
-          <p:cNvPr id="6" name="TextBox 5"/>
-          <p:cNvSpPr txBox="1"/>
-          <p:nvPr/>
-        </p:nvSpPr>
-        <p:spPr>
-          <a:xfrm>
-            <a:off x="1872343" y="264607"/>
-            <a:ext cx="7141028" cy="369332"/>
-          </a:xfrm>
-          <a:prstGeom prst="rect">
-            <a:avLst/>
-          </a:prstGeom>
-          <a:noFill/>
-        </p:spPr>
-        <p:txBody>
-          <a:bodyPr wrap="square" rtlCol="0">
-            <a:spAutoFit/>
-          </a:bodyPr>
-          <a:lstStyle/>
-          <a:p>
-            <a:r>
-              <a:rPr lang="en-US" dirty="0">
-                <a:latin typeface="Algerian" panose="04020705040A02060702" pitchFamily="82" charset="0"/>
-              </a:rPr>
-              <a:t>FUTURE SCOPE OF THE SCHOOL FEE MANAGEMENT SYSTEM</a:t>
-            </a:r>
-            <a:endParaRPr lang="en-IN" dirty="0">
-              <a:latin typeface="Algerian" panose="04020705040A02060702" pitchFamily="82" charset="0"/>
-            </a:endParaRPr>
-          </a:p>
-        </p:txBody>
-      </p:sp>
-    </p:spTree>
-    <p:extLst>
-      <p:ext uri="{BB962C8B-B14F-4D97-AF65-F5344CB8AC3E}">
-        <p14:creationId xmlns:p14="http://schemas.microsoft.com/office/powerpoint/2010/main" val="917553685"/>
-      </p:ext>
-    </p:extLst>
-  </p:cSld>
-  <p:clrMapOvr>
-    <a:masterClrMapping/>
-  </p:clrMapOvr>
-  <mc:AlternateContent xmlns:mc="http://schemas.openxmlformats.org/markup-compatibility/2006" xmlns:p15="http://schemas.microsoft.com/office/powerpoint/2012/main">
-    <mc:Choice Requires="p15">
-      <p:transition xmlns:p14="http://schemas.microsoft.com/office/powerpoint/2010/main" spd="slow" p14:dur="1250">
-        <p15:prstTrans prst="peelOff"/>
-      </p:transition>
-    </mc:Choice>
-    <mc:Fallback xmlns="">
-      <p:transition spd="slow">
-        <p:fade/>
-      </p:transition>
-    </mc:Fallback>
-  </mc:AlternateContent>
-</p:sld>
-</file>
-
-<file path=ppt/slides/slide19.xml><?xml version="1.0" encoding="utf-8"?>
-<p:sld xmlns:a="http://schemas.openxmlformats.org/drawingml/2006/main" xmlns:r="http://schemas.openxmlformats.org/officeDocument/2006/relationships" xmlns:p="http://schemas.openxmlformats.org/presentationml/2006/main">
-  <p:cSld>
-    <p:spTree>
-      <p:nvGrpSpPr>
-        <p:cNvPr id="1" name=""/>
-        <p:cNvGrpSpPr/>
-        <p:nvPr/>
-      </p:nvGrpSpPr>
-      <p:grpSpPr>
-        <a:xfrm>
-          <a:off x="0" y="0"/>
-          <a:ext cx="0" cy="0"/>
-          <a:chOff x="0" y="0"/>
-          <a:chExt cx="0" cy="0"/>
-        </a:xfrm>
-      </p:grpSpPr>
       <p:pic>
         <p:nvPicPr>
           <p:cNvPr id="5" name="Picture Placeholder 4" descr="abstract image" title="abstract image">
@@ -20763,7 +21646,7 @@
           </p:nvPr>
         </p:nvPicPr>
         <p:blipFill>
-          <a:blip r:embed="rId3">
+          <a:blip r:embed="rId2">
             <a:extLst>
               <a:ext uri="{28A0092B-C50C-407E-A947-70E740481C1C}">
                 <a14:useLocalDpi xmlns:a14="http://schemas.microsoft.com/office/drawing/2010/main" val="0"/>
@@ -21712,7 +22595,7 @@
             <a:fld id="{8C2E478F-E849-4A8C-AF1F-CBCC78A7CBFA}" type="slidenum">
               <a:rPr lang="en-US" smtClean="0"/>
               <a:pPr/>
-              <a:t>19</a:t>
+              <a:t>18</a:t>
             </a:fld>
             <a:endParaRPr lang="en-US" dirty="0"/>
           </a:p>
@@ -21728,25 +22611,15 @@
   <p:clrMapOvr>
     <a:masterClrMapping/>
   </p:clrMapOvr>
-  <mc:AlternateContent xmlns:mc="http://schemas.openxmlformats.org/markup-compatibility/2006" xmlns:p15="http://schemas.microsoft.com/office/powerpoint/2012/main">
-    <mc:Choice Requires="p15">
+  <mc:AlternateContent xmlns:mc="http://schemas.openxmlformats.org/markup-compatibility/2006">
+    <mc:Choice xmlns:p15="http://schemas.microsoft.com/office/powerpoint/2012/main" Requires="p15">
       <p:transition xmlns:p14="http://schemas.microsoft.com/office/powerpoint/2010/main" spd="slow" p14:dur="1250">
         <p15:prstTrans prst="peelOff"/>
-        <p:sndAc>
-          <p:stSnd>
-            <p:snd r:embed="rId2" name="applause.wav"/>
-          </p:stSnd>
-        </p:sndAc>
       </p:transition>
     </mc:Choice>
-    <mc:Fallback xmlns="">
+    <mc:Fallback>
       <p:transition spd="slow">
         <p:fade/>
-        <p:sndAc>
-          <p:stSnd>
-            <p:snd r:embed="rId4" name="applause.wav"/>
-          </p:stSnd>
-        </p:sndAc>
       </p:transition>
     </mc:Fallback>
   </mc:AlternateContent>
@@ -21859,942 +22732,6 @@
           <a:chExt cx="0" cy="0"/>
         </a:xfrm>
       </p:grpSpPr>
-      <p:pic>
-        <p:nvPicPr>
-          <p:cNvPr id="5" name="Picture Placeholder 4" descr="Abstract Building" title="Abstract Building">
-            <a:extLst>
-              <a:ext uri="{FF2B5EF4-FFF2-40B4-BE49-F238E27FC236}">
-                <a16:creationId xmlns:a16="http://schemas.microsoft.com/office/drawing/2014/main" id="{1805319F-612A-49F0-B6DA-8A214D5DBD2A}"/>
-              </a:ext>
-            </a:extLst>
-          </p:cNvPr>
-          <p:cNvPicPr>
-            <a:picLocks noGrp="1" noChangeAspect="1"/>
-          </p:cNvPicPr>
-          <p:nvPr>
-            <p:ph type="pic" sz="quarter" idx="15"/>
-          </p:nvPr>
-        </p:nvPicPr>
-        <p:blipFill>
-          <a:blip r:embed="rId3">
-            <a:extLst>
-              <a:ext uri="{28A0092B-C50C-407E-A947-70E740481C1C}">
-                <a14:useLocalDpi xmlns:a14="http://schemas.microsoft.com/office/drawing/2010/main" val="0"/>
-              </a:ext>
-            </a:extLst>
-          </a:blip>
-          <a:srcRect/>
-          <a:stretch>
-            <a:fillRect/>
-          </a:stretch>
-        </p:blipFill>
-        <p:spPr/>
-      </p:pic>
-      <p:sp>
-        <p:nvSpPr>
-          <p:cNvPr id="35" name="Rectangle 34">
-            <a:extLst>
-              <a:ext uri="{FF2B5EF4-FFF2-40B4-BE49-F238E27FC236}">
-                <a16:creationId xmlns:a16="http://schemas.microsoft.com/office/drawing/2014/main" id="{B6C8E487-ADDC-4F1B-A30A-BAABB4998F49}"/>
-              </a:ext>
-              <a:ext uri="{C183D7F6-B498-43B3-948B-1728B52AA6E4}">
-                <adec:decorative xmlns:adec="http://schemas.microsoft.com/office/drawing/2017/decorative" val="1"/>
-              </a:ext>
-            </a:extLst>
-          </p:cNvPr>
-          <p:cNvSpPr/>
-          <p:nvPr/>
-        </p:nvSpPr>
-        <p:spPr>
-          <a:xfrm>
-            <a:off x="-71016" y="0"/>
-            <a:ext cx="12263015" cy="6858000"/>
-          </a:xfrm>
-          <a:prstGeom prst="rect">
-            <a:avLst/>
-          </a:prstGeom>
-          <a:solidFill>
-            <a:schemeClr val="bg1">
-              <a:alpha val="72000"/>
-            </a:schemeClr>
-          </a:solidFill>
-          <a:ln>
-            <a:noFill/>
-          </a:ln>
-        </p:spPr>
-        <p:style>
-          <a:lnRef idx="2">
-            <a:schemeClr val="accent1">
-              <a:shade val="50000"/>
-            </a:schemeClr>
-          </a:lnRef>
-          <a:fillRef idx="1">
-            <a:schemeClr val="accent1"/>
-          </a:fillRef>
-          <a:effectRef idx="0">
-            <a:schemeClr val="accent1"/>
-          </a:effectRef>
-          <a:fontRef idx="minor">
-            <a:schemeClr val="lt1"/>
-          </a:fontRef>
-        </p:style>
-        <p:txBody>
-          <a:bodyPr rtlCol="0" anchor="ctr"/>
-          <a:lstStyle/>
-          <a:p>
-            <a:pPr algn="ctr"/>
-            <a:r>
-              <a:rPr lang="en-US" dirty="0"/>
-              <a:t>2</a:t>
-            </a:r>
-          </a:p>
-          <a:p>
-            <a:pPr algn="ctr"/>
-            <a:endParaRPr lang="en-US" dirty="0"/>
-          </a:p>
-          <a:p>
-            <a:pPr algn="ctr"/>
-            <a:endParaRPr lang="en-US" dirty="0"/>
-          </a:p>
-          <a:p>
-            <a:pPr algn="ctr"/>
-            <a:endParaRPr lang="en-US" dirty="0"/>
-          </a:p>
-          <a:p>
-            <a:pPr algn="ctr"/>
-            <a:endParaRPr lang="en-US" dirty="0"/>
-          </a:p>
-          <a:p>
-            <a:pPr algn="ctr"/>
-            <a:endParaRPr lang="en-US" dirty="0"/>
-          </a:p>
-          <a:p>
-            <a:pPr algn="ctr"/>
-            <a:endParaRPr lang="en-US" dirty="0"/>
-          </a:p>
-          <a:p>
-            <a:pPr algn="ctr"/>
-            <a:endParaRPr lang="en-US" dirty="0"/>
-          </a:p>
-          <a:p>
-            <a:pPr algn="ctr"/>
-            <a:endParaRPr lang="en-US" dirty="0"/>
-          </a:p>
-          <a:p>
-            <a:pPr algn="ctr"/>
-            <a:endParaRPr lang="en-US" dirty="0"/>
-          </a:p>
-          <a:p>
-            <a:pPr algn="ctr"/>
-            <a:endParaRPr lang="en-US" dirty="0"/>
-          </a:p>
-          <a:p>
-            <a:pPr algn="ctr"/>
-            <a:endParaRPr lang="en-US" dirty="0"/>
-          </a:p>
-          <a:p>
-            <a:pPr algn="ctr"/>
-            <a:endParaRPr lang="en-US" dirty="0"/>
-          </a:p>
-          <a:p>
-            <a:pPr algn="ctr"/>
-            <a:endParaRPr lang="en-US" dirty="0"/>
-          </a:p>
-          <a:p>
-            <a:pPr algn="ctr"/>
-            <a:endParaRPr lang="en-US" dirty="0"/>
-          </a:p>
-          <a:p>
-            <a:pPr algn="ctr"/>
-            <a:endParaRPr lang="en-US" dirty="0"/>
-          </a:p>
-          <a:p>
-            <a:pPr algn="ctr"/>
-            <a:endParaRPr lang="en-US" dirty="0"/>
-          </a:p>
-          <a:p>
-            <a:pPr algn="ctr"/>
-            <a:endParaRPr lang="en-US" dirty="0"/>
-          </a:p>
-          <a:p>
-            <a:pPr algn="ctr"/>
-            <a:endParaRPr lang="en-US" dirty="0"/>
-          </a:p>
-          <a:p>
-            <a:pPr algn="ctr"/>
-            <a:endParaRPr lang="en-US" dirty="0"/>
-          </a:p>
-          <a:p>
-            <a:pPr algn="ctr"/>
-            <a:endParaRPr lang="en-US" dirty="0"/>
-          </a:p>
-          <a:p>
-            <a:pPr algn="ctr"/>
-            <a:endParaRPr lang="en-US" dirty="0"/>
-          </a:p>
-          <a:p>
-            <a:pPr algn="ctr"/>
-            <a:endParaRPr lang="en-US" dirty="0"/>
-          </a:p>
-          <a:p>
-            <a:pPr algn="ctr"/>
-            <a:endParaRPr lang="en-US" dirty="0"/>
-          </a:p>
-          <a:p>
-            <a:pPr algn="ctr"/>
-            <a:endParaRPr lang="en-US" dirty="0"/>
-          </a:p>
-          <a:p>
-            <a:pPr algn="ctr"/>
-            <a:endParaRPr lang="en-US" dirty="0"/>
-          </a:p>
-          <a:p>
-            <a:pPr algn="ctr"/>
-            <a:endParaRPr lang="en-US" dirty="0"/>
-          </a:p>
-          <a:p>
-            <a:pPr algn="ctr"/>
-            <a:endParaRPr lang="en-US" dirty="0"/>
-          </a:p>
-          <a:p>
-            <a:pPr algn="ctr"/>
-            <a:endParaRPr lang="en-US" dirty="0"/>
-          </a:p>
-          <a:p>
-            <a:pPr algn="ctr"/>
-            <a:endParaRPr lang="en-US" dirty="0"/>
-          </a:p>
-          <a:p>
-            <a:pPr algn="ctr"/>
-            <a:endParaRPr lang="en-US" dirty="0"/>
-          </a:p>
-          <a:p>
-            <a:pPr algn="ctr"/>
-            <a:endParaRPr lang="en-US" dirty="0"/>
-          </a:p>
-          <a:p>
-            <a:pPr algn="ctr"/>
-            <a:endParaRPr lang="en-US" dirty="0"/>
-          </a:p>
-          <a:p>
-            <a:pPr algn="ctr"/>
-            <a:endParaRPr lang="en-US" dirty="0"/>
-          </a:p>
-          <a:p>
-            <a:pPr algn="ctr"/>
-            <a:endParaRPr lang="en-US" dirty="0"/>
-          </a:p>
-          <a:p>
-            <a:pPr algn="ctr"/>
-            <a:endParaRPr lang="en-US" dirty="0"/>
-          </a:p>
-          <a:p>
-            <a:pPr algn="ctr"/>
-            <a:endParaRPr lang="en-US" dirty="0"/>
-          </a:p>
-          <a:p>
-            <a:pPr algn="ctr"/>
-            <a:endParaRPr lang="en-US" dirty="0"/>
-          </a:p>
-          <a:p>
-            <a:pPr algn="ctr"/>
-            <a:endParaRPr lang="en-US" dirty="0"/>
-          </a:p>
-          <a:p>
-            <a:pPr algn="ctr"/>
-            <a:endParaRPr lang="en-US" dirty="0"/>
-          </a:p>
-          <a:p>
-            <a:pPr algn="ctr"/>
-            <a:endParaRPr lang="en-US" dirty="0"/>
-          </a:p>
-          <a:p>
-            <a:pPr algn="ctr"/>
-            <a:endParaRPr lang="en-US" dirty="0"/>
-          </a:p>
-          <a:p>
-            <a:pPr algn="ctr"/>
-            <a:endParaRPr lang="en-US" dirty="0"/>
-          </a:p>
-          <a:p>
-            <a:pPr algn="ctr"/>
-            <a:endParaRPr lang="en-US" dirty="0"/>
-          </a:p>
-          <a:p>
-            <a:pPr algn="ctr"/>
-            <a:endParaRPr lang="en-US" dirty="0"/>
-          </a:p>
-          <a:p>
-            <a:pPr algn="ctr"/>
-            <a:endParaRPr lang="en-US" dirty="0"/>
-          </a:p>
-          <a:p>
-            <a:pPr algn="ctr"/>
-            <a:endParaRPr lang="en-US" dirty="0"/>
-          </a:p>
-          <a:p>
-            <a:pPr algn="ctr"/>
-            <a:endParaRPr lang="en-US" dirty="0"/>
-          </a:p>
-          <a:p>
-            <a:pPr algn="ctr"/>
-            <a:endParaRPr lang="en-US" dirty="0"/>
-          </a:p>
-          <a:p>
-            <a:pPr algn="ctr"/>
-            <a:endParaRPr lang="en-US" dirty="0"/>
-          </a:p>
-          <a:p>
-            <a:pPr algn="ctr"/>
-            <a:endParaRPr lang="en-US" dirty="0"/>
-          </a:p>
-          <a:p>
-            <a:pPr algn="ctr"/>
-            <a:endParaRPr lang="en-US" dirty="0"/>
-          </a:p>
-          <a:p>
-            <a:pPr algn="ctr"/>
-            <a:endParaRPr lang="en-US" dirty="0"/>
-          </a:p>
-          <a:p>
-            <a:pPr algn="ctr"/>
-            <a:endParaRPr lang="en-US" dirty="0"/>
-          </a:p>
-          <a:p>
-            <a:pPr algn="ctr"/>
-            <a:endParaRPr lang="en-US" dirty="0"/>
-          </a:p>
-          <a:p>
-            <a:pPr algn="ctr"/>
-            <a:endParaRPr lang="en-US" dirty="0"/>
-          </a:p>
-          <a:p>
-            <a:pPr algn="ctr"/>
-            <a:endParaRPr lang="en-US" dirty="0"/>
-          </a:p>
-          <a:p>
-            <a:pPr algn="ctr"/>
-            <a:endParaRPr lang="en-US" dirty="0"/>
-          </a:p>
-          <a:p>
-            <a:pPr algn="ctr"/>
-            <a:endParaRPr lang="en-US" dirty="0"/>
-          </a:p>
-          <a:p>
-            <a:pPr algn="ctr"/>
-            <a:endParaRPr lang="en-US" dirty="0"/>
-          </a:p>
-          <a:p>
-            <a:pPr algn="ctr"/>
-            <a:endParaRPr lang="en-US" dirty="0"/>
-          </a:p>
-          <a:p>
-            <a:pPr algn="ctr"/>
-            <a:endParaRPr lang="en-US" dirty="0"/>
-          </a:p>
-          <a:p>
-            <a:pPr algn="ctr"/>
-            <a:endParaRPr lang="en-US" dirty="0"/>
-          </a:p>
-          <a:p>
-            <a:pPr algn="ctr"/>
-            <a:endParaRPr lang="en-US" dirty="0"/>
-          </a:p>
-          <a:p>
-            <a:pPr algn="ctr"/>
-            <a:endParaRPr lang="en-US" dirty="0"/>
-          </a:p>
-          <a:p>
-            <a:pPr algn="ctr"/>
-            <a:endParaRPr lang="en-US" dirty="0"/>
-          </a:p>
-          <a:p>
-            <a:pPr algn="ctr"/>
-            <a:r>
-              <a:rPr lang="en-US" dirty="0"/>
-              <a:t>+</a:t>
-            </a:r>
-          </a:p>
-          <a:p>
-            <a:pPr algn="ctr"/>
-            <a:endParaRPr lang="en-US" dirty="0"/>
-          </a:p>
-        </p:txBody>
-      </p:sp>
-      <p:grpSp>
-        <p:nvGrpSpPr>
-          <p:cNvPr id="40" name="Group 39">
-            <a:extLst>
-              <a:ext uri="{FF2B5EF4-FFF2-40B4-BE49-F238E27FC236}">
-                <a16:creationId xmlns:a16="http://schemas.microsoft.com/office/drawing/2014/main" id="{11BEC607-8474-408E-A7AC-48A065F31B63}"/>
-              </a:ext>
-              <a:ext uri="{C183D7F6-B498-43B3-948B-1728B52AA6E4}">
-                <adec:decorative xmlns:adec="http://schemas.microsoft.com/office/drawing/2017/decorative" val="1"/>
-              </a:ext>
-            </a:extLst>
-          </p:cNvPr>
-          <p:cNvGrpSpPr/>
-          <p:nvPr/>
-        </p:nvGrpSpPr>
-        <p:grpSpPr>
-          <a:xfrm flipH="1">
-            <a:off x="2123095" y="1317728"/>
-            <a:ext cx="7229510" cy="3883523"/>
-            <a:chOff x="346947" y="-22763"/>
-            <a:chExt cx="7229510" cy="7269964"/>
-          </a:xfrm>
-        </p:grpSpPr>
-        <p:sp>
-          <p:nvSpPr>
-            <p:cNvPr id="42" name="Rectangle 41">
-              <a:extLst>
-                <a:ext uri="{FF2B5EF4-FFF2-40B4-BE49-F238E27FC236}">
-                  <a16:creationId xmlns:a16="http://schemas.microsoft.com/office/drawing/2014/main" id="{B601E3FC-2016-4085-9A4B-A172702EAAE1}"/>
-                </a:ext>
-              </a:extLst>
-            </p:cNvPr>
-            <p:cNvSpPr/>
-            <p:nvPr userDrawn="1"/>
-          </p:nvSpPr>
-          <p:spPr>
-            <a:xfrm>
-              <a:off x="979714" y="1181211"/>
-              <a:ext cx="6117771" cy="6065990"/>
-            </a:xfrm>
-            <a:prstGeom prst="rect">
-              <a:avLst/>
-            </a:prstGeom>
-            <a:gradFill>
-              <a:gsLst>
-                <a:gs pos="0">
-                  <a:srgbClr val="038B30">
-                    <a:alpha val="70000"/>
-                  </a:srgbClr>
-                </a:gs>
-                <a:gs pos="100000">
-                  <a:srgbClr val="C0F400">
-                    <a:alpha val="70000"/>
-                  </a:srgbClr>
-                </a:gs>
-                <a:gs pos="50000">
-                  <a:srgbClr val="05EE55">
-                    <a:alpha val="70000"/>
-                  </a:srgbClr>
-                </a:gs>
-              </a:gsLst>
-              <a:lin ang="16200000" scaled="1"/>
-            </a:gradFill>
-            <a:ln>
-              <a:noFill/>
-            </a:ln>
-          </p:spPr>
-          <p:style>
-            <a:lnRef idx="2">
-              <a:schemeClr val="accent1">
-                <a:shade val="50000"/>
-              </a:schemeClr>
-            </a:lnRef>
-            <a:fillRef idx="1">
-              <a:schemeClr val="accent1"/>
-            </a:fillRef>
-            <a:effectRef idx="0">
-              <a:schemeClr val="accent1"/>
-            </a:effectRef>
-            <a:fontRef idx="minor">
-              <a:schemeClr val="lt1"/>
-            </a:fontRef>
-          </p:style>
-          <p:txBody>
-            <a:bodyPr rtlCol="0" anchor="ctr"/>
-            <a:lstStyle/>
-            <a:p>
-              <a:pPr algn="ctr"/>
-              <a:r>
-                <a:rPr lang="en-US" dirty="0"/>
-                <a:t>2</a:t>
-              </a:r>
-            </a:p>
-            <a:p>
-              <a:pPr algn="ctr"/>
-              <a:endParaRPr lang="en-US" dirty="0"/>
-            </a:p>
-            <a:p>
-              <a:pPr algn="ctr"/>
-              <a:endParaRPr lang="en-US" dirty="0"/>
-            </a:p>
-            <a:p>
-              <a:pPr algn="ctr"/>
-              <a:endParaRPr lang="en-US" dirty="0"/>
-            </a:p>
-            <a:p>
-              <a:pPr algn="ctr"/>
-              <a:endParaRPr lang="en-US" dirty="0"/>
-            </a:p>
-            <a:p>
-              <a:pPr algn="ctr"/>
-              <a:endParaRPr lang="en-US" dirty="0"/>
-            </a:p>
-            <a:p>
-              <a:pPr algn="ctr"/>
-              <a:endParaRPr lang="en-US" dirty="0"/>
-            </a:p>
-            <a:p>
-              <a:pPr algn="ctr"/>
-              <a:endParaRPr lang="en-US" dirty="0"/>
-            </a:p>
-            <a:p>
-              <a:pPr algn="ctr"/>
-              <a:endParaRPr lang="en-US" dirty="0"/>
-            </a:p>
-            <a:p>
-              <a:pPr algn="ctr"/>
-              <a:endParaRPr lang="en-US" dirty="0"/>
-            </a:p>
-            <a:p>
-              <a:pPr algn="ctr"/>
-              <a:endParaRPr lang="en-US" dirty="0"/>
-            </a:p>
-            <a:p>
-              <a:pPr algn="ctr"/>
-              <a:endParaRPr lang="en-US" dirty="0"/>
-            </a:p>
-            <a:p>
-              <a:pPr algn="ctr"/>
-              <a:endParaRPr lang="en-US" dirty="0"/>
-            </a:p>
-            <a:p>
-              <a:pPr algn="ctr"/>
-              <a:endParaRPr lang="en-US" dirty="0"/>
-            </a:p>
-            <a:p>
-              <a:pPr algn="ctr"/>
-              <a:endParaRPr lang="en-US" dirty="0"/>
-            </a:p>
-            <a:p>
-              <a:pPr algn="ctr"/>
-              <a:endParaRPr lang="en-US" dirty="0"/>
-            </a:p>
-            <a:p>
-              <a:pPr algn="ctr"/>
-              <a:endParaRPr lang="en-US" dirty="0"/>
-            </a:p>
-            <a:p>
-              <a:pPr algn="ctr"/>
-              <a:endParaRPr lang="en-US" dirty="0"/>
-            </a:p>
-            <a:p>
-              <a:pPr algn="ctr"/>
-              <a:endParaRPr lang="en-US" dirty="0"/>
-            </a:p>
-            <a:p>
-              <a:pPr algn="ctr"/>
-              <a:endParaRPr lang="en-US" dirty="0"/>
-            </a:p>
-            <a:p>
-              <a:pPr algn="ctr"/>
-              <a:endParaRPr lang="en-US" dirty="0"/>
-            </a:p>
-            <a:p>
-              <a:pPr algn="ctr"/>
-              <a:endParaRPr lang="en-US" dirty="0"/>
-            </a:p>
-            <a:p>
-              <a:pPr algn="ctr"/>
-              <a:endParaRPr lang="en-US" dirty="0"/>
-            </a:p>
-            <a:p>
-              <a:pPr algn="ctr"/>
-              <a:endParaRPr lang="en-US" dirty="0"/>
-            </a:p>
-            <a:p>
-              <a:pPr algn="ctr"/>
-              <a:endParaRPr lang="en-US" dirty="0"/>
-            </a:p>
-            <a:p>
-              <a:pPr algn="ctr"/>
-              <a:endParaRPr lang="en-US" dirty="0"/>
-            </a:p>
-            <a:p>
-              <a:pPr algn="ctr"/>
-              <a:endParaRPr lang="en-US" dirty="0"/>
-            </a:p>
-            <a:p>
-              <a:pPr algn="ctr"/>
-              <a:endParaRPr lang="en-US" dirty="0"/>
-            </a:p>
-            <a:p>
-              <a:pPr algn="ctr"/>
-              <a:endParaRPr lang="en-US" dirty="0"/>
-            </a:p>
-            <a:p>
-              <a:pPr algn="ctr"/>
-              <a:endParaRPr lang="en-US" dirty="0"/>
-            </a:p>
-            <a:p>
-              <a:pPr algn="ctr"/>
-              <a:endParaRPr lang="en-US" dirty="0"/>
-            </a:p>
-            <a:p>
-              <a:pPr algn="ctr"/>
-              <a:endParaRPr lang="en-US" dirty="0"/>
-            </a:p>
-            <a:p>
-              <a:pPr algn="ctr"/>
-              <a:endParaRPr lang="en-US" dirty="0"/>
-            </a:p>
-            <a:p>
-              <a:pPr algn="ctr"/>
-              <a:endParaRPr lang="en-US" dirty="0"/>
-            </a:p>
-            <a:p>
-              <a:pPr algn="ctr"/>
-              <a:endParaRPr lang="en-US" dirty="0"/>
-            </a:p>
-            <a:p>
-              <a:pPr algn="ctr"/>
-              <a:endParaRPr lang="en-US" dirty="0"/>
-            </a:p>
-            <a:p>
-              <a:pPr algn="ctr"/>
-              <a:endParaRPr lang="en-US" dirty="0"/>
-            </a:p>
-            <a:p>
-              <a:pPr algn="ctr"/>
-              <a:endParaRPr lang="en-US" dirty="0"/>
-            </a:p>
-            <a:p>
-              <a:pPr algn="ctr"/>
-              <a:endParaRPr lang="en-US" dirty="0"/>
-            </a:p>
-            <a:p>
-              <a:pPr algn="ctr"/>
-              <a:endParaRPr lang="en-US" dirty="0"/>
-            </a:p>
-            <a:p>
-              <a:pPr algn="ctr"/>
-              <a:endParaRPr lang="en-US" dirty="0"/>
-            </a:p>
-            <a:p>
-              <a:pPr algn="ctr"/>
-              <a:endParaRPr lang="en-US" dirty="0"/>
-            </a:p>
-            <a:p>
-              <a:pPr algn="ctr"/>
-              <a:endParaRPr lang="en-US" dirty="0"/>
-            </a:p>
-            <a:p>
-              <a:pPr algn="ctr"/>
-              <a:endParaRPr lang="en-US" dirty="0"/>
-            </a:p>
-            <a:p>
-              <a:pPr algn="ctr"/>
-              <a:endParaRPr lang="en-US" dirty="0"/>
-            </a:p>
-            <a:p>
-              <a:pPr algn="ctr"/>
-              <a:endParaRPr lang="en-US" dirty="0"/>
-            </a:p>
-            <a:p>
-              <a:pPr algn="ctr"/>
-              <a:endParaRPr lang="en-US" dirty="0"/>
-            </a:p>
-            <a:p>
-              <a:pPr algn="ctr"/>
-              <a:endParaRPr lang="en-US" dirty="0"/>
-            </a:p>
-            <a:p>
-              <a:pPr algn="ctr"/>
-              <a:endParaRPr lang="en-US" dirty="0"/>
-            </a:p>
-            <a:p>
-              <a:pPr algn="ctr"/>
-              <a:endParaRPr lang="en-US" dirty="0"/>
-            </a:p>
-            <a:p>
-              <a:pPr algn="ctr"/>
-              <a:endParaRPr lang="en-US" dirty="0"/>
-            </a:p>
-            <a:p>
-              <a:pPr algn="ctr"/>
-              <a:endParaRPr lang="en-US" dirty="0"/>
-            </a:p>
-            <a:p>
-              <a:pPr algn="ctr"/>
-              <a:endParaRPr lang="en-US" dirty="0"/>
-            </a:p>
-            <a:p>
-              <a:pPr algn="ctr"/>
-              <a:endParaRPr lang="en-US" dirty="0"/>
-            </a:p>
-            <a:p>
-              <a:pPr algn="ctr"/>
-              <a:endParaRPr lang="en-US" dirty="0"/>
-            </a:p>
-            <a:p>
-              <a:pPr algn="ctr"/>
-              <a:endParaRPr lang="en-US" dirty="0"/>
-            </a:p>
-            <a:p>
-              <a:pPr algn="ctr"/>
-              <a:endParaRPr lang="en-US" dirty="0"/>
-            </a:p>
-            <a:p>
-              <a:pPr algn="ctr"/>
-              <a:endParaRPr lang="en-US" dirty="0"/>
-            </a:p>
-            <a:p>
-              <a:pPr algn="ctr"/>
-              <a:endParaRPr lang="en-US" dirty="0"/>
-            </a:p>
-            <a:p>
-              <a:pPr algn="ctr"/>
-              <a:endParaRPr lang="en-US" dirty="0"/>
-            </a:p>
-            <a:p>
-              <a:pPr algn="ctr"/>
-              <a:endParaRPr lang="en-US" dirty="0"/>
-            </a:p>
-            <a:p>
-              <a:pPr algn="ctr"/>
-              <a:endParaRPr lang="en-US" dirty="0"/>
-            </a:p>
-            <a:p>
-              <a:pPr algn="ctr"/>
-              <a:endParaRPr lang="en-US" dirty="0"/>
-            </a:p>
-            <a:p>
-              <a:pPr algn="ctr"/>
-              <a:endParaRPr lang="en-US" dirty="0"/>
-            </a:p>
-            <a:p>
-              <a:pPr algn="ctr"/>
-              <a:endParaRPr lang="en-US" dirty="0"/>
-            </a:p>
-            <a:p>
-              <a:pPr algn="ctr"/>
-              <a:endParaRPr lang="en-US" dirty="0"/>
-            </a:p>
-            <a:p>
-              <a:pPr algn="ctr"/>
-              <a:r>
-                <a:rPr lang="en-US" dirty="0"/>
-                <a:t>+</a:t>
-              </a:r>
-            </a:p>
-            <a:p>
-              <a:pPr algn="ctr"/>
-              <a:endParaRPr lang="en-US" dirty="0"/>
-            </a:p>
-          </p:txBody>
-        </p:sp>
-        <p:sp>
-          <p:nvSpPr>
-            <p:cNvPr id="41" name="Rectangle 40">
-              <a:extLst>
-                <a:ext uri="{FF2B5EF4-FFF2-40B4-BE49-F238E27FC236}">
-                  <a16:creationId xmlns:a16="http://schemas.microsoft.com/office/drawing/2014/main" id="{2CBF662F-A198-4AD3-8EBC-0EC9A52B2994}"/>
-                </a:ext>
-              </a:extLst>
-            </p:cNvPr>
-            <p:cNvSpPr/>
-            <p:nvPr userDrawn="1"/>
-          </p:nvSpPr>
-          <p:spPr>
-            <a:xfrm>
-              <a:off x="500743" y="-22763"/>
-              <a:ext cx="7075714" cy="5878284"/>
-            </a:xfrm>
-            <a:prstGeom prst="rect">
-              <a:avLst/>
-            </a:prstGeom>
-            <a:noFill/>
-            <a:ln w="127000">
-              <a:solidFill>
-                <a:srgbClr val="2F3342"/>
-              </a:solidFill>
-            </a:ln>
-          </p:spPr>
-          <p:style>
-            <a:lnRef idx="2">
-              <a:schemeClr val="accent1">
-                <a:shade val="50000"/>
-              </a:schemeClr>
-            </a:lnRef>
-            <a:fillRef idx="1">
-              <a:schemeClr val="accent1"/>
-            </a:fillRef>
-            <a:effectRef idx="0">
-              <a:schemeClr val="accent1"/>
-            </a:effectRef>
-            <a:fontRef idx="minor">
-              <a:schemeClr val="lt1"/>
-            </a:fontRef>
-          </p:style>
-          <p:txBody>
-            <a:bodyPr rtlCol="0" anchor="ctr"/>
-            <a:lstStyle/>
-            <a:p>
-              <a:pPr algn="ctr"/>
-              <a:endParaRPr lang="en-US" dirty="0"/>
-            </a:p>
-          </p:txBody>
-        </p:sp>
-        <p:sp>
-          <p:nvSpPr>
-            <p:cNvPr id="43" name="Rectangle 42">
-              <a:extLst>
-                <a:ext uri="{FF2B5EF4-FFF2-40B4-BE49-F238E27FC236}">
-                  <a16:creationId xmlns:a16="http://schemas.microsoft.com/office/drawing/2014/main" id="{142E86C5-8E5F-4620-A4FB-D1F926179D18}"/>
-                </a:ext>
-              </a:extLst>
-            </p:cNvPr>
-            <p:cNvSpPr/>
-            <p:nvPr userDrawn="1"/>
-          </p:nvSpPr>
-          <p:spPr>
-            <a:xfrm>
-              <a:off x="346947" y="849571"/>
-              <a:ext cx="6475341" cy="5701790"/>
-            </a:xfrm>
-            <a:prstGeom prst="rect">
-              <a:avLst/>
-            </a:prstGeom>
-            <a:solidFill>
-              <a:schemeClr val="accent5">
-                <a:lumMod val="20000"/>
-                <a:lumOff val="80000"/>
-              </a:schemeClr>
-            </a:solidFill>
-            <a:ln>
-              <a:noFill/>
-            </a:ln>
-          </p:spPr>
-          <p:style>
-            <a:lnRef idx="2">
-              <a:schemeClr val="accent1">
-                <a:shade val="50000"/>
-              </a:schemeClr>
-            </a:lnRef>
-            <a:fillRef idx="1">
-              <a:schemeClr val="accent1"/>
-            </a:fillRef>
-            <a:effectRef idx="0">
-              <a:schemeClr val="accent1"/>
-            </a:effectRef>
-            <a:fontRef idx="minor">
-              <a:schemeClr val="lt1"/>
-            </a:fontRef>
-          </p:style>
-          <p:txBody>
-            <a:bodyPr rtlCol="0" anchor="ctr"/>
-            <a:lstStyle/>
-            <a:p>
-              <a:pPr algn="ctr"/>
-              <a:endParaRPr lang="en-US" dirty="0"/>
-            </a:p>
-          </p:txBody>
-        </p:sp>
-      </p:grpSp>
-      <p:sp>
-        <p:nvSpPr>
-          <p:cNvPr id="6" name="Title 5">
-            <a:extLst>
-              <a:ext uri="{FF2B5EF4-FFF2-40B4-BE49-F238E27FC236}">
-                <a16:creationId xmlns:a16="http://schemas.microsoft.com/office/drawing/2014/main" id="{7E0E8055-17FA-43CE-9F03-E712F496B7CF}"/>
-              </a:ext>
-            </a:extLst>
-          </p:cNvPr>
-          <p:cNvSpPr>
-            <a:spLocks noGrp="1"/>
-          </p:cNvSpPr>
-          <p:nvPr>
-            <p:ph type="ctrTitle"/>
-          </p:nvPr>
-        </p:nvSpPr>
-        <p:spPr>
-          <a:xfrm>
-            <a:off x="2755863" y="2505427"/>
-            <a:ext cx="6609256" cy="1508126"/>
-          </a:xfrm>
-        </p:spPr>
-        <p:txBody>
-          <a:bodyPr>
-            <a:normAutofit fontScale="90000"/>
-          </a:bodyPr>
-          <a:lstStyle/>
-          <a:p>
-            <a:r>
-              <a:rPr lang="en-US" dirty="0">
-                <a:latin typeface="Algerian" panose="04020705040A02060702" pitchFamily="82" charset="0"/>
-              </a:rPr>
-              <a:t>WELCOME  TO </a:t>
-            </a:r>
-            <a:br>
-              <a:rPr lang="en-US" dirty="0">
-                <a:latin typeface="Algerian" panose="04020705040A02060702" pitchFamily="82" charset="0"/>
-              </a:rPr>
-            </a:br>
-            <a:r>
-              <a:rPr lang="en-US" dirty="0">
-                <a:latin typeface="Algerian" panose="04020705040A02060702" pitchFamily="82" charset="0"/>
-              </a:rPr>
-              <a:t>SCHOOL FEE MANAGEMENT SYSTEM</a:t>
-            </a:r>
-          </a:p>
-        </p:txBody>
-      </p:sp>
-    </p:spTree>
-    <p:extLst>
-      <p:ext uri="{BB962C8B-B14F-4D97-AF65-F5344CB8AC3E}">
-        <p14:creationId xmlns:p14="http://schemas.microsoft.com/office/powerpoint/2010/main" val="951442699"/>
-      </p:ext>
-    </p:extLst>
-  </p:cSld>
-  <p:clrMapOvr>
-    <a:masterClrMapping/>
-  </p:clrMapOvr>
-  <mc:AlternateContent xmlns:mc="http://schemas.openxmlformats.org/markup-compatibility/2006" xmlns:p15="http://schemas.microsoft.com/office/powerpoint/2012/main">
-    <mc:Choice Requires="p15">
-      <p:transition xmlns:p14="http://schemas.microsoft.com/office/powerpoint/2010/main" spd="slow" p14:dur="6000">
-        <p15:prstTrans prst="curtains"/>
-        <p:sndAc>
-          <p:stSnd>
-            <p:snd r:embed="rId2" name="applause.wav"/>
-          </p:stSnd>
-        </p:sndAc>
-      </p:transition>
-    </mc:Choice>
-    <mc:Fallback xmlns="">
-      <p:transition spd="slow">
-        <p:fade/>
-        <p:sndAc>
-          <p:stSnd>
-            <p:snd r:embed="rId4" name="applause.wav"/>
-          </p:stSnd>
-        </p:sndAc>
-      </p:transition>
-    </mc:Fallback>
-  </mc:AlternateContent>
-</p:sld>
-</file>
-
-<file path=ppt/slides/slide3.xml><?xml version="1.0" encoding="utf-8"?>
-<p:sld xmlns:a="http://schemas.openxmlformats.org/drawingml/2006/main" xmlns:r="http://schemas.openxmlformats.org/officeDocument/2006/relationships" xmlns:p="http://schemas.openxmlformats.org/presentationml/2006/main">
-  <p:cSld>
-    <p:spTree>
-      <p:nvGrpSpPr>
-        <p:cNvPr id="1" name=""/>
-        <p:cNvGrpSpPr/>
-        <p:nvPr/>
-      </p:nvGrpSpPr>
-      <p:grpSpPr>
-        <a:xfrm>
-          <a:off x="0" y="0"/>
-          <a:ext cx="0" cy="0"/>
-          <a:chOff x="0" y="0"/>
-          <a:chExt cx="0" cy="0"/>
-        </a:xfrm>
-      </p:grpSpPr>
       <p:grpSp>
         <p:nvGrpSpPr>
           <p:cNvPr id="2" name="Group 1">
@@ -24426,7 +24363,7 @@
 </p:sld>
 </file>
 
-<file path=ppt/slides/slide4.xml><?xml version="1.0" encoding="utf-8"?>
+<file path=ppt/slides/slide3.xml><?xml version="1.0" encoding="utf-8"?>
 <p:sld xmlns:a="http://schemas.openxmlformats.org/drawingml/2006/main" xmlns:r="http://schemas.openxmlformats.org/officeDocument/2006/relationships" xmlns:p="http://schemas.openxmlformats.org/presentationml/2006/main">
   <p:cSld>
     <p:spTree>
@@ -26480,7 +26417,7 @@
 </p:sld>
 </file>
 
-<file path=ppt/slides/slide5.xml><?xml version="1.0" encoding="utf-8"?>
+<file path=ppt/slides/slide4.xml><?xml version="1.0" encoding="utf-8"?>
 <p:sld xmlns:a="http://schemas.openxmlformats.org/drawingml/2006/main" xmlns:r="http://schemas.openxmlformats.org/officeDocument/2006/relationships" xmlns:p="http://schemas.openxmlformats.org/presentationml/2006/main">
   <p:cSld>
     <p:spTree>
@@ -26600,7 +26537,7 @@
             <a:fld id="{8C2E478F-E849-4A8C-AF1F-CBCC78A7CBFA}" type="slidenum">
               <a:rPr lang="en-US" smtClean="0"/>
               <a:pPr/>
-              <a:t>5</a:t>
+              <a:t>4</a:t>
             </a:fld>
             <a:endParaRPr lang="en-US" dirty="0"/>
           </a:p>
@@ -26660,7 +26597,7 @@
 </p:sld>
 </file>
 
-<file path=ppt/slides/slide6.xml><?xml version="1.0" encoding="utf-8"?>
+<file path=ppt/slides/slide5.xml><?xml version="1.0" encoding="utf-8"?>
 <p:sld xmlns:a="http://schemas.openxmlformats.org/drawingml/2006/main" xmlns:r="http://schemas.openxmlformats.org/officeDocument/2006/relationships" xmlns:p="http://schemas.openxmlformats.org/presentationml/2006/main">
   <p:cSld>
     <p:spTree>
@@ -26776,7 +26713,7 @@
             <a:fld id="{8C2E478F-E849-4A8C-AF1F-CBCC78A7CBFA}" type="slidenum">
               <a:rPr lang="en-US" smtClean="0"/>
               <a:pPr/>
-              <a:t>6</a:t>
+              <a:t>5</a:t>
             </a:fld>
             <a:endParaRPr lang="en-US" dirty="0"/>
           </a:p>
@@ -26837,7 +26774,7 @@
 </p:sld>
 </file>
 
-<file path=ppt/slides/slide7.xml><?xml version="1.0" encoding="utf-8"?>
+<file path=ppt/slides/slide6.xml><?xml version="1.0" encoding="utf-8"?>
 <p:sld xmlns:a="http://schemas.openxmlformats.org/drawingml/2006/main" xmlns:r="http://schemas.openxmlformats.org/officeDocument/2006/relationships" xmlns:p="http://schemas.openxmlformats.org/presentationml/2006/main">
   <p:cSld>
     <p:spTree>
@@ -26987,7 +26924,7 @@
             <a:fld id="{8C2E478F-E849-4A8C-AF1F-CBCC78A7CBFA}" type="slidenum">
               <a:rPr lang="en-US" smtClean="0"/>
               <a:pPr/>
-              <a:t>7</a:t>
+              <a:t>6</a:t>
             </a:fld>
             <a:endParaRPr lang="en-US" dirty="0"/>
           </a:p>
@@ -27048,7 +26985,7 @@
 </p:sld>
 </file>
 
-<file path=ppt/slides/slide8.xml><?xml version="1.0" encoding="utf-8"?>
+<file path=ppt/slides/slide7.xml><?xml version="1.0" encoding="utf-8"?>
 <p:sld xmlns:a="http://schemas.openxmlformats.org/drawingml/2006/main" xmlns:r="http://schemas.openxmlformats.org/officeDocument/2006/relationships" xmlns:p="http://schemas.openxmlformats.org/presentationml/2006/main">
   <p:cSld>
     <p:spTree>
@@ -28325,7 +28262,7 @@
             <a:fld id="{8C2E478F-E849-4A8C-AF1F-CBCC78A7CBFA}" type="slidenum">
               <a:rPr lang="en-US" smtClean="0"/>
               <a:pPr/>
-              <a:t>8</a:t>
+              <a:t>7</a:t>
             </a:fld>
             <a:endParaRPr lang="en-US" dirty="0"/>
           </a:p>
@@ -28432,7 +28369,7 @@
 </p:sld>
 </file>
 
-<file path=ppt/slides/slide9.xml><?xml version="1.0" encoding="utf-8"?>
+<file path=ppt/slides/slide8.xml><?xml version="1.0" encoding="utf-8"?>
 <p:sld xmlns:a="http://schemas.openxmlformats.org/drawingml/2006/main" xmlns:r="http://schemas.openxmlformats.org/officeDocument/2006/relationships" xmlns:p="http://schemas.openxmlformats.org/presentationml/2006/main">
   <p:cSld>
     <p:spTree>
@@ -28634,7 +28571,7 @@
             <a:fld id="{8C2E478F-E849-4A8C-AF1F-CBCC78A7CBFA}" type="slidenum">
               <a:rPr lang="en-US" smtClean="0"/>
               <a:pPr/>
-              <a:t>9</a:t>
+              <a:t>8</a:t>
             </a:fld>
             <a:endParaRPr lang="en-US" dirty="0"/>
           </a:p>
@@ -28674,6 +28611,306 @@
     <p:extLst>
       <p:ext uri="{BB962C8B-B14F-4D97-AF65-F5344CB8AC3E}">
         <p14:creationId xmlns:p14="http://schemas.microsoft.com/office/powerpoint/2010/main" val="1751503063"/>
+      </p:ext>
+    </p:extLst>
+  </p:cSld>
+  <p:clrMapOvr>
+    <a:masterClrMapping/>
+  </p:clrMapOvr>
+  <mc:AlternateContent xmlns:mc="http://schemas.openxmlformats.org/markup-compatibility/2006" xmlns:p15="http://schemas.microsoft.com/office/powerpoint/2012/main">
+    <mc:Choice Requires="p15">
+      <p:transition xmlns:p14="http://schemas.microsoft.com/office/powerpoint/2010/main" spd="slow" p14:dur="1250">
+        <p15:prstTrans prst="peelOff"/>
+      </p:transition>
+    </mc:Choice>
+    <mc:Fallback xmlns="">
+      <p:transition spd="slow">
+        <p:fade/>
+      </p:transition>
+    </mc:Fallback>
+  </mc:AlternateContent>
+</p:sld>
+</file>
+
+<file path=ppt/slides/slide9.xml><?xml version="1.0" encoding="utf-8"?>
+<p:sld xmlns:a="http://schemas.openxmlformats.org/drawingml/2006/main" xmlns:r="http://schemas.openxmlformats.org/officeDocument/2006/relationships" xmlns:p="http://schemas.openxmlformats.org/presentationml/2006/main">
+  <p:cSld>
+    <p:spTree>
+      <p:nvGrpSpPr>
+        <p:cNvPr id="1" name=""/>
+        <p:cNvGrpSpPr/>
+        <p:nvPr/>
+      </p:nvGrpSpPr>
+      <p:grpSpPr>
+        <a:xfrm>
+          <a:off x="0" y="0"/>
+          <a:ext cx="0" cy="0"/>
+          <a:chOff x="0" y="0"/>
+          <a:chExt cx="0" cy="0"/>
+        </a:xfrm>
+      </p:grpSpPr>
+      <p:sp>
+        <p:nvSpPr>
+          <p:cNvPr id="38" name="Title 37">
+            <a:extLst>
+              <a:ext uri="{FF2B5EF4-FFF2-40B4-BE49-F238E27FC236}">
+                <a16:creationId xmlns:a16="http://schemas.microsoft.com/office/drawing/2014/main" id="{4C646910-F4B3-42FF-94CF-BEAFDD606400}"/>
+              </a:ext>
+            </a:extLst>
+          </p:cNvPr>
+          <p:cNvSpPr>
+            <a:spLocks noGrp="1"/>
+          </p:cNvSpPr>
+          <p:nvPr>
+            <p:ph type="title"/>
+          </p:nvPr>
+        </p:nvSpPr>
+        <p:spPr/>
+        <p:txBody>
+          <a:bodyPr/>
+          <a:lstStyle/>
+          <a:p>
+            <a:r>
+              <a:rPr lang="en-US" dirty="0">
+                <a:latin typeface="Algerian" panose="04020705040A02060702" pitchFamily="82" charset="0"/>
+              </a:rPr>
+              <a:t>FUNCTIONS OF MANUAL SYSTEM</a:t>
+            </a:r>
+          </a:p>
+        </p:txBody>
+      </p:sp>
+      <p:sp>
+        <p:nvSpPr>
+          <p:cNvPr id="5" name="Content Placeholder 4">
+            <a:extLst>
+              <a:ext uri="{FF2B5EF4-FFF2-40B4-BE49-F238E27FC236}">
+                <a16:creationId xmlns:a16="http://schemas.microsoft.com/office/drawing/2014/main" id="{FDF153A6-0E4B-417F-85BB-FD8402B100BD}"/>
+              </a:ext>
+            </a:extLst>
+          </p:cNvPr>
+          <p:cNvSpPr>
+            <a:spLocks noGrp="1"/>
+          </p:cNvSpPr>
+          <p:nvPr>
+            <p:ph sz="half" idx="2"/>
+          </p:nvPr>
+        </p:nvSpPr>
+        <p:spPr>
+          <a:xfrm>
+            <a:off x="345283" y="1156607"/>
+            <a:ext cx="3464717" cy="5199743"/>
+          </a:xfrm>
+        </p:spPr>
+        <p:txBody>
+          <a:bodyPr>
+            <a:noAutofit/>
+          </a:bodyPr>
+          <a:lstStyle/>
+          <a:p>
+            <a:r>
+              <a:rPr lang="en-US" sz="1400" b="1" dirty="0"/>
+              <a:t>Fee collection: </a:t>
+            </a:r>
+            <a:r>
+              <a:rPr lang="en-US" sz="1400" dirty="0"/>
+              <a:t>The manual system involves collecting fees from students and maintaining records of the same.</a:t>
+            </a:r>
+          </a:p>
+          <a:p>
+            <a:r>
+              <a:rPr lang="en-US" sz="1400" b="1" dirty="0"/>
+              <a:t>Fee calculation: </a:t>
+            </a:r>
+            <a:r>
+              <a:rPr lang="en-US" sz="1400" dirty="0"/>
+              <a:t>The manual system involves calculating the fees for each student based on their class, subjects, and other factors.</a:t>
+            </a:r>
+          </a:p>
+          <a:p>
+            <a:r>
+              <a:rPr lang="en-US" sz="1400" dirty="0"/>
+              <a:t> </a:t>
+            </a:r>
+            <a:r>
+              <a:rPr lang="en-US" sz="1400" b="1" dirty="0"/>
+              <a:t>Fee receipt generation: </a:t>
+            </a:r>
+            <a:r>
+              <a:rPr lang="en-US" sz="1400" dirty="0"/>
+              <a:t>The manual system involves generating fee receipts for students after they have paid their fees.</a:t>
+            </a:r>
+          </a:p>
+          <a:p>
+            <a:r>
+              <a:rPr lang="en-US" sz="1400" dirty="0"/>
+              <a:t> </a:t>
+            </a:r>
+            <a:r>
+              <a:rPr lang="en-US" sz="1400" b="1" dirty="0"/>
+              <a:t>Fee reconciliation: </a:t>
+            </a:r>
+            <a:r>
+              <a:rPr lang="en-US" sz="1400" dirty="0"/>
+              <a:t>The manual system involves reconciling the fees collected with the records maintained to ensure accuracy.</a:t>
+            </a:r>
+          </a:p>
+        </p:txBody>
+      </p:sp>
+      <p:sp>
+        <p:nvSpPr>
+          <p:cNvPr id="7" name="Content Placeholder 6">
+            <a:extLst>
+              <a:ext uri="{FF2B5EF4-FFF2-40B4-BE49-F238E27FC236}">
+                <a16:creationId xmlns:a16="http://schemas.microsoft.com/office/drawing/2014/main" id="{53DDF559-AB16-43D3-96DE-5FD6A71C1A24}"/>
+              </a:ext>
+            </a:extLst>
+          </p:cNvPr>
+          <p:cNvSpPr>
+            <a:spLocks noGrp="1"/>
+          </p:cNvSpPr>
+          <p:nvPr>
+            <p:ph sz="half" idx="14"/>
+          </p:nvPr>
+        </p:nvSpPr>
+        <p:spPr>
+          <a:xfrm>
+            <a:off x="8382000" y="1371282"/>
+            <a:ext cx="3464717" cy="5167630"/>
+          </a:xfrm>
+        </p:spPr>
+        <p:txBody>
+          <a:bodyPr>
+            <a:noAutofit/>
+          </a:bodyPr>
+          <a:lstStyle/>
+          <a:p>
+            <a:r>
+              <a:rPr lang="en-US" sz="1400" b="1" dirty="0"/>
+              <a:t>Fee reminders: </a:t>
+            </a:r>
+            <a:r>
+              <a:rPr lang="en-US" sz="1400" dirty="0"/>
+              <a:t>The manual system involves sending reminders to students and parents regarding pending fees</a:t>
+            </a:r>
+          </a:p>
+          <a:p>
+            <a:r>
+              <a:rPr lang="en-US" sz="1400" b="1" dirty="0"/>
+              <a:t>Fee reporting: </a:t>
+            </a:r>
+            <a:r>
+              <a:rPr lang="en-US" sz="1400" dirty="0"/>
+              <a:t>The manual system involves generating reports on fee collections, outstanding fees, and other related data.</a:t>
+            </a:r>
+          </a:p>
+          <a:p>
+            <a:r>
+              <a:rPr lang="en-US" sz="1400" dirty="0"/>
+              <a:t> </a:t>
+            </a:r>
+            <a:r>
+              <a:rPr lang="en-US" sz="1400" b="1" dirty="0"/>
+              <a:t>Fee records maintenance: </a:t>
+            </a:r>
+            <a:r>
+              <a:rPr lang="en-US" sz="1400" dirty="0"/>
+              <a:t>The manual system involves maintaining records of all fee-related transactions for future reference.</a:t>
+            </a:r>
+          </a:p>
+        </p:txBody>
+      </p:sp>
+      <p:sp>
+        <p:nvSpPr>
+          <p:cNvPr id="29" name="Footer Placeholder 28">
+            <a:extLst>
+              <a:ext uri="{FF2B5EF4-FFF2-40B4-BE49-F238E27FC236}">
+                <a16:creationId xmlns:a16="http://schemas.microsoft.com/office/drawing/2014/main" id="{8B1278D5-2C97-4CEF-8849-C9811924FBA1}"/>
+              </a:ext>
+            </a:extLst>
+          </p:cNvPr>
+          <p:cNvSpPr>
+            <a:spLocks noGrp="1"/>
+          </p:cNvSpPr>
+          <p:nvPr>
+            <p:ph type="ftr" sz="quarter" idx="16"/>
+          </p:nvPr>
+        </p:nvSpPr>
+        <p:spPr/>
+        <p:txBody>
+          <a:bodyPr/>
+          <a:lstStyle/>
+          <a:p>
+            <a:r>
+              <a:rPr lang="en-US" dirty="0"/>
+              <a:t>Add a Footer</a:t>
+            </a:r>
+          </a:p>
+        </p:txBody>
+      </p:sp>
+      <p:sp>
+        <p:nvSpPr>
+          <p:cNvPr id="30" name="Slide Number Placeholder 29">
+            <a:extLst>
+              <a:ext uri="{FF2B5EF4-FFF2-40B4-BE49-F238E27FC236}">
+                <a16:creationId xmlns:a16="http://schemas.microsoft.com/office/drawing/2014/main" id="{2F6ECD0F-66E9-4D96-8436-105A25A341A2}"/>
+              </a:ext>
+            </a:extLst>
+          </p:cNvPr>
+          <p:cNvSpPr>
+            <a:spLocks noGrp="1"/>
+          </p:cNvSpPr>
+          <p:nvPr>
+            <p:ph type="sldNum" sz="quarter" idx="17"/>
+          </p:nvPr>
+        </p:nvSpPr>
+        <p:spPr/>
+        <p:txBody>
+          <a:bodyPr/>
+          <a:lstStyle/>
+          <a:p>
+            <a:fld id="{8C2E478F-E849-4A8C-AF1F-CBCC78A7CBFA}" type="slidenum">
+              <a:rPr lang="en-US" smtClean="0"/>
+              <a:pPr/>
+              <a:t>9</a:t>
+            </a:fld>
+            <a:endParaRPr lang="en-US" dirty="0"/>
+          </a:p>
+        </p:txBody>
+      </p:sp>
+      <p:pic>
+        <p:nvPicPr>
+          <p:cNvPr id="9" name="Picture 8"/>
+          <p:cNvPicPr>
+            <a:picLocks noChangeAspect="1"/>
+          </p:cNvPicPr>
+          <p:nvPr/>
+        </p:nvPicPr>
+        <p:blipFill>
+          <a:blip r:embed="rId2">
+            <a:extLst>
+              <a:ext uri="{28A0092B-C50C-407E-A947-70E740481C1C}">
+                <a14:useLocalDpi xmlns:a14="http://schemas.microsoft.com/office/drawing/2010/main" val="0"/>
+              </a:ext>
+            </a:extLst>
+          </a:blip>
+          <a:stretch>
+            <a:fillRect/>
+          </a:stretch>
+        </p:blipFill>
+        <p:spPr>
+          <a:xfrm>
+            <a:off x="4632960" y="298580"/>
+            <a:ext cx="2926080" cy="6322422"/>
+          </a:xfrm>
+          <a:prstGeom prst="rect">
+            <a:avLst/>
+          </a:prstGeom>
+        </p:spPr>
+      </p:pic>
+    </p:spTree>
+    <p:extLst>
+      <p:ext uri="{BB962C8B-B14F-4D97-AF65-F5344CB8AC3E}">
+        <p14:creationId xmlns:p14="http://schemas.microsoft.com/office/powerpoint/2010/main" val="1010572314"/>
       </p:ext>
     </p:extLst>
   </p:cSld>
